--- a/PLPTH813Bioinformatis/2021/labs/lab05_alignment.pptx
+++ b/PLPTH813Bioinformatis/2021/labs/lab05_alignment.pptx
@@ -234,7 +234,7 @@
           <a:p>
             <a:fld id="{08E6E0A8-E17C-C949-B17E-7A1A6494483A}" type="datetimeFigureOut">
               <a:rPr lang="en-US" smtClean="0"/>
-              <a:t>3/3/21</a:t>
+              <a:t>3/4/21</a:t>
             </a:fld>
             <a:endParaRPr lang="en-US"/>
           </a:p>
@@ -680,7 +680,7 @@
           <a:p>
             <a:fld id="{42B8B0BE-C8D7-EB48-AD68-71DB5002F24B}" type="datetimeFigureOut">
               <a:rPr lang="en-US" smtClean="0"/>
-              <a:t>3/3/21</a:t>
+              <a:t>3/4/21</a:t>
             </a:fld>
             <a:endParaRPr lang="en-US"/>
           </a:p>
@@ -848,7 +848,7 @@
           <a:p>
             <a:fld id="{42B8B0BE-C8D7-EB48-AD68-71DB5002F24B}" type="datetimeFigureOut">
               <a:rPr lang="en-US" smtClean="0"/>
-              <a:t>3/3/21</a:t>
+              <a:t>3/4/21</a:t>
             </a:fld>
             <a:endParaRPr lang="en-US"/>
           </a:p>
@@ -1026,7 +1026,7 @@
           <a:p>
             <a:fld id="{42B8B0BE-C8D7-EB48-AD68-71DB5002F24B}" type="datetimeFigureOut">
               <a:rPr lang="en-US" smtClean="0"/>
-              <a:t>3/3/21</a:t>
+              <a:t>3/4/21</a:t>
             </a:fld>
             <a:endParaRPr lang="en-US"/>
           </a:p>
@@ -1194,7 +1194,7 @@
           <a:p>
             <a:fld id="{42B8B0BE-C8D7-EB48-AD68-71DB5002F24B}" type="datetimeFigureOut">
               <a:rPr lang="en-US" smtClean="0"/>
-              <a:t>3/3/21</a:t>
+              <a:t>3/4/21</a:t>
             </a:fld>
             <a:endParaRPr lang="en-US"/>
           </a:p>
@@ -1439,7 +1439,7 @@
           <a:p>
             <a:fld id="{42B8B0BE-C8D7-EB48-AD68-71DB5002F24B}" type="datetimeFigureOut">
               <a:rPr lang="en-US" smtClean="0"/>
-              <a:t>3/3/21</a:t>
+              <a:t>3/4/21</a:t>
             </a:fld>
             <a:endParaRPr lang="en-US"/>
           </a:p>
@@ -1724,7 +1724,7 @@
           <a:p>
             <a:fld id="{42B8B0BE-C8D7-EB48-AD68-71DB5002F24B}" type="datetimeFigureOut">
               <a:rPr lang="en-US" smtClean="0"/>
-              <a:t>3/3/21</a:t>
+              <a:t>3/4/21</a:t>
             </a:fld>
             <a:endParaRPr lang="en-US"/>
           </a:p>
@@ -2143,7 +2143,7 @@
           <a:p>
             <a:fld id="{42B8B0BE-C8D7-EB48-AD68-71DB5002F24B}" type="datetimeFigureOut">
               <a:rPr lang="en-US" smtClean="0"/>
-              <a:t>3/3/21</a:t>
+              <a:t>3/4/21</a:t>
             </a:fld>
             <a:endParaRPr lang="en-US"/>
           </a:p>
@@ -2260,7 +2260,7 @@
           <a:p>
             <a:fld id="{42B8B0BE-C8D7-EB48-AD68-71DB5002F24B}" type="datetimeFigureOut">
               <a:rPr lang="en-US" smtClean="0"/>
-              <a:t>3/3/21</a:t>
+              <a:t>3/4/21</a:t>
             </a:fld>
             <a:endParaRPr lang="en-US"/>
           </a:p>
@@ -2355,7 +2355,7 @@
           <a:p>
             <a:fld id="{42B8B0BE-C8D7-EB48-AD68-71DB5002F24B}" type="datetimeFigureOut">
               <a:rPr lang="en-US" smtClean="0"/>
-              <a:t>3/3/21</a:t>
+              <a:t>3/4/21</a:t>
             </a:fld>
             <a:endParaRPr lang="en-US"/>
           </a:p>
@@ -2630,7 +2630,7 @@
           <a:p>
             <a:fld id="{42B8B0BE-C8D7-EB48-AD68-71DB5002F24B}" type="datetimeFigureOut">
               <a:rPr lang="en-US" smtClean="0"/>
-              <a:t>3/3/21</a:t>
+              <a:t>3/4/21</a:t>
             </a:fld>
             <a:endParaRPr lang="en-US"/>
           </a:p>
@@ -2882,7 +2882,7 @@
           <a:p>
             <a:fld id="{42B8B0BE-C8D7-EB48-AD68-71DB5002F24B}" type="datetimeFigureOut">
               <a:rPr lang="en-US" smtClean="0"/>
-              <a:t>3/3/21</a:t>
+              <a:t>3/4/21</a:t>
             </a:fld>
             <a:endParaRPr lang="en-US"/>
           </a:p>
@@ -3093,7 +3093,7 @@
           <a:p>
             <a:fld id="{42B8B0BE-C8D7-EB48-AD68-71DB5002F24B}" type="datetimeFigureOut">
               <a:rPr lang="en-US" smtClean="0"/>
-              <a:t>3/3/21</a:t>
+              <a:t>3/4/21</a:t>
             </a:fld>
             <a:endParaRPr lang="en-US"/>
           </a:p>
@@ -7871,12 +7871,6 @@
             <a:pPr marL="0" indent="0">
               <a:buNone/>
             </a:pPr>
-            <a:endParaRPr lang="en-US" dirty="0"/>
-          </a:p>
-          <a:p>
-            <a:pPr marL="0" indent="0">
-              <a:buNone/>
-            </a:pPr>
             <a:r>
               <a:rPr lang="en-US" dirty="0" err="1">
                 <a:latin typeface="Courier New"/>
@@ -8048,6 +8042,45 @@
                 <a:cs typeface="Courier New"/>
               </a:rPr>
               <a:t>AGCGCACAGACAGATAAAAATTACAGAGTACACAACATCCATGAAACGCATTAGCACCACCATTACCACCA</a:t>
+            </a:r>
+          </a:p>
+        </p:txBody>
+      </p:sp>
+      <p:sp>
+        <p:nvSpPr>
+          <p:cNvPr id="4" name="TextBox 3">
+            <a:extLst>
+              <a:ext uri="{FF2B5EF4-FFF2-40B4-BE49-F238E27FC236}">
+                <a16:creationId xmlns:a16="http://schemas.microsoft.com/office/drawing/2014/main" id="{58420D98-30AC-5F4D-876D-3E8705458CA9}"/>
+              </a:ext>
+            </a:extLst>
+          </p:cNvPr>
+          <p:cNvSpPr txBox="1"/>
+          <p:nvPr/>
+        </p:nvSpPr>
+        <p:spPr>
+          <a:xfrm>
+            <a:off x="553064" y="6060142"/>
+            <a:ext cx="4718471" cy="523220"/>
+          </a:xfrm>
+          <a:prstGeom prst="rect">
+            <a:avLst/>
+          </a:prstGeom>
+          <a:noFill/>
+        </p:spPr>
+        <p:txBody>
+          <a:bodyPr wrap="none" rtlCol="0">
+            <a:spAutoFit/>
+          </a:bodyPr>
+          <a:lstStyle/>
+          <a:p>
+            <a:r>
+              <a:rPr lang="en-US" sz="2800" dirty="0">
+                <a:solidFill>
+                  <a:srgbClr val="FF0000"/>
+                </a:solidFill>
+              </a:rPr>
+              <a:t>* Require specific name format</a:t>
             </a:r>
           </a:p>
         </p:txBody>
@@ -8586,7 +8619,7 @@
         </p:spPr>
         <p:txBody>
           <a:bodyPr>
-            <a:normAutofit lnSpcReduction="10000"/>
+            <a:normAutofit/>
           </a:bodyPr>
           <a:lstStyle/>
           <a:p>

--- a/PLPTH813Bioinformatis/2021/labs/lab05_alignment.pptx
+++ b/PLPTH813Bioinformatis/2021/labs/lab05_alignment.pptx
@@ -234,7 +234,7 @@
           <a:p>
             <a:fld id="{08E6E0A8-E17C-C949-B17E-7A1A6494483A}" type="datetimeFigureOut">
               <a:rPr lang="en-US" smtClean="0"/>
-              <a:t>3/4/21</a:t>
+              <a:t>3/17/21</a:t>
             </a:fld>
             <a:endParaRPr lang="en-US"/>
           </a:p>
@@ -680,7 +680,7 @@
           <a:p>
             <a:fld id="{42B8B0BE-C8D7-EB48-AD68-71DB5002F24B}" type="datetimeFigureOut">
               <a:rPr lang="en-US" smtClean="0"/>
-              <a:t>3/4/21</a:t>
+              <a:t>3/17/21</a:t>
             </a:fld>
             <a:endParaRPr lang="en-US"/>
           </a:p>
@@ -848,7 +848,7 @@
           <a:p>
             <a:fld id="{42B8B0BE-C8D7-EB48-AD68-71DB5002F24B}" type="datetimeFigureOut">
               <a:rPr lang="en-US" smtClean="0"/>
-              <a:t>3/4/21</a:t>
+              <a:t>3/17/21</a:t>
             </a:fld>
             <a:endParaRPr lang="en-US"/>
           </a:p>
@@ -1026,7 +1026,7 @@
           <a:p>
             <a:fld id="{42B8B0BE-C8D7-EB48-AD68-71DB5002F24B}" type="datetimeFigureOut">
               <a:rPr lang="en-US" smtClean="0"/>
-              <a:t>3/4/21</a:t>
+              <a:t>3/17/21</a:t>
             </a:fld>
             <a:endParaRPr lang="en-US"/>
           </a:p>
@@ -1194,7 +1194,7 @@
           <a:p>
             <a:fld id="{42B8B0BE-C8D7-EB48-AD68-71DB5002F24B}" type="datetimeFigureOut">
               <a:rPr lang="en-US" smtClean="0"/>
-              <a:t>3/4/21</a:t>
+              <a:t>3/17/21</a:t>
             </a:fld>
             <a:endParaRPr lang="en-US"/>
           </a:p>
@@ -1439,7 +1439,7 @@
           <a:p>
             <a:fld id="{42B8B0BE-C8D7-EB48-AD68-71DB5002F24B}" type="datetimeFigureOut">
               <a:rPr lang="en-US" smtClean="0"/>
-              <a:t>3/4/21</a:t>
+              <a:t>3/17/21</a:t>
             </a:fld>
             <a:endParaRPr lang="en-US"/>
           </a:p>
@@ -1724,7 +1724,7 @@
           <a:p>
             <a:fld id="{42B8B0BE-C8D7-EB48-AD68-71DB5002F24B}" type="datetimeFigureOut">
               <a:rPr lang="en-US" smtClean="0"/>
-              <a:t>3/4/21</a:t>
+              <a:t>3/17/21</a:t>
             </a:fld>
             <a:endParaRPr lang="en-US"/>
           </a:p>
@@ -2143,7 +2143,7 @@
           <a:p>
             <a:fld id="{42B8B0BE-C8D7-EB48-AD68-71DB5002F24B}" type="datetimeFigureOut">
               <a:rPr lang="en-US" smtClean="0"/>
-              <a:t>3/4/21</a:t>
+              <a:t>3/17/21</a:t>
             </a:fld>
             <a:endParaRPr lang="en-US"/>
           </a:p>
@@ -2260,7 +2260,7 @@
           <a:p>
             <a:fld id="{42B8B0BE-C8D7-EB48-AD68-71DB5002F24B}" type="datetimeFigureOut">
               <a:rPr lang="en-US" smtClean="0"/>
-              <a:t>3/4/21</a:t>
+              <a:t>3/17/21</a:t>
             </a:fld>
             <a:endParaRPr lang="en-US"/>
           </a:p>
@@ -2355,7 +2355,7 @@
           <a:p>
             <a:fld id="{42B8B0BE-C8D7-EB48-AD68-71DB5002F24B}" type="datetimeFigureOut">
               <a:rPr lang="en-US" smtClean="0"/>
-              <a:t>3/4/21</a:t>
+              <a:t>3/17/21</a:t>
             </a:fld>
             <a:endParaRPr lang="en-US"/>
           </a:p>
@@ -2630,7 +2630,7 @@
           <a:p>
             <a:fld id="{42B8B0BE-C8D7-EB48-AD68-71DB5002F24B}" type="datetimeFigureOut">
               <a:rPr lang="en-US" smtClean="0"/>
-              <a:t>3/4/21</a:t>
+              <a:t>3/17/21</a:t>
             </a:fld>
             <a:endParaRPr lang="en-US"/>
           </a:p>
@@ -2882,7 +2882,7 @@
           <a:p>
             <a:fld id="{42B8B0BE-C8D7-EB48-AD68-71DB5002F24B}" type="datetimeFigureOut">
               <a:rPr lang="en-US" smtClean="0"/>
-              <a:t>3/4/21</a:t>
+              <a:t>3/17/21</a:t>
             </a:fld>
             <a:endParaRPr lang="en-US"/>
           </a:p>
@@ -3093,7 +3093,7 @@
           <a:p>
             <a:fld id="{42B8B0BE-C8D7-EB48-AD68-71DB5002F24B}" type="datetimeFigureOut">
               <a:rPr lang="en-US" smtClean="0"/>
-              <a:t>3/4/21</a:t>
+              <a:t>3/17/21</a:t>
             </a:fld>
             <a:endParaRPr lang="en-US"/>
           </a:p>
@@ -3540,7 +3540,7 @@
           <a:p>
             <a:r>
               <a:rPr lang="en-US" sz="2800" dirty="0"/>
-              <a:t>3/9/2021</a:t>
+              <a:t>3/18/2021</a:t>
             </a:r>
           </a:p>
         </p:txBody>

--- a/PLPTH813Bioinformatis/2021/labs/lab05_alignment.pptx
+++ b/PLPTH813Bioinformatis/2021/labs/lab05_alignment.pptx
@@ -5,7 +5,7 @@
     <p:sldMasterId id="2147483648" r:id="rId1"/>
   </p:sldMasterIdLst>
   <p:notesMasterIdLst>
-    <p:notesMasterId r:id="rId29"/>
+    <p:notesMasterId r:id="rId30"/>
   </p:notesMasterIdLst>
   <p:sldIdLst>
     <p:sldId id="256" r:id="rId2"/>
@@ -15,26 +15,27 @@
     <p:sldId id="295" r:id="rId6"/>
     <p:sldId id="296" r:id="rId7"/>
     <p:sldId id="297" r:id="rId8"/>
-    <p:sldId id="271" r:id="rId9"/>
-    <p:sldId id="280" r:id="rId10"/>
-    <p:sldId id="285" r:id="rId11"/>
-    <p:sldId id="275" r:id="rId12"/>
-    <p:sldId id="286" r:id="rId13"/>
-    <p:sldId id="287" r:id="rId14"/>
-    <p:sldId id="289" r:id="rId15"/>
-    <p:sldId id="288" r:id="rId16"/>
-    <p:sldId id="290" r:id="rId17"/>
-    <p:sldId id="291" r:id="rId18"/>
-    <p:sldId id="279" r:id="rId19"/>
-    <p:sldId id="308" r:id="rId20"/>
-    <p:sldId id="300" r:id="rId21"/>
-    <p:sldId id="301" r:id="rId22"/>
-    <p:sldId id="302" r:id="rId23"/>
-    <p:sldId id="303" r:id="rId24"/>
-    <p:sldId id="304" r:id="rId25"/>
-    <p:sldId id="305" r:id="rId26"/>
-    <p:sldId id="306" r:id="rId27"/>
-    <p:sldId id="307" r:id="rId28"/>
+    <p:sldId id="309" r:id="rId9"/>
+    <p:sldId id="271" r:id="rId10"/>
+    <p:sldId id="280" r:id="rId11"/>
+    <p:sldId id="285" r:id="rId12"/>
+    <p:sldId id="275" r:id="rId13"/>
+    <p:sldId id="286" r:id="rId14"/>
+    <p:sldId id="287" r:id="rId15"/>
+    <p:sldId id="289" r:id="rId16"/>
+    <p:sldId id="288" r:id="rId17"/>
+    <p:sldId id="290" r:id="rId18"/>
+    <p:sldId id="291" r:id="rId19"/>
+    <p:sldId id="279" r:id="rId20"/>
+    <p:sldId id="308" r:id="rId21"/>
+    <p:sldId id="300" r:id="rId22"/>
+    <p:sldId id="301" r:id="rId23"/>
+    <p:sldId id="302" r:id="rId24"/>
+    <p:sldId id="303" r:id="rId25"/>
+    <p:sldId id="304" r:id="rId26"/>
+    <p:sldId id="305" r:id="rId27"/>
+    <p:sldId id="306" r:id="rId28"/>
+    <p:sldId id="307" r:id="rId29"/>
   </p:sldIdLst>
   <p:sldSz cx="9144000" cy="6858000" type="screen4x3"/>
   <p:notesSz cx="6858000" cy="9144000"/>
@@ -3592,7 +3593,7 @@
           <a:p>
             <a:r>
               <a:rPr lang="en-US" dirty="0"/>
-              <a:t>Query data</a:t>
+              <a:t>Step 1: Create a database</a:t>
             </a:r>
           </a:p>
         </p:txBody>
@@ -3609,8 +3610,8 @@
         </p:nvSpPr>
         <p:spPr>
           <a:xfrm>
-            <a:off x="457200" y="1047625"/>
-            <a:ext cx="8686800" cy="4828202"/>
+            <a:off x="288894" y="1530327"/>
+            <a:ext cx="8686800" cy="4522118"/>
           </a:xfrm>
         </p:spPr>
         <p:txBody>
@@ -3619,190 +3620,146 @@
           </a:bodyPr>
           <a:lstStyle/>
           <a:p>
-            <a:pPr marL="0" indent="0">
-              <a:lnSpc>
-                <a:spcPct val="120000"/>
-              </a:lnSpc>
+            <a:r>
+              <a:rPr lang="en-US" b="1" dirty="0" err="1">
+                <a:solidFill>
+                  <a:srgbClr val="17375E"/>
+                </a:solidFill>
+              </a:rPr>
+              <a:t>makeblastdb</a:t>
+            </a:r>
+            <a:endParaRPr lang="en-US" b="1" dirty="0">
+              <a:solidFill>
+                <a:srgbClr val="17375E"/>
+              </a:solidFill>
+            </a:endParaRPr>
+          </a:p>
+          <a:p>
+            <a:pPr marL="0" indent="0">
               <a:buNone/>
             </a:pPr>
             <a:r>
               <a:rPr lang="en-US" dirty="0"/>
-              <a:t># check the current directory</a:t>
-            </a:r>
-          </a:p>
-          <a:p>
-            <a:pPr marL="0" indent="0">
-              <a:lnSpc>
-                <a:spcPct val="120000"/>
-              </a:lnSpc>
-              <a:buNone/>
-            </a:pPr>
-            <a:r>
-              <a:rPr lang="en-US" dirty="0" err="1">
-                <a:latin typeface="Courier"/>
-                <a:cs typeface="Courier"/>
-              </a:rPr>
-              <a:t>pwd</a:t>
-            </a:r>
+              <a:t>A program to create a BLAST database</a:t>
+            </a:r>
+          </a:p>
+          <a:p>
+            <a:pPr marL="0" indent="0">
+              <a:buNone/>
+            </a:pPr>
             <a:endParaRPr lang="en-US" dirty="0">
-              <a:latin typeface="Courier"/>
-              <a:cs typeface="Courier"/>
+              <a:latin typeface="Courier New"/>
+              <a:cs typeface="Courier New"/>
             </a:endParaRPr>
           </a:p>
           <a:p>
             <a:pPr marL="0" indent="0">
-              <a:lnSpc>
-                <a:spcPct val="120000"/>
-              </a:lnSpc>
-              <a:buNone/>
-            </a:pPr>
-            <a:r>
-              <a:rPr lang="en-US" dirty="0">
-                <a:latin typeface="Courier"/>
-                <a:cs typeface="Courier"/>
-              </a:rPr>
-              <a:t>cd ..</a:t>
-            </a:r>
-          </a:p>
-          <a:p>
-            <a:pPr marL="0" indent="0">
-              <a:lnSpc>
-                <a:spcPct val="120000"/>
-              </a:lnSpc>
-              <a:buNone/>
-            </a:pPr>
-            <a:r>
-              <a:rPr lang="en-US" dirty="0" err="1">
-                <a:latin typeface="Courier"/>
-                <a:cs typeface="Courier"/>
-              </a:rPr>
-              <a:t>mkdir</a:t>
-            </a:r>
-            <a:r>
-              <a:rPr lang="en-US" dirty="0">
-                <a:latin typeface="Courier"/>
-                <a:cs typeface="Courier"/>
-              </a:rPr>
-              <a:t> alignment</a:t>
-            </a:r>
-          </a:p>
-          <a:p>
-            <a:pPr marL="0" indent="0">
-              <a:lnSpc>
-                <a:spcPct val="120000"/>
-              </a:lnSpc>
-              <a:buNone/>
-            </a:pPr>
-            <a:r>
-              <a:rPr lang="en-US" dirty="0">
-                <a:latin typeface="Courier"/>
-                <a:cs typeface="Courier"/>
-              </a:rPr>
-              <a:t>cd alignment</a:t>
-            </a:r>
-          </a:p>
-          <a:p>
-            <a:pPr marL="0" indent="0">
-              <a:lnSpc>
-                <a:spcPct val="120000"/>
-              </a:lnSpc>
-              <a:buNone/>
-            </a:pPr>
-            <a:endParaRPr lang="en-US" dirty="0">
-              <a:latin typeface="Courier"/>
-              <a:cs typeface="Courier"/>
+              <a:buNone/>
+            </a:pPr>
+            <a:r>
+              <a:rPr lang="en-US" sz="2800" dirty="0" err="1">
+                <a:latin typeface="Courier New"/>
+                <a:cs typeface="Courier New"/>
+              </a:rPr>
+              <a:t>makeblastdb</a:t>
+            </a:r>
+            <a:r>
+              <a:rPr lang="en-US" sz="2800" dirty="0">
+                <a:latin typeface="Courier New"/>
+                <a:cs typeface="Courier New"/>
+              </a:rPr>
+              <a:t> –h</a:t>
+            </a:r>
+          </a:p>
+          <a:p>
+            <a:pPr marL="0" indent="0">
+              <a:buNone/>
+            </a:pPr>
+            <a:endParaRPr lang="en-US" sz="2800" dirty="0">
+              <a:latin typeface="Courier New"/>
+              <a:cs typeface="Courier New"/>
             </a:endParaRPr>
           </a:p>
           <a:p>
-            <a:pPr>
-              <a:lnSpc>
-                <a:spcPct val="120000"/>
-              </a:lnSpc>
-            </a:pPr>
-            <a:r>
-              <a:rPr lang="fr-FR" dirty="0"/>
-              <a:t>a DNA </a:t>
-            </a:r>
-            <a:r>
-              <a:rPr lang="fr-FR" dirty="0" err="1"/>
-              <a:t>sequence</a:t>
-            </a:r>
-            <a:r>
-              <a:rPr lang="fr-FR" dirty="0"/>
-              <a:t> and </a:t>
-            </a:r>
-            <a:r>
-              <a:rPr lang="en-US" dirty="0"/>
-              <a:t>a protein sequence</a:t>
-            </a:r>
-            <a:endParaRPr lang="fr-FR" dirty="0"/>
-          </a:p>
-          <a:p>
-            <a:pPr marL="0" indent="0">
-              <a:lnSpc>
-                <a:spcPct val="120000"/>
-              </a:lnSpc>
-              <a:buNone/>
-            </a:pPr>
-            <a:r>
-              <a:rPr lang="en-US" sz="1800" dirty="0">
-                <a:latin typeface="Courier"/>
-                <a:cs typeface="Courier"/>
-              </a:rPr>
-              <a:t># copy two sequence files</a:t>
-            </a:r>
-          </a:p>
-          <a:p>
-            <a:pPr marL="0" indent="0">
-              <a:lnSpc>
-                <a:spcPct val="120000"/>
-              </a:lnSpc>
-              <a:buNone/>
-            </a:pPr>
-            <a:r>
-              <a:rPr lang="en-US" sz="1800" dirty="0" err="1">
-                <a:latin typeface="Courier"/>
-                <a:cs typeface="Courier"/>
-              </a:rPr>
-              <a:t>cp</a:t>
-            </a:r>
-            <a:r>
-              <a:rPr lang="en-US" sz="1800" dirty="0">
-                <a:latin typeface="Courier"/>
-                <a:cs typeface="Courier"/>
-              </a:rPr>
-              <a:t> /homes/liu3zhen/teaching/datasets/sequences/*.</a:t>
-            </a:r>
-            <a:r>
-              <a:rPr lang="en-US" sz="1800" dirty="0" err="1">
-                <a:latin typeface="Courier"/>
-                <a:cs typeface="Courier"/>
-              </a:rPr>
-              <a:t>fa</a:t>
-            </a:r>
-            <a:r>
-              <a:rPr lang="en-US" sz="1800" dirty="0">
-                <a:latin typeface="Courier"/>
-                <a:cs typeface="Courier"/>
+            <a:pPr marL="0" indent="0">
+              <a:buNone/>
+            </a:pPr>
+            <a:r>
+              <a:rPr lang="en-US" sz="2800" dirty="0" err="1">
+                <a:latin typeface="Courier New"/>
+                <a:cs typeface="Courier New"/>
+              </a:rPr>
+              <a:t>makeblastdb</a:t>
+            </a:r>
+            <a:r>
+              <a:rPr lang="en-US" sz="2800" dirty="0">
+                <a:latin typeface="Courier New"/>
+                <a:cs typeface="Courier New"/>
+              </a:rPr>
+              <a:t> -in MG1655.fasta \</a:t>
+            </a:r>
+          </a:p>
+          <a:p>
+            <a:pPr marL="0" indent="0">
+              <a:buNone/>
+            </a:pPr>
+            <a:r>
+              <a:rPr lang="en-US" sz="2800" dirty="0">
+                <a:latin typeface="Courier New"/>
+                <a:cs typeface="Courier New"/>
+              </a:rPr>
+              <a:t>	-out MG1655 -</a:t>
+            </a:r>
+            <a:r>
+              <a:rPr lang="en-US" sz="2800" dirty="0" err="1">
+                <a:latin typeface="Courier New"/>
+                <a:cs typeface="Courier New"/>
+              </a:rPr>
+              <a:t>dbtype</a:t>
+            </a:r>
+            <a:r>
+              <a:rPr lang="en-US" sz="2800" dirty="0">
+                <a:latin typeface="Courier New"/>
+                <a:cs typeface="Courier New"/>
               </a:rPr>
               <a:t> </a:t>
             </a:r>
             <a:r>
-              <a:rPr lang="en-US" sz="1800" dirty="0">
-                <a:solidFill>
-                  <a:srgbClr val="FF0000"/>
-                </a:solidFill>
-                <a:latin typeface="Courier"/>
-                <a:cs typeface="Courier"/>
-              </a:rPr>
-              <a:t>.</a:t>
-            </a:r>
-            <a:endParaRPr lang="fr-FR" sz="1800" dirty="0">
-              <a:solidFill>
-                <a:srgbClr val="FF0000"/>
-              </a:solidFill>
-              <a:latin typeface="Courier"/>
-              <a:cs typeface="Courier"/>
+              <a:rPr lang="en-US" sz="2800" dirty="0" err="1">
+                <a:latin typeface="Courier New"/>
+                <a:cs typeface="Courier New"/>
+              </a:rPr>
+              <a:t>nucl</a:t>
+            </a:r>
+            <a:r>
+              <a:rPr lang="en-US" sz="2800" dirty="0">
+                <a:latin typeface="Courier New"/>
+                <a:cs typeface="Courier New"/>
+              </a:rPr>
+              <a:t> \</a:t>
+            </a:r>
+          </a:p>
+          <a:p>
+            <a:pPr marL="0" indent="0">
+              <a:buNone/>
+            </a:pPr>
+            <a:r>
+              <a:rPr lang="en-US" sz="2800" dirty="0">
+                <a:latin typeface="Courier New"/>
+                <a:cs typeface="Courier New"/>
+              </a:rPr>
+              <a:t>	-</a:t>
+            </a:r>
+            <a:r>
+              <a:rPr lang="en-US" sz="2800" dirty="0" err="1">
+                <a:latin typeface="Courier New"/>
+                <a:cs typeface="Courier New"/>
+              </a:rPr>
+              <a:t>parse_seqids</a:t>
+            </a:r>
+            <a:endParaRPr lang="en-US" sz="2800" dirty="0">
+              <a:latin typeface="Courier New"/>
+              <a:cs typeface="Courier New"/>
             </a:endParaRPr>
           </a:p>
         </p:txBody>
@@ -3810,7 +3767,7 @@
     </p:spTree>
     <p:extLst>
       <p:ext uri="{BB962C8B-B14F-4D97-AF65-F5344CB8AC3E}">
-        <p14:creationId xmlns:p14="http://schemas.microsoft.com/office/powerpoint/2010/main" val="2158610458"/>
+        <p14:creationId xmlns:p14="http://schemas.microsoft.com/office/powerpoint/2010/main" val="1487461360"/>
       </p:ext>
     </p:extLst>
   </p:cSld>
@@ -3854,7 +3811,7 @@
           <a:p>
             <a:r>
               <a:rPr lang="en-US" dirty="0"/>
-              <a:t>BLASTN</a:t>
+              <a:t>Query data</a:t>
             </a:r>
           </a:p>
         </p:txBody>
@@ -3871,8 +3828,270 @@
         </p:nvSpPr>
         <p:spPr>
           <a:xfrm>
-            <a:off x="244809" y="1287766"/>
-            <a:ext cx="8644819" cy="437694"/>
+            <a:off x="75157" y="1047625"/>
+            <a:ext cx="9144000" cy="4828202"/>
+          </a:xfrm>
+        </p:spPr>
+        <p:txBody>
+          <a:bodyPr>
+            <a:normAutofit fontScale="92500"/>
+          </a:bodyPr>
+          <a:lstStyle/>
+          <a:p>
+            <a:pPr marL="0" indent="0">
+              <a:lnSpc>
+                <a:spcPct val="120000"/>
+              </a:lnSpc>
+              <a:buNone/>
+            </a:pPr>
+            <a:r>
+              <a:rPr lang="en-US" dirty="0"/>
+              <a:t># check the current directory</a:t>
+            </a:r>
+          </a:p>
+          <a:p>
+            <a:pPr marL="0" indent="0">
+              <a:lnSpc>
+                <a:spcPct val="120000"/>
+              </a:lnSpc>
+              <a:buNone/>
+            </a:pPr>
+            <a:r>
+              <a:rPr lang="en-US" dirty="0" err="1">
+                <a:latin typeface="Courier"/>
+                <a:cs typeface="Courier"/>
+              </a:rPr>
+              <a:t>pwd</a:t>
+            </a:r>
+            <a:endParaRPr lang="en-US" dirty="0">
+              <a:latin typeface="Courier"/>
+              <a:cs typeface="Courier"/>
+            </a:endParaRPr>
+          </a:p>
+          <a:p>
+            <a:pPr marL="0" indent="0">
+              <a:lnSpc>
+                <a:spcPct val="120000"/>
+              </a:lnSpc>
+              <a:buNone/>
+            </a:pPr>
+            <a:r>
+              <a:rPr lang="en-US" dirty="0">
+                <a:latin typeface="Courier"/>
+                <a:cs typeface="Courier"/>
+              </a:rPr>
+              <a:t>cd ..</a:t>
+            </a:r>
+          </a:p>
+          <a:p>
+            <a:pPr marL="0" indent="0">
+              <a:lnSpc>
+                <a:spcPct val="120000"/>
+              </a:lnSpc>
+              <a:buNone/>
+            </a:pPr>
+            <a:r>
+              <a:rPr lang="en-US" dirty="0" err="1">
+                <a:latin typeface="Courier"/>
+                <a:cs typeface="Courier"/>
+              </a:rPr>
+              <a:t>mkdir</a:t>
+            </a:r>
+            <a:r>
+              <a:rPr lang="en-US" dirty="0">
+                <a:latin typeface="Courier"/>
+                <a:cs typeface="Courier"/>
+              </a:rPr>
+              <a:t> alignment</a:t>
+            </a:r>
+          </a:p>
+          <a:p>
+            <a:pPr marL="0" indent="0">
+              <a:lnSpc>
+                <a:spcPct val="120000"/>
+              </a:lnSpc>
+              <a:buNone/>
+            </a:pPr>
+            <a:r>
+              <a:rPr lang="en-US" dirty="0">
+                <a:latin typeface="Courier"/>
+                <a:cs typeface="Courier"/>
+              </a:rPr>
+              <a:t>cd alignment</a:t>
+            </a:r>
+          </a:p>
+          <a:p>
+            <a:pPr marL="0" indent="0">
+              <a:lnSpc>
+                <a:spcPct val="120000"/>
+              </a:lnSpc>
+              <a:buNone/>
+            </a:pPr>
+            <a:endParaRPr lang="en-US" dirty="0">
+              <a:latin typeface="Courier"/>
+              <a:cs typeface="Courier"/>
+            </a:endParaRPr>
+          </a:p>
+          <a:p>
+            <a:pPr>
+              <a:lnSpc>
+                <a:spcPct val="120000"/>
+              </a:lnSpc>
+            </a:pPr>
+            <a:r>
+              <a:rPr lang="fr-FR" dirty="0"/>
+              <a:t>a DNA </a:t>
+            </a:r>
+            <a:r>
+              <a:rPr lang="fr-FR" dirty="0" err="1"/>
+              <a:t>sequence</a:t>
+            </a:r>
+            <a:r>
+              <a:rPr lang="fr-FR" dirty="0"/>
+              <a:t> and </a:t>
+            </a:r>
+            <a:r>
+              <a:rPr lang="en-US" dirty="0"/>
+              <a:t>a protein sequence</a:t>
+            </a:r>
+            <a:endParaRPr lang="fr-FR" dirty="0"/>
+          </a:p>
+          <a:p>
+            <a:pPr marL="0" indent="0">
+              <a:lnSpc>
+                <a:spcPct val="120000"/>
+              </a:lnSpc>
+              <a:buNone/>
+            </a:pPr>
+            <a:r>
+              <a:rPr lang="en-US" sz="1800" dirty="0">
+                <a:latin typeface="Courier"/>
+                <a:cs typeface="Courier"/>
+              </a:rPr>
+              <a:t># copy two sequence files</a:t>
+            </a:r>
+          </a:p>
+          <a:p>
+            <a:pPr marL="0" indent="0">
+              <a:lnSpc>
+                <a:spcPct val="120000"/>
+              </a:lnSpc>
+              <a:buNone/>
+            </a:pPr>
+            <a:r>
+              <a:rPr lang="en-US" dirty="0" err="1">
+                <a:latin typeface="Courier"/>
+                <a:cs typeface="Courier"/>
+              </a:rPr>
+              <a:t>cp</a:t>
+            </a:r>
+            <a:r>
+              <a:rPr lang="en-US" dirty="0">
+                <a:latin typeface="Courier"/>
+                <a:cs typeface="Courier"/>
+              </a:rPr>
+              <a:t> /homes/liu3zhen/teaching/datasets/sequences/*.</a:t>
+            </a:r>
+            <a:r>
+              <a:rPr lang="en-US" dirty="0" err="1">
+                <a:latin typeface="Courier"/>
+                <a:cs typeface="Courier"/>
+              </a:rPr>
+              <a:t>fa</a:t>
+            </a:r>
+            <a:r>
+              <a:rPr lang="en-US" dirty="0">
+                <a:latin typeface="Courier"/>
+                <a:cs typeface="Courier"/>
+              </a:rPr>
+              <a:t> </a:t>
+            </a:r>
+            <a:r>
+              <a:rPr lang="en-US" dirty="0">
+                <a:solidFill>
+                  <a:srgbClr val="FF0000"/>
+                </a:solidFill>
+                <a:latin typeface="Courier"/>
+                <a:cs typeface="Courier"/>
+              </a:rPr>
+              <a:t>.</a:t>
+            </a:r>
+            <a:endParaRPr lang="fr-FR" dirty="0">
+              <a:solidFill>
+                <a:srgbClr val="FF0000"/>
+              </a:solidFill>
+              <a:latin typeface="Courier"/>
+              <a:cs typeface="Courier"/>
+            </a:endParaRPr>
+          </a:p>
+        </p:txBody>
+      </p:sp>
+    </p:spTree>
+    <p:extLst>
+      <p:ext uri="{BB962C8B-B14F-4D97-AF65-F5344CB8AC3E}">
+        <p14:creationId xmlns:p14="http://schemas.microsoft.com/office/powerpoint/2010/main" val="2158610458"/>
+      </p:ext>
+    </p:extLst>
+  </p:cSld>
+  <p:clrMapOvr>
+    <a:masterClrMapping/>
+  </p:clrMapOvr>
+</p:sld>
+</file>
+
+<file path=ppt/slides/slide12.xml><?xml version="1.0" encoding="utf-8"?>
+<p:sld xmlns:a="http://schemas.openxmlformats.org/drawingml/2006/main" xmlns:r="http://schemas.openxmlformats.org/officeDocument/2006/relationships" xmlns:p="http://schemas.openxmlformats.org/presentationml/2006/main">
+  <p:cSld>
+    <p:spTree>
+      <p:nvGrpSpPr>
+        <p:cNvPr id="1" name=""/>
+        <p:cNvGrpSpPr/>
+        <p:nvPr/>
+      </p:nvGrpSpPr>
+      <p:grpSpPr>
+        <a:xfrm>
+          <a:off x="0" y="0"/>
+          <a:ext cx="0" cy="0"/>
+          <a:chOff x="0" y="0"/>
+          <a:chExt cx="0" cy="0"/>
+        </a:xfrm>
+      </p:grpSpPr>
+      <p:sp>
+        <p:nvSpPr>
+          <p:cNvPr id="2" name="Title 1"/>
+          <p:cNvSpPr>
+            <a:spLocks noGrp="1"/>
+          </p:cNvSpPr>
+          <p:nvPr>
+            <p:ph type="title"/>
+          </p:nvPr>
+        </p:nvSpPr>
+        <p:spPr/>
+        <p:txBody>
+          <a:bodyPr/>
+          <a:lstStyle/>
+          <a:p>
+            <a:r>
+              <a:rPr lang="en-US" dirty="0"/>
+              <a:t>BLASTN</a:t>
+            </a:r>
+          </a:p>
+        </p:txBody>
+      </p:sp>
+      <p:sp>
+        <p:nvSpPr>
+          <p:cNvPr id="3" name="Content Placeholder 2"/>
+          <p:cNvSpPr>
+            <a:spLocks noGrp="1"/>
+          </p:cNvSpPr>
+          <p:nvPr>
+            <p:ph idx="1"/>
+          </p:nvPr>
+        </p:nvSpPr>
+        <p:spPr>
+          <a:xfrm>
+            <a:off x="249590" y="1192054"/>
+            <a:ext cx="8644819" cy="1169415"/>
           </a:xfrm>
         </p:spPr>
         <p:txBody>
@@ -3885,48 +4104,60 @@
               <a:buNone/>
             </a:pPr>
             <a:r>
-              <a:rPr lang="en-US" dirty="0" err="1">
+              <a:rPr lang="en-US" sz="2800" dirty="0" err="1">
                 <a:latin typeface="Courier New"/>
                 <a:cs typeface="Courier New"/>
               </a:rPr>
               <a:t>blastn</a:t>
             </a:r>
             <a:r>
-              <a:rPr lang="en-US" dirty="0">
+              <a:rPr lang="en-US" sz="2800" dirty="0">
                 <a:latin typeface="Courier New"/>
                 <a:cs typeface="Courier New"/>
               </a:rPr>
-              <a:t> -query MG1655dnaseq.fa -</a:t>
-            </a:r>
-            <a:r>
-              <a:rPr lang="en-US" dirty="0" err="1">
+              <a:t> -query MG1655dnaseq.fa \</a:t>
+            </a:r>
+          </a:p>
+          <a:p>
+            <a:pPr marL="0" indent="0">
+              <a:buNone/>
+            </a:pPr>
+            <a:r>
+              <a:rPr lang="en-US" sz="2800" dirty="0">
                 <a:latin typeface="Courier New"/>
                 <a:cs typeface="Courier New"/>
               </a:rPr>
-              <a:t>db</a:t>
-            </a:r>
-            <a:r>
-              <a:rPr lang="en-US" dirty="0">
+              <a:t>-</a:t>
+            </a:r>
+            <a:r>
+              <a:rPr lang="en-US" sz="2800" dirty="0" err="1">
                 <a:latin typeface="Courier New"/>
                 <a:cs typeface="Courier New"/>
               </a:rPr>
-              <a:t> ../</a:t>
-            </a:r>
-            <a:r>
-              <a:rPr lang="en-US" dirty="0" err="1">
+              <a:t>db</a:t>
+            </a:r>
+            <a:r>
+              <a:rPr lang="en-US" sz="2800" dirty="0">
                 <a:latin typeface="Courier New"/>
                 <a:cs typeface="Courier New"/>
               </a:rPr>
-              <a:t>db</a:t>
-            </a:r>
-            <a:r>
-              <a:rPr lang="en-US" dirty="0">
+              <a:t> ../</a:t>
+            </a:r>
+            <a:r>
+              <a:rPr lang="en-US" sz="2800" dirty="0" err="1">
                 <a:latin typeface="Courier New"/>
                 <a:cs typeface="Courier New"/>
               </a:rPr>
+              <a:t>db</a:t>
+            </a:r>
+            <a:r>
+              <a:rPr lang="en-US" sz="2800" dirty="0">
+                <a:latin typeface="Courier New"/>
+                <a:cs typeface="Courier New"/>
+              </a:rPr>
               <a:t>/MG1655</a:t>
             </a:r>
-            <a:endParaRPr lang="en-US" dirty="0"/>
+            <a:endParaRPr lang="en-US" sz="2800" dirty="0"/>
           </a:p>
         </p:txBody>
       </p:sp>
@@ -3938,7 +4169,7 @@
         </p:nvSpPr>
         <p:spPr>
           <a:xfrm>
-            <a:off x="1048088" y="2073372"/>
+            <a:off x="1048088" y="2361470"/>
             <a:ext cx="7153013" cy="4093428"/>
           </a:xfrm>
           <a:prstGeom prst="rect">
@@ -4415,7 +4646,7 @@
 </p:sld>
 </file>
 
-<file path=ppt/slides/slide12.xml><?xml version="1.0" encoding="utf-8"?>
+<file path=ppt/slides/slide13.xml><?xml version="1.0" encoding="utf-8"?>
 <p:sld xmlns:a="http://schemas.openxmlformats.org/drawingml/2006/main" xmlns:r="http://schemas.openxmlformats.org/officeDocument/2006/relationships" xmlns:p="http://schemas.openxmlformats.org/presentationml/2006/main">
   <p:cSld>
     <p:spTree>
@@ -6053,8 +6284,8 @@
         </p:nvSpPr>
         <p:spPr>
           <a:xfrm>
-            <a:off x="244809" y="1287766"/>
-            <a:ext cx="8644819" cy="846812"/>
+            <a:off x="249590" y="1311527"/>
+            <a:ext cx="8644819" cy="1179031"/>
           </a:xfrm>
           <a:prstGeom prst="rect">
             <a:avLst/>
@@ -6206,49 +6437,61 @@
               <a:buNone/>
             </a:pPr>
             <a:r>
-              <a:rPr lang="en-US" dirty="0" err="1">
+              <a:rPr lang="en-US" sz="2800" dirty="0" err="1">
                 <a:latin typeface="Courier New"/>
                 <a:cs typeface="Courier New"/>
               </a:rPr>
               <a:t>blastn</a:t>
             </a:r>
             <a:r>
-              <a:rPr lang="en-US" dirty="0">
+              <a:rPr lang="en-US" sz="2800" dirty="0">
                 <a:latin typeface="Courier New"/>
                 <a:cs typeface="Courier New"/>
               </a:rPr>
-              <a:t> -query MG1655dnaseq.fa -</a:t>
-            </a:r>
-            <a:r>
-              <a:rPr lang="en-US" dirty="0" err="1">
+              <a:t> -query MG1655dnaseq.fa \</a:t>
+            </a:r>
+          </a:p>
+          <a:p>
+            <a:pPr marL="0" indent="0">
+              <a:buNone/>
+            </a:pPr>
+            <a:r>
+              <a:rPr lang="en-US" sz="2800" dirty="0">
                 <a:latin typeface="Courier New"/>
                 <a:cs typeface="Courier New"/>
               </a:rPr>
-              <a:t>db</a:t>
-            </a:r>
-            <a:r>
-              <a:rPr lang="en-US" dirty="0">
+              <a:t>	-</a:t>
+            </a:r>
+            <a:r>
+              <a:rPr lang="en-US" sz="2800" dirty="0" err="1">
                 <a:latin typeface="Courier New"/>
                 <a:cs typeface="Courier New"/>
               </a:rPr>
-              <a:t> ../</a:t>
-            </a:r>
-            <a:r>
-              <a:rPr lang="en-US" dirty="0" err="1">
+              <a:t>db</a:t>
+            </a:r>
+            <a:r>
+              <a:rPr lang="en-US" sz="2800" dirty="0">
                 <a:latin typeface="Courier New"/>
                 <a:cs typeface="Courier New"/>
               </a:rPr>
-              <a:t>db</a:t>
-            </a:r>
-            <a:r>
-              <a:rPr lang="en-US" dirty="0">
+              <a:t> ../</a:t>
+            </a:r>
+            <a:r>
+              <a:rPr lang="en-US" sz="2800" dirty="0" err="1">
                 <a:latin typeface="Courier New"/>
                 <a:cs typeface="Courier New"/>
               </a:rPr>
+              <a:t>db</a:t>
+            </a:r>
+            <a:r>
+              <a:rPr lang="en-US" sz="2800" dirty="0">
+                <a:latin typeface="Courier New"/>
+                <a:cs typeface="Courier New"/>
+              </a:rPr>
               <a:t>/MG1655 -</a:t>
             </a:r>
             <a:r>
-              <a:rPr lang="en-US" b="1" dirty="0" err="1">
+              <a:rPr lang="en-US" sz="2800" b="1" dirty="0" err="1">
                 <a:solidFill>
                   <a:srgbClr val="17375E"/>
                 </a:solidFill>
@@ -6258,7 +6501,7 @@
               <a:t>outfmt</a:t>
             </a:r>
             <a:r>
-              <a:rPr lang="en-US" dirty="0">
+              <a:rPr lang="en-US" sz="2800" dirty="0">
                 <a:latin typeface="Courier New"/>
                 <a:cs typeface="Courier New"/>
               </a:rPr>
@@ -6313,7 +6556,7 @@
 </p:sld>
 </file>
 
-<file path=ppt/slides/slide13.xml><?xml version="1.0" encoding="utf-8"?>
+<file path=ppt/slides/slide14.xml><?xml version="1.0" encoding="utf-8"?>
 <p:sld xmlns:a="http://schemas.openxmlformats.org/drawingml/2006/main" xmlns:r="http://schemas.openxmlformats.org/officeDocument/2006/relationships" xmlns:p="http://schemas.openxmlformats.org/presentationml/2006/main">
   <p:cSld>
     <p:spTree>
@@ -6401,8 +6644,8 @@
         </p:nvSpPr>
         <p:spPr>
           <a:xfrm>
-            <a:off x="244809" y="1287766"/>
-            <a:ext cx="8644819" cy="846812"/>
+            <a:off x="249590" y="1639888"/>
+            <a:ext cx="8644819" cy="1442908"/>
           </a:xfrm>
           <a:prstGeom prst="rect">
             <a:avLst/>
@@ -6554,49 +6797,61 @@
               <a:buNone/>
             </a:pPr>
             <a:r>
-              <a:rPr lang="en-US" dirty="0" err="1">
+              <a:rPr lang="en-US" sz="2800" dirty="0" err="1">
                 <a:latin typeface="Courier New"/>
                 <a:cs typeface="Courier New"/>
               </a:rPr>
               <a:t>blastn</a:t>
             </a:r>
             <a:r>
-              <a:rPr lang="en-US" dirty="0">
+              <a:rPr lang="en-US" sz="2800" dirty="0">
                 <a:latin typeface="Courier New"/>
                 <a:cs typeface="Courier New"/>
               </a:rPr>
-              <a:t> -query MG1655dnaseq.fa -</a:t>
-            </a:r>
-            <a:r>
-              <a:rPr lang="en-US" dirty="0" err="1">
+              <a:t> -query MG1655dnaseq.fa \</a:t>
+            </a:r>
+          </a:p>
+          <a:p>
+            <a:pPr marL="0" indent="0">
+              <a:buNone/>
+            </a:pPr>
+            <a:r>
+              <a:rPr lang="en-US" sz="2800" dirty="0">
                 <a:latin typeface="Courier New"/>
                 <a:cs typeface="Courier New"/>
               </a:rPr>
-              <a:t>db</a:t>
-            </a:r>
-            <a:r>
-              <a:rPr lang="en-US" dirty="0">
+              <a:t>	-</a:t>
+            </a:r>
+            <a:r>
+              <a:rPr lang="en-US" sz="2800" dirty="0" err="1">
                 <a:latin typeface="Courier New"/>
                 <a:cs typeface="Courier New"/>
               </a:rPr>
-              <a:t> ../</a:t>
-            </a:r>
-            <a:r>
-              <a:rPr lang="en-US" dirty="0" err="1">
+              <a:t>db</a:t>
+            </a:r>
+            <a:r>
+              <a:rPr lang="en-US" sz="2800" dirty="0">
                 <a:latin typeface="Courier New"/>
                 <a:cs typeface="Courier New"/>
               </a:rPr>
-              <a:t>db</a:t>
-            </a:r>
-            <a:r>
-              <a:rPr lang="en-US" dirty="0">
+              <a:t> ../</a:t>
+            </a:r>
+            <a:r>
+              <a:rPr lang="en-US" sz="2800" dirty="0" err="1">
                 <a:latin typeface="Courier New"/>
                 <a:cs typeface="Courier New"/>
               </a:rPr>
+              <a:t>db</a:t>
+            </a:r>
+            <a:r>
+              <a:rPr lang="en-US" sz="2800" dirty="0">
+                <a:latin typeface="Courier New"/>
+                <a:cs typeface="Courier New"/>
+              </a:rPr>
               <a:t>/MG1655 –</a:t>
             </a:r>
             <a:r>
-              <a:rPr lang="en-US" b="1" dirty="0" err="1">
+              <a:rPr lang="en-US" sz="2800" b="1" dirty="0" err="1">
                 <a:solidFill>
                   <a:srgbClr val="17375E"/>
                 </a:solidFill>
@@ -6606,13 +6861,13 @@
               <a:t>outfmt</a:t>
             </a:r>
             <a:r>
-              <a:rPr lang="en-US" dirty="0">
+              <a:rPr lang="en-US" sz="2800" dirty="0">
                 <a:latin typeface="Courier New"/>
                 <a:cs typeface="Courier New"/>
               </a:rPr>
               <a:t> 6</a:t>
             </a:r>
-            <a:endParaRPr lang="en-US" dirty="0"/>
+            <a:endParaRPr lang="en-US" sz="2800" dirty="0"/>
           </a:p>
         </p:txBody>
       </p:sp>
@@ -6662,7 +6917,7 @@
 </p:sld>
 </file>
 
-<file path=ppt/slides/slide14.xml><?xml version="1.0" encoding="utf-8"?>
+<file path=ppt/slides/slide15.xml><?xml version="1.0" encoding="utf-8"?>
 <p:sld xmlns:a="http://schemas.openxmlformats.org/drawingml/2006/main" xmlns:r="http://schemas.openxmlformats.org/officeDocument/2006/relationships" xmlns:p="http://schemas.openxmlformats.org/presentationml/2006/main">
   <p:cSld>
     <p:spTree>
@@ -6714,7 +6969,7 @@
         <p:spPr>
           <a:xfrm>
             <a:off x="99454" y="2394784"/>
-            <a:ext cx="8906841" cy="527828"/>
+            <a:ext cx="8906841" cy="1034216"/>
           </a:xfrm>
         </p:spPr>
         <p:txBody>
@@ -6727,42 +6982,54 @@
               <a:buNone/>
             </a:pPr>
             <a:r>
-              <a:rPr lang="en-US" dirty="0" err="1">
+              <a:rPr lang="en-US" sz="2800" dirty="0" err="1">
                 <a:latin typeface="Courier"/>
                 <a:cs typeface="Courier"/>
               </a:rPr>
               <a:t>tblastn</a:t>
             </a:r>
             <a:r>
-              <a:rPr lang="en-US" dirty="0">
-                <a:latin typeface="Courier"/>
-                <a:cs typeface="Courier"/>
-              </a:rPr>
-              <a:t> -query MG1655pepseq.fa -</a:t>
-            </a:r>
-            <a:r>
-              <a:rPr lang="en-US" dirty="0" err="1">
+              <a:rPr lang="en-US" sz="2800" dirty="0">
+                <a:latin typeface="Courier"/>
+                <a:cs typeface="Courier"/>
+              </a:rPr>
+              <a:t> -query MG1655pepseq.fa \</a:t>
+            </a:r>
+          </a:p>
+          <a:p>
+            <a:pPr marL="0" indent="0">
+              <a:buNone/>
+            </a:pPr>
+            <a:r>
+              <a:rPr lang="en-US" sz="2800" dirty="0">
+                <a:latin typeface="Courier"/>
+                <a:cs typeface="Courier"/>
+              </a:rPr>
+              <a:t>-</a:t>
+            </a:r>
+            <a:r>
+              <a:rPr lang="en-US" sz="2800" dirty="0" err="1">
                 <a:latin typeface="Courier"/>
                 <a:cs typeface="Courier"/>
               </a:rPr>
               <a:t>db</a:t>
             </a:r>
             <a:r>
-              <a:rPr lang="en-US" dirty="0">
+              <a:rPr lang="en-US" sz="2800" dirty="0">
                 <a:latin typeface="Courier"/>
                 <a:cs typeface="Courier"/>
               </a:rPr>
               <a:t> ../</a:t>
             </a:r>
             <a:r>
-              <a:rPr lang="en-US" dirty="0" err="1">
+              <a:rPr lang="en-US" sz="2800" dirty="0" err="1">
                 <a:latin typeface="Courier"/>
                 <a:cs typeface="Courier"/>
               </a:rPr>
               <a:t>db</a:t>
             </a:r>
             <a:r>
-              <a:rPr lang="en-US" dirty="0">
+              <a:rPr lang="en-US" sz="2800" dirty="0">
                 <a:latin typeface="Courier"/>
                 <a:cs typeface="Courier"/>
               </a:rPr>
@@ -6779,7 +7046,7 @@
         </p:nvSpPr>
         <p:spPr>
           <a:xfrm>
-            <a:off x="1652462" y="3198042"/>
+            <a:off x="1634291" y="3687901"/>
             <a:ext cx="5875417" cy="3170099"/>
           </a:xfrm>
           <a:prstGeom prst="rect">
@@ -7266,7 +7533,7 @@
 </p:sld>
 </file>
 
-<file path=ppt/slides/slide15.xml><?xml version="1.0" encoding="utf-8"?>
+<file path=ppt/slides/slide16.xml><?xml version="1.0" encoding="utf-8"?>
 <p:sld xmlns:a="http://schemas.openxmlformats.org/drawingml/2006/main" xmlns:r="http://schemas.openxmlformats.org/officeDocument/2006/relationships" xmlns:p="http://schemas.openxmlformats.org/presentationml/2006/main">
   <p:cSld>
     <p:spTree>
@@ -7329,13 +7596,13 @@
         </p:nvSpPr>
         <p:spPr>
           <a:xfrm>
-            <a:off x="99450" y="2807933"/>
-            <a:ext cx="8906841" cy="979226"/>
+            <a:off x="637327" y="3383527"/>
+            <a:ext cx="7852124" cy="979226"/>
           </a:xfrm>
         </p:spPr>
         <p:txBody>
           <a:bodyPr>
-            <a:normAutofit/>
+            <a:noAutofit/>
           </a:bodyPr>
           <a:lstStyle/>
           <a:p>
@@ -7343,56 +7610,68 @@
               <a:buNone/>
             </a:pPr>
             <a:r>
-              <a:rPr lang="en-US" dirty="0" err="1">
+              <a:rPr lang="en-US" sz="2800" dirty="0" err="1">
                 <a:latin typeface="Courier"/>
                 <a:cs typeface="Courier"/>
               </a:rPr>
               <a:t>tblastn</a:t>
             </a:r>
             <a:r>
-              <a:rPr lang="en-US" dirty="0">
-                <a:latin typeface="Courier"/>
-                <a:cs typeface="Courier"/>
-              </a:rPr>
-              <a:t> -query MG1655pepseq.fa -</a:t>
-            </a:r>
-            <a:r>
-              <a:rPr lang="en-US" dirty="0" err="1">
+              <a:rPr lang="en-US" sz="2800" dirty="0">
+                <a:latin typeface="Courier"/>
+                <a:cs typeface="Courier"/>
+              </a:rPr>
+              <a:t> -query MG1655pepseq.fa \</a:t>
+            </a:r>
+          </a:p>
+          <a:p>
+            <a:pPr marL="0" indent="0">
+              <a:buNone/>
+            </a:pPr>
+            <a:r>
+              <a:rPr lang="en-US" sz="2800" dirty="0">
+                <a:latin typeface="Courier"/>
+                <a:cs typeface="Courier"/>
+              </a:rPr>
+              <a:t>	-</a:t>
+            </a:r>
+            <a:r>
+              <a:rPr lang="en-US" sz="2800" dirty="0" err="1">
                 <a:latin typeface="Courier"/>
                 <a:cs typeface="Courier"/>
               </a:rPr>
               <a:t>db</a:t>
             </a:r>
             <a:r>
-              <a:rPr lang="en-US" dirty="0">
+              <a:rPr lang="en-US" sz="2800" dirty="0">
                 <a:latin typeface="Courier"/>
                 <a:cs typeface="Courier"/>
               </a:rPr>
               <a:t> ../</a:t>
             </a:r>
             <a:r>
-              <a:rPr lang="en-US" dirty="0" err="1">
+              <a:rPr lang="en-US" sz="2800" dirty="0" err="1">
                 <a:latin typeface="Courier"/>
                 <a:cs typeface="Courier"/>
               </a:rPr>
               <a:t>db</a:t>
             </a:r>
             <a:r>
-              <a:rPr lang="en-US" dirty="0">
+              <a:rPr lang="en-US" sz="2800" dirty="0">
                 <a:latin typeface="Courier"/>
                 <a:cs typeface="Courier"/>
               </a:rPr>
               <a:t>/MG1655 -</a:t>
             </a:r>
             <a:r>
-              <a:rPr lang="en-US" dirty="0" err="1">
+              <a:rPr lang="en-US" sz="2800" dirty="0" err="1">
                 <a:latin typeface="Courier"/>
                 <a:cs typeface="Courier"/>
               </a:rPr>
               <a:t>outfmt</a:t>
             </a:r>
             <a:r>
-              <a:rPr lang="en-US" dirty="0">
+              <a:rPr lang="en-US" sz="2800" dirty="0">
                 <a:latin typeface="Courier"/>
                 <a:cs typeface="Courier"/>
               </a:rPr>
@@ -7439,7 +7718,7 @@
         </p:nvSpPr>
         <p:spPr>
           <a:xfrm>
-            <a:off x="665575" y="4338973"/>
+            <a:off x="772675" y="5027905"/>
             <a:ext cx="7581429" cy="338554"/>
           </a:xfrm>
           <a:prstGeom prst="rect">
@@ -7567,221 +7846,6 @@
 </p:sld>
 </file>
 
-<file path=ppt/slides/slide16.xml><?xml version="1.0" encoding="utf-8"?>
-<p:sld xmlns:a="http://schemas.openxmlformats.org/drawingml/2006/main" xmlns:r="http://schemas.openxmlformats.org/officeDocument/2006/relationships" xmlns:p="http://schemas.openxmlformats.org/presentationml/2006/main">
-  <p:cSld>
-    <p:spTree>
-      <p:nvGrpSpPr>
-        <p:cNvPr id="1" name=""/>
-        <p:cNvGrpSpPr/>
-        <p:nvPr/>
-      </p:nvGrpSpPr>
-      <p:grpSpPr>
-        <a:xfrm>
-          <a:off x="0" y="0"/>
-          <a:ext cx="0" cy="0"/>
-          <a:chOff x="0" y="0"/>
-          <a:chExt cx="0" cy="0"/>
-        </a:xfrm>
-      </p:grpSpPr>
-      <p:sp>
-        <p:nvSpPr>
-          <p:cNvPr id="2" name="Title 1"/>
-          <p:cNvSpPr>
-            <a:spLocks noGrp="1"/>
-          </p:cNvSpPr>
-          <p:nvPr>
-            <p:ph type="title"/>
-          </p:nvPr>
-        </p:nvSpPr>
-        <p:spPr/>
-        <p:txBody>
-          <a:bodyPr/>
-          <a:lstStyle/>
-          <a:p>
-            <a:r>
-              <a:rPr lang="en-US" dirty="0"/>
-              <a:t>Search protein sequences using a remote service</a:t>
-            </a:r>
-          </a:p>
-        </p:txBody>
-      </p:sp>
-      <p:sp>
-        <p:nvSpPr>
-          <p:cNvPr id="3" name="Content Placeholder 2"/>
-          <p:cNvSpPr>
-            <a:spLocks noGrp="1"/>
-          </p:cNvSpPr>
-          <p:nvPr>
-            <p:ph idx="1"/>
-          </p:nvPr>
-        </p:nvSpPr>
-        <p:spPr>
-          <a:xfrm>
-            <a:off x="538694" y="1797505"/>
-            <a:ext cx="8205579" cy="765724"/>
-          </a:xfrm>
-        </p:spPr>
-        <p:txBody>
-          <a:bodyPr>
-            <a:normAutofit/>
-          </a:bodyPr>
-          <a:lstStyle/>
-          <a:p>
-            <a:pPr marL="0" indent="0">
-              <a:buNone/>
-            </a:pPr>
-            <a:r>
-              <a:rPr lang="en-US" sz="1800" b="1" dirty="0" err="1">
-                <a:solidFill>
-                  <a:srgbClr val="FF0000"/>
-                </a:solidFill>
-                <a:latin typeface="Courier New"/>
-                <a:cs typeface="Courier New"/>
-              </a:rPr>
-              <a:t>blastp</a:t>
-            </a:r>
-            <a:r>
-              <a:rPr lang="en-US" sz="1800" dirty="0">
-                <a:latin typeface="Courier New"/>
-                <a:cs typeface="Courier New"/>
-              </a:rPr>
-              <a:t> -query MG1655pepseq.fa -</a:t>
-            </a:r>
-            <a:r>
-              <a:rPr lang="en-US" sz="1800" dirty="0" err="1">
-                <a:latin typeface="Courier New"/>
-                <a:cs typeface="Courier New"/>
-              </a:rPr>
-              <a:t>db</a:t>
-            </a:r>
-            <a:r>
-              <a:rPr lang="en-US" sz="1800" dirty="0">
-                <a:latin typeface="Courier New"/>
-                <a:cs typeface="Courier New"/>
-              </a:rPr>
-              <a:t> nr -</a:t>
-            </a:r>
-            <a:r>
-              <a:rPr lang="en-US" sz="1800" dirty="0" err="1">
-                <a:latin typeface="Courier New"/>
-                <a:cs typeface="Courier New"/>
-              </a:rPr>
-              <a:t>outfmt</a:t>
-            </a:r>
-            <a:r>
-              <a:rPr lang="en-US" sz="1800" dirty="0">
-                <a:latin typeface="Courier New"/>
-                <a:cs typeface="Courier New"/>
-              </a:rPr>
-              <a:t> 6 –remote </a:t>
-            </a:r>
-            <a:r>
-              <a:rPr lang="fi-FI" sz="1800" dirty="0" err="1">
-                <a:latin typeface="Courier New"/>
-                <a:cs typeface="Courier New"/>
-              </a:rPr>
-              <a:t>-evalue</a:t>
-            </a:r>
-            <a:r>
-              <a:rPr lang="fi-FI" sz="1800" dirty="0">
-                <a:latin typeface="Courier New"/>
-                <a:cs typeface="Courier New"/>
-              </a:rPr>
-              <a:t> 1e-100 </a:t>
-            </a:r>
-            <a:r>
-              <a:rPr lang="fi-FI" sz="1800" dirty="0" err="1">
-                <a:solidFill>
-                  <a:srgbClr val="FF0000"/>
-                </a:solidFill>
-                <a:latin typeface="Courier New"/>
-                <a:cs typeface="Courier New"/>
-              </a:rPr>
-              <a:t>-max_target_seqs</a:t>
-            </a:r>
-            <a:r>
-              <a:rPr lang="fi-FI" sz="1800" dirty="0">
-                <a:latin typeface="Courier New"/>
-                <a:cs typeface="Courier New"/>
-              </a:rPr>
-              <a:t> 1</a:t>
-            </a:r>
-          </a:p>
-        </p:txBody>
-      </p:sp>
-      <p:sp>
-        <p:nvSpPr>
-          <p:cNvPr id="4" name="TextBox 3"/>
-          <p:cNvSpPr txBox="1"/>
-          <p:nvPr/>
-        </p:nvSpPr>
-        <p:spPr>
-          <a:xfrm>
-            <a:off x="1760821" y="3538452"/>
-            <a:ext cx="6008376" cy="523220"/>
-          </a:xfrm>
-          <a:prstGeom prst="rect">
-            <a:avLst/>
-          </a:prstGeom>
-          <a:noFill/>
-        </p:spPr>
-        <p:txBody>
-          <a:bodyPr wrap="none" rtlCol="0">
-            <a:spAutoFit/>
-          </a:bodyPr>
-          <a:lstStyle/>
-          <a:p>
-            <a:r>
-              <a:rPr lang="en-US" sz="2800" dirty="0"/>
-              <a:t>Output only one hit if hits can be found.</a:t>
-            </a:r>
-          </a:p>
-        </p:txBody>
-      </p:sp>
-      <p:sp>
-        <p:nvSpPr>
-          <p:cNvPr id="5" name="TextBox 4"/>
-          <p:cNvSpPr txBox="1"/>
-          <p:nvPr/>
-        </p:nvSpPr>
-        <p:spPr>
-          <a:xfrm>
-            <a:off x="563466" y="4753125"/>
-            <a:ext cx="8180807" cy="246221"/>
-          </a:xfrm>
-          <a:prstGeom prst="rect">
-            <a:avLst/>
-          </a:prstGeom>
-          <a:noFill/>
-        </p:spPr>
-        <p:txBody>
-          <a:bodyPr wrap="square" rtlCol="0">
-            <a:spAutoFit/>
-          </a:bodyPr>
-          <a:lstStyle/>
-          <a:p>
-            <a:r>
-              <a:rPr lang="is-IS" sz="1000" dirty="0"/>
-              <a:t>C321.deltaA	gi|446843038|ref|WP_000920294.1|	100.00	450	0	0	1	450	1	450	0.0	  916</a:t>
-            </a:r>
-            <a:endParaRPr lang="en-US" sz="1000" dirty="0"/>
-          </a:p>
-        </p:txBody>
-      </p:sp>
-    </p:spTree>
-    <p:extLst>
-      <p:ext uri="{BB962C8B-B14F-4D97-AF65-F5344CB8AC3E}">
-        <p14:creationId xmlns:p14="http://schemas.microsoft.com/office/powerpoint/2010/main" val="831203829"/>
-      </p:ext>
-    </p:extLst>
-  </p:cSld>
-  <p:clrMapOvr>
-    <a:masterClrMapping/>
-  </p:clrMapOvr>
-</p:sld>
-</file>
-
 <file path=ppt/slides/slide17.xml><?xml version="1.0" encoding="utf-8"?>
 <p:sld xmlns:a="http://schemas.openxmlformats.org/drawingml/2006/main" xmlns:r="http://schemas.openxmlformats.org/officeDocument/2006/relationships" xmlns:p="http://schemas.openxmlformats.org/presentationml/2006/main">
   <p:cSld>
@@ -7816,7 +7880,7 @@
           <a:p>
             <a:r>
               <a:rPr lang="en-US" dirty="0"/>
-              <a:t>Extract sequences or subsequences</a:t>
+              <a:t>Search protein sequences using a remote service</a:t>
             </a:r>
           </a:p>
         </p:txBody>
@@ -7833,235 +7897,142 @@
         </p:nvSpPr>
         <p:spPr>
           <a:xfrm>
-            <a:off x="457200" y="1130876"/>
-            <a:ext cx="8339668" cy="5561566"/>
+            <a:off x="538694" y="1797504"/>
+            <a:ext cx="8205579" cy="1522043"/>
           </a:xfrm>
         </p:spPr>
         <p:txBody>
           <a:bodyPr>
-            <a:normAutofit/>
+            <a:noAutofit/>
           </a:bodyPr>
           <a:lstStyle/>
           <a:p>
-            <a:r>
-              <a:rPr lang="en-US" b="1" dirty="0" err="1">
+            <a:pPr marL="0" indent="0">
+              <a:buNone/>
+            </a:pPr>
+            <a:r>
+              <a:rPr lang="en-US" sz="2800" b="1" dirty="0" err="1">
                 <a:solidFill>
-                  <a:schemeClr val="tx2">
-                    <a:lumMod val="75000"/>
-                  </a:schemeClr>
+                  <a:srgbClr val="FF0000"/>
                 </a:solidFill>
-              </a:rPr>
-              <a:t>blastdbcmd</a:t>
-            </a:r>
-            <a:endParaRPr lang="en-US" b="1" dirty="0">
-              <a:solidFill>
-                <a:schemeClr val="tx2">
-                  <a:lumMod val="75000"/>
-                </a:schemeClr>
-              </a:solidFill>
-            </a:endParaRPr>
-          </a:p>
-          <a:p>
-            <a:pPr marL="0" indent="0">
-              <a:buNone/>
-            </a:pPr>
-            <a:endParaRPr lang="en-US" dirty="0"/>
-          </a:p>
-          <a:p>
-            <a:pPr marL="0" indent="0">
-              <a:buNone/>
-            </a:pPr>
-            <a:r>
-              <a:rPr lang="en-US" dirty="0" err="1">
                 <a:latin typeface="Courier New"/>
                 <a:cs typeface="Courier New"/>
               </a:rPr>
-              <a:t>blastdbcmd</a:t>
-            </a:r>
-            <a:r>
-              <a:rPr lang="en-US" dirty="0">
+              <a:t>blastp</a:t>
+            </a:r>
+            <a:r>
+              <a:rPr lang="en-US" sz="2800" dirty="0">
                 <a:latin typeface="Courier New"/>
                 <a:cs typeface="Courier New"/>
               </a:rPr>
-              <a:t> -</a:t>
-            </a:r>
-            <a:r>
-              <a:rPr lang="en-US" dirty="0" err="1">
+              <a:t> -query MG1655pepseq.fa \</a:t>
+            </a:r>
+          </a:p>
+          <a:p>
+            <a:pPr marL="0" indent="0">
+              <a:buNone/>
+            </a:pPr>
+            <a:r>
+              <a:rPr lang="en-US" sz="2800" dirty="0">
                 <a:latin typeface="Courier New"/>
                 <a:cs typeface="Courier New"/>
               </a:rPr>
-              <a:t>db</a:t>
-            </a:r>
-            <a:r>
-              <a:rPr lang="en-US" dirty="0">
+              <a:t>	-</a:t>
+            </a:r>
+            <a:r>
+              <a:rPr lang="en-US" sz="2800" dirty="0" err="1">
                 <a:latin typeface="Courier New"/>
                 <a:cs typeface="Courier New"/>
               </a:rPr>
-              <a:t> ../</a:t>
-            </a:r>
-            <a:r>
-              <a:rPr lang="en-US" dirty="0" err="1">
+              <a:t>db</a:t>
+            </a:r>
+            <a:r>
+              <a:rPr lang="en-US" sz="2800" dirty="0">
                 <a:latin typeface="Courier New"/>
                 <a:cs typeface="Courier New"/>
               </a:rPr>
-              <a:t>db</a:t>
-            </a:r>
-            <a:r>
-              <a:rPr lang="en-US" dirty="0">
+              <a:t> nr -</a:t>
+            </a:r>
+            <a:r>
+              <a:rPr lang="en-US" sz="2800" dirty="0" err="1">
                 <a:latin typeface="Courier New"/>
                 <a:cs typeface="Courier New"/>
               </a:rPr>
-              <a:t>/MG1655 -info</a:t>
-            </a:r>
-          </a:p>
-          <a:p>
-            <a:pPr marL="0" indent="0">
-              <a:buNone/>
-            </a:pPr>
-            <a:endParaRPr lang="en-US" dirty="0"/>
-          </a:p>
-          <a:p>
-            <a:pPr marL="0" indent="0">
-              <a:buNone/>
-            </a:pPr>
-            <a:r>
-              <a:rPr lang="en-US" dirty="0"/>
-              <a:t>Extract sequences from the database</a:t>
-            </a:r>
-          </a:p>
-          <a:p>
-            <a:pPr marL="0" indent="0">
-              <a:buNone/>
-            </a:pPr>
-            <a:r>
-              <a:rPr lang="en-US" sz="2000" dirty="0" err="1">
+              <a:t>outfmt</a:t>
+            </a:r>
+            <a:r>
+              <a:rPr lang="en-US" sz="2800" dirty="0">
                 <a:latin typeface="Courier New"/>
                 <a:cs typeface="Courier New"/>
               </a:rPr>
-              <a:t>blastdbcmd</a:t>
-            </a:r>
-            <a:r>
-              <a:rPr lang="en-US" sz="2000" dirty="0">
+              <a:t> 6 –remote \</a:t>
+            </a:r>
+          </a:p>
+          <a:p>
+            <a:pPr marL="0" indent="0">
+              <a:buNone/>
+            </a:pPr>
+            <a:r>
+              <a:rPr lang="fi-FI" sz="2800" dirty="0">
                 <a:latin typeface="Courier New"/>
                 <a:cs typeface="Courier New"/>
               </a:rPr>
-              <a:t> –</a:t>
-            </a:r>
-            <a:r>
-              <a:rPr lang="en-US" sz="2000" dirty="0" err="1">
+              <a:t>-</a:t>
+            </a:r>
+            <a:r>
+              <a:rPr lang="fi-FI" sz="2800" dirty="0" err="1">
                 <a:latin typeface="Courier New"/>
                 <a:cs typeface="Courier New"/>
               </a:rPr>
-              <a:t>db</a:t>
-            </a:r>
-            <a:r>
-              <a:rPr lang="en-US" sz="2000" dirty="0">
+              <a:t>evalue</a:t>
+            </a:r>
+            <a:r>
+              <a:rPr lang="fi-FI" sz="2800" dirty="0">
                 <a:latin typeface="Courier New"/>
                 <a:cs typeface="Courier New"/>
               </a:rPr>
-              <a:t> ../</a:t>
-            </a:r>
-            <a:r>
-              <a:rPr lang="en-US" sz="2000" dirty="0" err="1">
+              <a:t> 1e-100 </a:t>
+            </a:r>
+            <a:r>
+              <a:rPr lang="fi-FI" sz="2800" dirty="0">
+                <a:solidFill>
+                  <a:srgbClr val="FF0000"/>
+                </a:solidFill>
                 <a:latin typeface="Courier New"/>
                 <a:cs typeface="Courier New"/>
               </a:rPr>
-              <a:t>db</a:t>
-            </a:r>
-            <a:r>
-              <a:rPr lang="en-US" sz="2000" dirty="0">
+              <a:t>-</a:t>
+            </a:r>
+            <a:r>
+              <a:rPr lang="fi-FI" sz="2800" dirty="0" err="1">
+                <a:solidFill>
+                  <a:srgbClr val="FF0000"/>
+                </a:solidFill>
                 <a:latin typeface="Courier New"/>
                 <a:cs typeface="Courier New"/>
               </a:rPr>
-              <a:t>/MG1655 -entry all -range 150-220</a:t>
-            </a:r>
-          </a:p>
-          <a:p>
-            <a:pPr marL="0" indent="0">
-              <a:buNone/>
-            </a:pPr>
-            <a:endParaRPr lang="en-US" sz="1600" dirty="0">
-              <a:latin typeface="Courier New"/>
-              <a:cs typeface="Courier New"/>
-            </a:endParaRPr>
-          </a:p>
-          <a:p>
-            <a:pPr marL="0" indent="0">
-              <a:buNone/>
-            </a:pPr>
-            <a:endParaRPr lang="en-US" sz="1600" dirty="0">
-              <a:latin typeface="Courier New"/>
-              <a:cs typeface="Courier New"/>
-            </a:endParaRPr>
-          </a:p>
-          <a:p>
-            <a:pPr marL="0" indent="0">
-              <a:buNone/>
-            </a:pPr>
-            <a:r>
-              <a:rPr lang="en-US" sz="1600" dirty="0">
+              <a:t>max_target_seqs</a:t>
+            </a:r>
+            <a:r>
+              <a:rPr lang="fi-FI" sz="2800" dirty="0">
                 <a:latin typeface="Courier New"/>
                 <a:cs typeface="Courier New"/>
               </a:rPr>
-              <a:t>---output---</a:t>
-            </a:r>
-          </a:p>
-          <a:p>
-            <a:pPr marL="0" indent="0">
-              <a:buNone/>
-            </a:pPr>
-            <a:r>
-              <a:rPr lang="en-US" sz="1600" dirty="0">
-                <a:latin typeface="Courier New"/>
-                <a:cs typeface="Courier New"/>
-              </a:rPr>
-              <a:t>&gt;gi|556503834|ref|NC_000913.3|:150-220 Escherichia coli str. K-12 </a:t>
-            </a:r>
-            <a:r>
-              <a:rPr lang="en-US" sz="1600" dirty="0" err="1">
-                <a:latin typeface="Courier New"/>
-                <a:cs typeface="Courier New"/>
-              </a:rPr>
-              <a:t>substr</a:t>
-            </a:r>
-            <a:r>
-              <a:rPr lang="en-US" sz="1600" dirty="0">
-                <a:latin typeface="Courier New"/>
-                <a:cs typeface="Courier New"/>
-              </a:rPr>
-              <a:t>. MG1655, complete genome</a:t>
-            </a:r>
-          </a:p>
-          <a:p>
-            <a:pPr marL="0" indent="0">
-              <a:buNone/>
-            </a:pPr>
-            <a:r>
-              <a:rPr lang="en-US" sz="1600" dirty="0">
-                <a:latin typeface="Courier New"/>
-                <a:cs typeface="Courier New"/>
-              </a:rPr>
-              <a:t>AGCGCACAGACAGATAAAAATTACAGAGTACACAACATCCATGAAACGCATTAGCACCACCATTACCACCA</a:t>
-            </a:r>
-          </a:p>
-        </p:txBody>
-      </p:sp>
-      <p:sp>
-        <p:nvSpPr>
-          <p:cNvPr id="4" name="TextBox 3">
-            <a:extLst>
-              <a:ext uri="{FF2B5EF4-FFF2-40B4-BE49-F238E27FC236}">
-                <a16:creationId xmlns:a16="http://schemas.microsoft.com/office/drawing/2014/main" id="{58420D98-30AC-5F4D-876D-3E8705458CA9}"/>
-              </a:ext>
-            </a:extLst>
-          </p:cNvPr>
+              <a:t> 1</a:t>
+            </a:r>
+          </a:p>
+        </p:txBody>
+      </p:sp>
+      <p:sp>
+        <p:nvSpPr>
+          <p:cNvPr id="4" name="TextBox 3"/>
           <p:cNvSpPr txBox="1"/>
           <p:nvPr/>
         </p:nvSpPr>
         <p:spPr>
           <a:xfrm>
-            <a:off x="553064" y="6060142"/>
-            <a:ext cx="4718471" cy="523220"/>
+            <a:off x="1760821" y="4069426"/>
+            <a:ext cx="6008376" cy="523220"/>
           </a:xfrm>
           <a:prstGeom prst="rect">
             <a:avLst/>
@@ -8075,20 +8046,46 @@
           <a:lstStyle/>
           <a:p>
             <a:r>
-              <a:rPr lang="en-US" sz="2800" dirty="0">
-                <a:solidFill>
-                  <a:srgbClr val="FF0000"/>
-                </a:solidFill>
-              </a:rPr>
-              <a:t>* Require specific name format</a:t>
-            </a:r>
+              <a:rPr lang="en-US" sz="2800" dirty="0"/>
+              <a:t>Output only one hit if hits can be found.</a:t>
+            </a:r>
+          </a:p>
+        </p:txBody>
+      </p:sp>
+      <p:sp>
+        <p:nvSpPr>
+          <p:cNvPr id="5" name="TextBox 4"/>
+          <p:cNvSpPr txBox="1"/>
+          <p:nvPr/>
+        </p:nvSpPr>
+        <p:spPr>
+          <a:xfrm>
+            <a:off x="563466" y="5219414"/>
+            <a:ext cx="8180807" cy="246221"/>
+          </a:xfrm>
+          <a:prstGeom prst="rect">
+            <a:avLst/>
+          </a:prstGeom>
+          <a:noFill/>
+        </p:spPr>
+        <p:txBody>
+          <a:bodyPr wrap="square" rtlCol="0">
+            <a:spAutoFit/>
+          </a:bodyPr>
+          <a:lstStyle/>
+          <a:p>
+            <a:r>
+              <a:rPr lang="is-IS" sz="1000" dirty="0"/>
+              <a:t>C321.deltaA	gi|446843038|ref|WP_000920294.1|	100.00	450	0	0	1	450	1	450	0.0	  916</a:t>
+            </a:r>
+            <a:endParaRPr lang="en-US" sz="1000" dirty="0"/>
           </a:p>
         </p:txBody>
       </p:sp>
     </p:spTree>
     <p:extLst>
       <p:ext uri="{BB962C8B-B14F-4D97-AF65-F5344CB8AC3E}">
-        <p14:creationId xmlns:p14="http://schemas.microsoft.com/office/powerpoint/2010/main" val="3120825335"/>
+        <p14:creationId xmlns:p14="http://schemas.microsoft.com/office/powerpoint/2010/main" val="831203829"/>
       </p:ext>
     </p:extLst>
   </p:cSld>
@@ -8132,15 +8129,7 @@
           <a:p>
             <a:r>
               <a:rPr lang="en-US" dirty="0"/>
-              <a:t>Extract sequences using </a:t>
-            </a:r>
-            <a:r>
-              <a:rPr lang="en-US" dirty="0" err="1"/>
-              <a:t>Gi</a:t>
-            </a:r>
-            <a:r>
-              <a:rPr lang="en-US" dirty="0"/>
-              <a:t> ID</a:t>
+              <a:t>Extract sequences or subsequences</a:t>
             </a:r>
           </a:p>
         </p:txBody>
@@ -8157,8 +8146,8 @@
         </p:nvSpPr>
         <p:spPr>
           <a:xfrm>
-            <a:off x="402661" y="1645081"/>
-            <a:ext cx="8339668" cy="3115202"/>
+            <a:off x="457200" y="1130876"/>
+            <a:ext cx="8339668" cy="5561566"/>
           </a:xfrm>
         </p:spPr>
         <p:txBody>
@@ -8167,29 +8156,143 @@
           </a:bodyPr>
           <a:lstStyle/>
           <a:p>
-            <a:pPr marL="0" indent="0">
-              <a:buNone/>
-            </a:pPr>
-            <a:r>
-              <a:rPr lang="en-US" sz="1600" dirty="0">
+            <a:r>
+              <a:rPr lang="en-US" b="1" dirty="0" err="1">
+                <a:solidFill>
+                  <a:schemeClr val="tx2">
+                    <a:lumMod val="75000"/>
+                  </a:schemeClr>
+                </a:solidFill>
+              </a:rPr>
+              <a:t>blastdbcmd</a:t>
+            </a:r>
+            <a:endParaRPr lang="en-US" b="1" dirty="0">
+              <a:solidFill>
+                <a:schemeClr val="tx2">
+                  <a:lumMod val="75000"/>
+                </a:schemeClr>
+              </a:solidFill>
+            </a:endParaRPr>
+          </a:p>
+          <a:p>
+            <a:pPr marL="0" indent="0">
+              <a:buNone/>
+            </a:pPr>
+            <a:r>
+              <a:rPr lang="en-US" sz="2800" dirty="0" err="1">
                 <a:latin typeface="Courier New"/>
                 <a:cs typeface="Courier New"/>
               </a:rPr>
-              <a:t># Use </a:t>
-            </a:r>
-            <a:r>
-              <a:rPr lang="en-US" sz="1600" dirty="0" err="1">
+              <a:t>blastdbcmd</a:t>
+            </a:r>
+            <a:r>
+              <a:rPr lang="en-US" sz="2800" dirty="0">
                 <a:latin typeface="Courier New"/>
                 <a:cs typeface="Courier New"/>
               </a:rPr>
-              <a:t>Gi</a:t>
-            </a:r>
-            <a:r>
-              <a:rPr lang="en-US" sz="1600" dirty="0">
+              <a:t> -</a:t>
+            </a:r>
+            <a:r>
+              <a:rPr lang="en-US" sz="2800" dirty="0" err="1">
                 <a:latin typeface="Courier New"/>
                 <a:cs typeface="Courier New"/>
               </a:rPr>
-              <a:t> ID to search*</a:t>
+              <a:t>db</a:t>
+            </a:r>
+            <a:r>
+              <a:rPr lang="en-US" sz="2800" dirty="0">
+                <a:latin typeface="Courier New"/>
+                <a:cs typeface="Courier New"/>
+              </a:rPr>
+              <a:t> ../</a:t>
+            </a:r>
+            <a:r>
+              <a:rPr lang="en-US" sz="2800" dirty="0" err="1">
+                <a:latin typeface="Courier New"/>
+                <a:cs typeface="Courier New"/>
+              </a:rPr>
+              <a:t>db</a:t>
+            </a:r>
+            <a:r>
+              <a:rPr lang="en-US" sz="2800" dirty="0">
+                <a:latin typeface="Courier New"/>
+                <a:cs typeface="Courier New"/>
+              </a:rPr>
+              <a:t>/MG1655 -info</a:t>
+            </a:r>
+          </a:p>
+          <a:p>
+            <a:pPr marL="0" indent="0">
+              <a:buNone/>
+            </a:pPr>
+            <a:endParaRPr lang="en-US" dirty="0"/>
+          </a:p>
+          <a:p>
+            <a:pPr marL="0" indent="0">
+              <a:buNone/>
+            </a:pPr>
+            <a:r>
+              <a:rPr lang="en-US" dirty="0"/>
+              <a:t>Extract sequences from the database</a:t>
+            </a:r>
+          </a:p>
+          <a:p>
+            <a:pPr marL="0" indent="0">
+              <a:buNone/>
+            </a:pPr>
+            <a:r>
+              <a:rPr lang="en-US" sz="2800" dirty="0" err="1">
+                <a:latin typeface="Courier New"/>
+                <a:cs typeface="Courier New"/>
+              </a:rPr>
+              <a:t>blastdbcmd</a:t>
+            </a:r>
+            <a:r>
+              <a:rPr lang="en-US" sz="2800" dirty="0">
+                <a:latin typeface="Courier New"/>
+                <a:cs typeface="Courier New"/>
+              </a:rPr>
+              <a:t> –</a:t>
+            </a:r>
+            <a:r>
+              <a:rPr lang="en-US" sz="2800" dirty="0" err="1">
+                <a:latin typeface="Courier New"/>
+                <a:cs typeface="Courier New"/>
+              </a:rPr>
+              <a:t>db</a:t>
+            </a:r>
+            <a:r>
+              <a:rPr lang="en-US" sz="2800" dirty="0">
+                <a:latin typeface="Courier New"/>
+                <a:cs typeface="Courier New"/>
+              </a:rPr>
+              <a:t> ../</a:t>
+            </a:r>
+            <a:r>
+              <a:rPr lang="en-US" sz="2800" dirty="0" err="1">
+                <a:latin typeface="Courier New"/>
+                <a:cs typeface="Courier New"/>
+              </a:rPr>
+              <a:t>db</a:t>
+            </a:r>
+            <a:r>
+              <a:rPr lang="en-US" sz="2800" dirty="0">
+                <a:latin typeface="Courier New"/>
+                <a:cs typeface="Courier New"/>
+              </a:rPr>
+              <a:t>/MG1655 \</a:t>
+            </a:r>
+          </a:p>
+          <a:p>
+            <a:pPr marL="0" indent="0">
+              <a:buNone/>
+            </a:pPr>
+            <a:r>
+              <a:rPr lang="en-US" sz="2800" dirty="0">
+                <a:latin typeface="Courier New"/>
+                <a:cs typeface="Courier New"/>
+              </a:rPr>
+              <a:t> -entry all -range 150-220</a:t>
             </a:r>
           </a:p>
           <a:p>
@@ -8206,62 +8309,6 @@
               <a:buNone/>
             </a:pPr>
             <a:r>
-              <a:rPr lang="en-US" dirty="0" err="1">
-                <a:latin typeface="Courier New"/>
-                <a:cs typeface="Courier New"/>
-              </a:rPr>
-              <a:t>blastdbcmd</a:t>
-            </a:r>
-            <a:r>
-              <a:rPr lang="en-US" dirty="0">
-                <a:latin typeface="Courier New"/>
-                <a:cs typeface="Courier New"/>
-              </a:rPr>
-              <a:t> –</a:t>
-            </a:r>
-            <a:r>
-              <a:rPr lang="en-US" dirty="0" err="1">
-                <a:latin typeface="Courier New"/>
-                <a:cs typeface="Courier New"/>
-              </a:rPr>
-              <a:t>db</a:t>
-            </a:r>
-            <a:r>
-              <a:rPr lang="en-US" dirty="0">
-                <a:latin typeface="Courier New"/>
-                <a:cs typeface="Courier New"/>
-              </a:rPr>
-              <a:t> ../</a:t>
-            </a:r>
-            <a:r>
-              <a:rPr lang="en-US" dirty="0" err="1">
-                <a:latin typeface="Courier New"/>
-                <a:cs typeface="Courier New"/>
-              </a:rPr>
-              <a:t>db</a:t>
-            </a:r>
-            <a:r>
-              <a:rPr lang="en-US" dirty="0">
-                <a:latin typeface="Courier New"/>
-                <a:cs typeface="Courier New"/>
-              </a:rPr>
-              <a:t>/MG1655 -entry 556503834 -range 150-220</a:t>
-            </a:r>
-          </a:p>
-          <a:p>
-            <a:pPr marL="0" indent="0">
-              <a:buNone/>
-            </a:pPr>
-            <a:endParaRPr lang="en-US" sz="1600" dirty="0">
-              <a:latin typeface="Courier New"/>
-              <a:cs typeface="Courier New"/>
-            </a:endParaRPr>
-          </a:p>
-          <a:p>
-            <a:pPr marL="0" indent="0">
-              <a:buNone/>
-            </a:pPr>
-            <a:r>
               <a:rPr lang="en-US" sz="1600" dirty="0">
                 <a:latin typeface="Courier New"/>
                 <a:cs typeface="Courier New"/>
@@ -8311,14 +8358,20 @@
       </p:sp>
       <p:sp>
         <p:nvSpPr>
-          <p:cNvPr id="4" name="TextBox 3"/>
+          <p:cNvPr id="4" name="TextBox 3">
+            <a:extLst>
+              <a:ext uri="{FF2B5EF4-FFF2-40B4-BE49-F238E27FC236}">
+                <a16:creationId xmlns:a16="http://schemas.microsoft.com/office/drawing/2014/main" id="{58420D98-30AC-5F4D-876D-3E8705458CA9}"/>
+              </a:ext>
+            </a:extLst>
+          </p:cNvPr>
           <p:cNvSpPr txBox="1"/>
           <p:nvPr/>
         </p:nvSpPr>
         <p:spPr>
           <a:xfrm>
-            <a:off x="523269" y="5882216"/>
-            <a:ext cx="6371982" cy="461665"/>
+            <a:off x="553064" y="6060142"/>
+            <a:ext cx="4718471" cy="523220"/>
           </a:xfrm>
           <a:prstGeom prst="rect">
             <a:avLst/>
@@ -8332,76 +8385,20 @@
           <a:lstStyle/>
           <a:p>
             <a:r>
-              <a:rPr lang="en-US" sz="1200" dirty="0"/>
-              <a:t>* Database formatting must add –</a:t>
-            </a:r>
-            <a:r>
-              <a:rPr lang="en-US" sz="1200" dirty="0" err="1"/>
-              <a:t>parse_seqids</a:t>
-            </a:r>
-            <a:endParaRPr lang="en-US" sz="1200" dirty="0"/>
-          </a:p>
-          <a:p>
-            <a:r>
-              <a:rPr lang="en-US" sz="1200" dirty="0" err="1">
-                <a:latin typeface="Courier New"/>
-                <a:cs typeface="Courier New"/>
-              </a:rPr>
-              <a:t>makeblastdb</a:t>
-            </a:r>
-            <a:r>
-              <a:rPr lang="en-US" sz="1200" dirty="0">
-                <a:latin typeface="Courier New"/>
-                <a:cs typeface="Courier New"/>
-              </a:rPr>
-              <a:t> -in MG1655.fasta -out MG1655 -</a:t>
-            </a:r>
-            <a:r>
-              <a:rPr lang="en-US" sz="1200" dirty="0" err="1">
-                <a:latin typeface="Courier New"/>
-                <a:cs typeface="Courier New"/>
-              </a:rPr>
-              <a:t>dbtype</a:t>
-            </a:r>
-            <a:r>
-              <a:rPr lang="en-US" sz="1200" dirty="0">
-                <a:latin typeface="Courier New"/>
-                <a:cs typeface="Courier New"/>
-              </a:rPr>
-              <a:t> </a:t>
-            </a:r>
-            <a:r>
-              <a:rPr lang="en-US" sz="1200" dirty="0" err="1">
-                <a:latin typeface="Courier New"/>
-                <a:cs typeface="Courier New"/>
-              </a:rPr>
-              <a:t>nucl</a:t>
-            </a:r>
-            <a:r>
-              <a:rPr lang="en-US" sz="1200" dirty="0">
-                <a:latin typeface="Courier New"/>
-                <a:cs typeface="Courier New"/>
-              </a:rPr>
-              <a:t> -</a:t>
-            </a:r>
-            <a:r>
-              <a:rPr lang="en-US" sz="1200" dirty="0" err="1">
-                <a:latin typeface="Courier New"/>
-                <a:cs typeface="Courier New"/>
-              </a:rPr>
-              <a:t>parse_seqids</a:t>
-            </a:r>
-            <a:endParaRPr lang="en-US" sz="1200" dirty="0">
-              <a:latin typeface="Courier New"/>
-              <a:cs typeface="Courier New"/>
-            </a:endParaRPr>
+              <a:rPr lang="en-US" sz="2800" dirty="0">
+                <a:solidFill>
+                  <a:srgbClr val="FF0000"/>
+                </a:solidFill>
+              </a:rPr>
+              <a:t>* Require specific name format</a:t>
+            </a:r>
           </a:p>
         </p:txBody>
       </p:sp>
     </p:spTree>
     <p:extLst>
       <p:ext uri="{BB962C8B-B14F-4D97-AF65-F5344CB8AC3E}">
-        <p14:creationId xmlns:p14="http://schemas.microsoft.com/office/powerpoint/2010/main" val="428381979"/>
+        <p14:creationId xmlns:p14="http://schemas.microsoft.com/office/powerpoint/2010/main" val="3120825335"/>
       </p:ext>
     </p:extLst>
   </p:cSld>
@@ -8438,19 +8435,22 @@
             <p:ph type="title"/>
           </p:nvPr>
         </p:nvSpPr>
-        <p:spPr>
-          <a:xfrm>
-            <a:off x="457200" y="274638"/>
-            <a:ext cx="8229600" cy="924806"/>
-          </a:xfrm>
-        </p:spPr>
+        <p:spPr/>
         <p:txBody>
           <a:bodyPr/>
           <a:lstStyle/>
           <a:p>
             <a:r>
               <a:rPr lang="en-US" dirty="0"/>
-              <a:t>Goal of today’s lab</a:t>
+              <a:t>Extract sequences using </a:t>
+            </a:r>
+            <a:r>
+              <a:rPr lang="en-US" dirty="0" err="1"/>
+              <a:t>Gi</a:t>
+            </a:r>
+            <a:r>
+              <a:rPr lang="en-US" dirty="0"/>
+              <a:t> ID</a:t>
             </a:r>
           </a:p>
         </p:txBody>
@@ -8467,8 +8467,8 @@
         </p:nvSpPr>
         <p:spPr>
           <a:xfrm>
-            <a:off x="2177124" y="2068040"/>
-            <a:ext cx="4897702" cy="2911149"/>
+            <a:off x="402661" y="1645081"/>
+            <a:ext cx="8339668" cy="3115202"/>
           </a:xfrm>
         </p:spPr>
         <p:txBody>
@@ -8477,77 +8477,253 @@
           </a:bodyPr>
           <a:lstStyle/>
           <a:p>
-            <a:r>
-              <a:rPr lang="en-US" dirty="0">
-                <a:solidFill>
-                  <a:schemeClr val="bg1">
-                    <a:lumMod val="75000"/>
-                  </a:schemeClr>
-                </a:solidFill>
-              </a:rPr>
-              <a:t>Make a </a:t>
-            </a:r>
-            <a:r>
-              <a:rPr lang="en-US" dirty="0" err="1">
-                <a:solidFill>
-                  <a:schemeClr val="bg1">
-                    <a:lumMod val="75000"/>
-                  </a:schemeClr>
-                </a:solidFill>
-              </a:rPr>
-              <a:t>dotplot</a:t>
-            </a:r>
-            <a:endParaRPr lang="en-US" dirty="0">
-              <a:solidFill>
-                <a:schemeClr val="bg1">
-                  <a:lumMod val="75000"/>
-                </a:schemeClr>
-              </a:solidFill>
+            <a:pPr marL="0" indent="0">
+              <a:buNone/>
+            </a:pPr>
+            <a:r>
+              <a:rPr lang="en-US" sz="1600" dirty="0">
+                <a:latin typeface="Courier New"/>
+                <a:cs typeface="Courier New"/>
+              </a:rPr>
+              <a:t># Use </a:t>
+            </a:r>
+            <a:r>
+              <a:rPr lang="en-US" sz="1600" dirty="0" err="1">
+                <a:latin typeface="Courier New"/>
+                <a:cs typeface="Courier New"/>
+              </a:rPr>
+              <a:t>Gi</a:t>
+            </a:r>
+            <a:r>
+              <a:rPr lang="en-US" sz="1600" dirty="0">
+                <a:latin typeface="Courier New"/>
+                <a:cs typeface="Courier New"/>
+              </a:rPr>
+              <a:t> ID to search*</a:t>
+            </a:r>
+          </a:p>
+          <a:p>
+            <a:pPr marL="0" indent="0">
+              <a:buNone/>
+            </a:pPr>
+            <a:endParaRPr lang="en-US" sz="1600" dirty="0">
+              <a:latin typeface="Courier New"/>
+              <a:cs typeface="Courier New"/>
             </a:endParaRPr>
           </a:p>
           <a:p>
-            <a:r>
-              <a:rPr lang="en-US" dirty="0"/>
-              <a:t>Create BLAST database</a:t>
-            </a:r>
-          </a:p>
-          <a:p>
-            <a:r>
-              <a:rPr lang="en-US" dirty="0"/>
-              <a:t>BLASTN</a:t>
-            </a:r>
-          </a:p>
-          <a:p>
-            <a:r>
-              <a:rPr lang="en-US" dirty="0"/>
-              <a:t>BLASTP</a:t>
-            </a:r>
-          </a:p>
-          <a:p>
-            <a:r>
-              <a:rPr lang="en-US" dirty="0"/>
-              <a:t>Extract sequences from database</a:t>
-            </a:r>
-          </a:p>
-          <a:p>
-            <a:r>
-              <a:rPr lang="en-US" dirty="0"/>
-              <a:t>BWA alignment</a:t>
-            </a:r>
-          </a:p>
-          <a:p>
-            <a:r>
-              <a:rPr lang="en-US" dirty="0" err="1"/>
-              <a:t>SAMtools</a:t>
-            </a:r>
-            <a:endParaRPr lang="en-US" dirty="0"/>
+            <a:pPr marL="0" indent="0">
+              <a:buNone/>
+            </a:pPr>
+            <a:r>
+              <a:rPr lang="en-US" sz="2800" dirty="0" err="1">
+                <a:latin typeface="Courier New"/>
+                <a:cs typeface="Courier New"/>
+              </a:rPr>
+              <a:t>blastdbcmd</a:t>
+            </a:r>
+            <a:r>
+              <a:rPr lang="en-US" sz="2800" dirty="0">
+                <a:latin typeface="Courier New"/>
+                <a:cs typeface="Courier New"/>
+              </a:rPr>
+              <a:t> –</a:t>
+            </a:r>
+            <a:r>
+              <a:rPr lang="en-US" sz="2800" dirty="0" err="1">
+                <a:latin typeface="Courier New"/>
+                <a:cs typeface="Courier New"/>
+              </a:rPr>
+              <a:t>db</a:t>
+            </a:r>
+            <a:r>
+              <a:rPr lang="en-US" sz="2800" dirty="0">
+                <a:latin typeface="Courier New"/>
+                <a:cs typeface="Courier New"/>
+              </a:rPr>
+              <a:t> ../</a:t>
+            </a:r>
+            <a:r>
+              <a:rPr lang="en-US" sz="2800" dirty="0" err="1">
+                <a:latin typeface="Courier New"/>
+                <a:cs typeface="Courier New"/>
+              </a:rPr>
+              <a:t>db</a:t>
+            </a:r>
+            <a:r>
+              <a:rPr lang="en-US" sz="2800" dirty="0">
+                <a:latin typeface="Courier New"/>
+                <a:cs typeface="Courier New"/>
+              </a:rPr>
+              <a:t>/MG1655 \</a:t>
+            </a:r>
+          </a:p>
+          <a:p>
+            <a:pPr marL="0" indent="0">
+              <a:buNone/>
+            </a:pPr>
+            <a:r>
+              <a:rPr lang="en-US" sz="2800" dirty="0">
+                <a:latin typeface="Courier New"/>
+                <a:cs typeface="Courier New"/>
+              </a:rPr>
+              <a:t> -entry 556503834 -range 150-220</a:t>
+            </a:r>
+          </a:p>
+          <a:p>
+            <a:pPr marL="0" indent="0">
+              <a:buNone/>
+            </a:pPr>
+            <a:endParaRPr lang="en-US" sz="1600" dirty="0">
+              <a:latin typeface="Courier New"/>
+              <a:cs typeface="Courier New"/>
+            </a:endParaRPr>
+          </a:p>
+          <a:p>
+            <a:pPr marL="0" indent="0">
+              <a:buNone/>
+            </a:pPr>
+            <a:r>
+              <a:rPr lang="en-US" sz="1600" dirty="0">
+                <a:latin typeface="Courier New"/>
+                <a:cs typeface="Courier New"/>
+              </a:rPr>
+              <a:t>---output---</a:t>
+            </a:r>
+          </a:p>
+          <a:p>
+            <a:pPr marL="0" indent="0">
+              <a:buNone/>
+            </a:pPr>
+            <a:r>
+              <a:rPr lang="en-US" sz="1600" dirty="0">
+                <a:latin typeface="Courier New"/>
+                <a:cs typeface="Courier New"/>
+              </a:rPr>
+              <a:t>&gt;gi|556503834|ref|NC_000913.3|:150-220 Escherichia coli str. K-12 </a:t>
+            </a:r>
+            <a:r>
+              <a:rPr lang="en-US" sz="1600" dirty="0" err="1">
+                <a:latin typeface="Courier New"/>
+                <a:cs typeface="Courier New"/>
+              </a:rPr>
+              <a:t>substr</a:t>
+            </a:r>
+            <a:r>
+              <a:rPr lang="en-US" sz="1600" dirty="0">
+                <a:latin typeface="Courier New"/>
+                <a:cs typeface="Courier New"/>
+              </a:rPr>
+              <a:t>. MG1655, complete genome</a:t>
+            </a:r>
+          </a:p>
+          <a:p>
+            <a:pPr marL="0" indent="0">
+              <a:buNone/>
+            </a:pPr>
+            <a:r>
+              <a:rPr lang="en-US" sz="1600" dirty="0">
+                <a:latin typeface="Courier New"/>
+                <a:cs typeface="Courier New"/>
+              </a:rPr>
+              <a:t>AGCGCACAGACAGATAAAAATTACAGAGTACACAACATCCATGAAACGCATTAGCACCACCATTACCACCA</a:t>
+            </a:r>
+          </a:p>
+        </p:txBody>
+      </p:sp>
+      <p:sp>
+        <p:nvSpPr>
+          <p:cNvPr id="4" name="TextBox 3"/>
+          <p:cNvSpPr txBox="1"/>
+          <p:nvPr/>
+        </p:nvSpPr>
+        <p:spPr>
+          <a:xfrm>
+            <a:off x="523269" y="5882216"/>
+            <a:ext cx="6371982" cy="461665"/>
+          </a:xfrm>
+          <a:prstGeom prst="rect">
+            <a:avLst/>
+          </a:prstGeom>
+          <a:noFill/>
+        </p:spPr>
+        <p:txBody>
+          <a:bodyPr wrap="none" rtlCol="0">
+            <a:spAutoFit/>
+          </a:bodyPr>
+          <a:lstStyle/>
+          <a:p>
+            <a:r>
+              <a:rPr lang="en-US" sz="1200" dirty="0"/>
+              <a:t>* Database formatting must add –</a:t>
+            </a:r>
+            <a:r>
+              <a:rPr lang="en-US" sz="1200" dirty="0" err="1"/>
+              <a:t>parse_seqids</a:t>
+            </a:r>
+            <a:endParaRPr lang="en-US" sz="1200" dirty="0"/>
+          </a:p>
+          <a:p>
+            <a:r>
+              <a:rPr lang="en-US" sz="1200" dirty="0" err="1">
+                <a:latin typeface="Courier New"/>
+                <a:cs typeface="Courier New"/>
+              </a:rPr>
+              <a:t>makeblastdb</a:t>
+            </a:r>
+            <a:r>
+              <a:rPr lang="en-US" sz="1200" dirty="0">
+                <a:latin typeface="Courier New"/>
+                <a:cs typeface="Courier New"/>
+              </a:rPr>
+              <a:t> -in MG1655.fasta -out MG1655 -</a:t>
+            </a:r>
+            <a:r>
+              <a:rPr lang="en-US" sz="1200" dirty="0" err="1">
+                <a:latin typeface="Courier New"/>
+                <a:cs typeface="Courier New"/>
+              </a:rPr>
+              <a:t>dbtype</a:t>
+            </a:r>
+            <a:r>
+              <a:rPr lang="en-US" sz="1200" dirty="0">
+                <a:latin typeface="Courier New"/>
+                <a:cs typeface="Courier New"/>
+              </a:rPr>
+              <a:t> </a:t>
+            </a:r>
+            <a:r>
+              <a:rPr lang="en-US" sz="1200" dirty="0" err="1">
+                <a:latin typeface="Courier New"/>
+                <a:cs typeface="Courier New"/>
+              </a:rPr>
+              <a:t>nucl</a:t>
+            </a:r>
+            <a:r>
+              <a:rPr lang="en-US" sz="1200" dirty="0">
+                <a:latin typeface="Courier New"/>
+                <a:cs typeface="Courier New"/>
+              </a:rPr>
+              <a:t> -</a:t>
+            </a:r>
+            <a:r>
+              <a:rPr lang="en-US" sz="1200" dirty="0" err="1">
+                <a:latin typeface="Courier New"/>
+                <a:cs typeface="Courier New"/>
+              </a:rPr>
+              <a:t>parse_seqids</a:t>
+            </a:r>
+            <a:endParaRPr lang="en-US" sz="1200" dirty="0">
+              <a:latin typeface="Courier New"/>
+              <a:cs typeface="Courier New"/>
+            </a:endParaRPr>
           </a:p>
         </p:txBody>
       </p:sp>
     </p:spTree>
     <p:extLst>
       <p:ext uri="{BB962C8B-B14F-4D97-AF65-F5344CB8AC3E}">
-        <p14:creationId xmlns:p14="http://schemas.microsoft.com/office/powerpoint/2010/main" val="1724176922"/>
+        <p14:creationId xmlns:p14="http://schemas.microsoft.com/office/powerpoint/2010/main" val="428381979"/>
       </p:ext>
     </p:extLst>
   </p:cSld>
@@ -8712,14 +8888,19 @@
             <p:ph type="title"/>
           </p:nvPr>
         </p:nvSpPr>
-        <p:spPr/>
+        <p:spPr>
+          <a:xfrm>
+            <a:off x="457200" y="274638"/>
+            <a:ext cx="8229600" cy="924806"/>
+          </a:xfrm>
+        </p:spPr>
         <p:txBody>
           <a:bodyPr/>
           <a:lstStyle/>
           <a:p>
             <a:r>
               <a:rPr lang="en-US" dirty="0"/>
-              <a:t>Step 1: Create a BWA database</a:t>
+              <a:t>Goal of today’s lab</a:t>
             </a:r>
           </a:p>
         </p:txBody>
@@ -8736,190 +8917,87 @@
         </p:nvSpPr>
         <p:spPr>
           <a:xfrm>
-            <a:off x="1343279" y="1233584"/>
-            <a:ext cx="6508698" cy="5147212"/>
+            <a:off x="1651030" y="1429213"/>
+            <a:ext cx="6077529" cy="3956979"/>
           </a:xfrm>
         </p:spPr>
         <p:txBody>
           <a:bodyPr>
-            <a:normAutofit/>
+            <a:noAutofit/>
           </a:bodyPr>
           <a:lstStyle/>
           <a:p>
             <a:r>
-              <a:rPr lang="en-US" b="1" dirty="0" err="1">
+              <a:rPr lang="en-US" sz="2800" dirty="0">
                 <a:solidFill>
-                  <a:srgbClr val="17375E"/>
+                  <a:schemeClr val="bg1">
+                    <a:lumMod val="75000"/>
+                  </a:schemeClr>
                 </a:solidFill>
               </a:rPr>
-              <a:t>bwa</a:t>
-            </a:r>
-            <a:r>
-              <a:rPr lang="en-US" b="1" dirty="0">
+              <a:t>Make a </a:t>
+            </a:r>
+            <a:r>
+              <a:rPr lang="en-US" sz="2800" dirty="0" err="1">
                 <a:solidFill>
-                  <a:srgbClr val="17375E"/>
+                  <a:schemeClr val="bg1">
+                    <a:lumMod val="75000"/>
+                  </a:schemeClr>
                 </a:solidFill>
               </a:rPr>
-              <a:t> index</a:t>
-            </a:r>
-          </a:p>
-          <a:p>
-            <a:pPr marL="0" indent="0">
-              <a:buNone/>
-            </a:pPr>
-            <a:r>
-              <a:rPr lang="en-US" dirty="0"/>
-              <a:t>A program to create a BWA database</a:t>
-            </a:r>
-          </a:p>
-          <a:p>
-            <a:pPr marL="0" indent="0">
-              <a:buNone/>
-            </a:pPr>
-            <a:endParaRPr lang="en-US" dirty="0">
-              <a:latin typeface="Courier New"/>
-              <a:cs typeface="Courier New"/>
+              <a:t>dotplot</a:t>
+            </a:r>
+            <a:endParaRPr lang="en-US" sz="2800" dirty="0">
+              <a:solidFill>
+                <a:schemeClr val="bg1">
+                  <a:lumMod val="75000"/>
+                </a:schemeClr>
+              </a:solidFill>
             </a:endParaRPr>
           </a:p>
           <a:p>
-            <a:pPr marL="0" indent="0">
-              <a:buNone/>
-            </a:pPr>
-            <a:r>
-              <a:rPr lang="en-US" dirty="0">
-                <a:latin typeface="Courier New"/>
-                <a:cs typeface="Courier New"/>
-              </a:rPr>
-              <a:t># go to the </a:t>
-            </a:r>
-            <a:r>
-              <a:rPr lang="en-US" dirty="0" err="1">
-                <a:latin typeface="Courier New"/>
-                <a:cs typeface="Courier New"/>
-              </a:rPr>
-              <a:t>db</a:t>
-            </a:r>
-            <a:r>
-              <a:rPr lang="en-US" dirty="0">
-                <a:latin typeface="Courier New"/>
-                <a:cs typeface="Courier New"/>
-              </a:rPr>
-              <a:t> directory</a:t>
-            </a:r>
-          </a:p>
-          <a:p>
-            <a:pPr marL="0" indent="0">
-              <a:buNone/>
-            </a:pPr>
-            <a:r>
-              <a:rPr lang="en-US" dirty="0">
-                <a:latin typeface="Courier New"/>
-                <a:cs typeface="Courier New"/>
-              </a:rPr>
-              <a:t>cd </a:t>
-            </a:r>
-            <a:r>
-              <a:rPr lang="en-US" dirty="0" err="1">
-                <a:latin typeface="Courier New"/>
-                <a:cs typeface="Courier New"/>
-              </a:rPr>
-              <a:t>db</a:t>
-            </a:r>
-            <a:endParaRPr lang="en-US" dirty="0">
-              <a:latin typeface="Courier New"/>
-              <a:cs typeface="Courier New"/>
-            </a:endParaRPr>
-          </a:p>
-          <a:p>
-            <a:pPr marL="0" indent="0">
-              <a:buNone/>
-            </a:pPr>
-            <a:endParaRPr lang="en-US" dirty="0">
-              <a:latin typeface="Courier New"/>
-              <a:cs typeface="Courier New"/>
-            </a:endParaRPr>
-          </a:p>
-          <a:p>
-            <a:pPr marL="0" indent="0">
-              <a:buNone/>
-            </a:pPr>
-            <a:r>
-              <a:rPr lang="en-US" dirty="0" err="1">
-                <a:latin typeface="Courier New"/>
-                <a:cs typeface="Courier New"/>
-              </a:rPr>
-              <a:t>bwa</a:t>
-            </a:r>
-            <a:endParaRPr lang="en-US" dirty="0">
-              <a:latin typeface="Courier New"/>
-              <a:cs typeface="Courier New"/>
-            </a:endParaRPr>
-          </a:p>
-          <a:p>
-            <a:pPr marL="0" indent="0">
-              <a:buNone/>
-            </a:pPr>
-            <a:r>
-              <a:rPr lang="en-US" dirty="0" err="1">
-                <a:latin typeface="Courier New"/>
-                <a:cs typeface="Courier New"/>
-              </a:rPr>
-              <a:t>bwa</a:t>
-            </a:r>
-            <a:r>
-              <a:rPr lang="en-US" dirty="0">
-                <a:latin typeface="Courier New"/>
-                <a:cs typeface="Courier New"/>
-              </a:rPr>
-              <a:t> index</a:t>
-            </a:r>
-          </a:p>
-          <a:p>
-            <a:pPr marL="0" indent="0">
-              <a:buNone/>
-            </a:pPr>
-            <a:endParaRPr lang="en-US" dirty="0">
-              <a:latin typeface="Courier New"/>
-              <a:cs typeface="Courier New"/>
-            </a:endParaRPr>
-          </a:p>
-          <a:p>
-            <a:pPr marL="0" indent="0">
-              <a:buNone/>
-            </a:pPr>
-            <a:r>
-              <a:rPr lang="en-US" dirty="0">
-                <a:latin typeface="Courier New"/>
-                <a:cs typeface="Courier New"/>
-              </a:rPr>
-              <a:t>### index</a:t>
-            </a:r>
-          </a:p>
-          <a:p>
-            <a:pPr marL="0" indent="0">
-              <a:buNone/>
-            </a:pPr>
-            <a:r>
-              <a:rPr lang="en-US" dirty="0" err="1">
-                <a:latin typeface="Courier New"/>
-                <a:cs typeface="Courier New"/>
-              </a:rPr>
-              <a:t>bwa</a:t>
-            </a:r>
-            <a:r>
-              <a:rPr lang="en-US" dirty="0">
-                <a:latin typeface="Courier New"/>
-                <a:cs typeface="Courier New"/>
-              </a:rPr>
-              <a:t> index MG1655.fasta</a:t>
-            </a:r>
+            <a:r>
+              <a:rPr lang="en-US" sz="2800" dirty="0"/>
+              <a:t>Create BLAST database</a:t>
+            </a:r>
+          </a:p>
+          <a:p>
+            <a:r>
+              <a:rPr lang="en-US" sz="2800" dirty="0"/>
+              <a:t>BLASTN</a:t>
+            </a:r>
+          </a:p>
+          <a:p>
+            <a:r>
+              <a:rPr lang="en-US" sz="2800" dirty="0"/>
+              <a:t>BLASTP</a:t>
+            </a:r>
+          </a:p>
+          <a:p>
+            <a:r>
+              <a:rPr lang="en-US" sz="2800" dirty="0"/>
+              <a:t>Extract sequences from database</a:t>
+            </a:r>
+          </a:p>
+          <a:p>
+            <a:r>
+              <a:rPr lang="en-US" sz="2800" dirty="0"/>
+              <a:t>BWA alignment</a:t>
+            </a:r>
+          </a:p>
+          <a:p>
+            <a:r>
+              <a:rPr lang="en-US" sz="2800" dirty="0" err="1"/>
+              <a:t>SAMtools</a:t>
+            </a:r>
+            <a:endParaRPr lang="en-US" sz="2800" dirty="0"/>
           </a:p>
         </p:txBody>
       </p:sp>
     </p:spTree>
     <p:extLst>
       <p:ext uri="{BB962C8B-B14F-4D97-AF65-F5344CB8AC3E}">
-        <p14:creationId xmlns:p14="http://schemas.microsoft.com/office/powerpoint/2010/main" val="2701650105"/>
+        <p14:creationId xmlns:p14="http://schemas.microsoft.com/office/powerpoint/2010/main" val="1724176922"/>
       </p:ext>
     </p:extLst>
   </p:cSld>
@@ -8962,12 +9040,8 @@
           <a:lstStyle/>
           <a:p>
             <a:r>
-              <a:rPr lang="en-US" dirty="0" err="1"/>
-              <a:t>Illumina</a:t>
-            </a:r>
-            <a:r>
               <a:rPr lang="en-US" dirty="0"/>
-              <a:t> data</a:t>
+              <a:t>Step 1: Create a BWA database</a:t>
             </a:r>
           </a:p>
         </p:txBody>
@@ -8984,152 +9058,182 @@
         </p:nvSpPr>
         <p:spPr>
           <a:xfrm>
-            <a:off x="313662" y="1047625"/>
-            <a:ext cx="8621868" cy="4828202"/>
+            <a:off x="1343278" y="1233584"/>
+            <a:ext cx="6936425" cy="5147212"/>
           </a:xfrm>
         </p:spPr>
         <p:txBody>
           <a:bodyPr>
-            <a:normAutofit/>
+            <a:normAutofit lnSpcReduction="10000"/>
           </a:bodyPr>
           <a:lstStyle/>
           <a:p>
-            <a:pPr marL="0" indent="0">
-              <a:lnSpc>
-                <a:spcPct val="120000"/>
-              </a:lnSpc>
+            <a:r>
+              <a:rPr lang="en-US" b="1" dirty="0" err="1">
+                <a:solidFill>
+                  <a:srgbClr val="17375E"/>
+                </a:solidFill>
+              </a:rPr>
+              <a:t>bwa</a:t>
+            </a:r>
+            <a:r>
+              <a:rPr lang="en-US" b="1" dirty="0">
+                <a:solidFill>
+                  <a:srgbClr val="17375E"/>
+                </a:solidFill>
+              </a:rPr>
+              <a:t> index</a:t>
+            </a:r>
+          </a:p>
+          <a:p>
+            <a:pPr marL="0" indent="0">
               <a:buNone/>
             </a:pPr>
             <a:r>
               <a:rPr lang="en-US" dirty="0"/>
-              <a:t># check the current directory</a:t>
-            </a:r>
-          </a:p>
-          <a:p>
-            <a:pPr marL="0" indent="0">
-              <a:lnSpc>
-                <a:spcPct val="120000"/>
-              </a:lnSpc>
-              <a:buNone/>
-            </a:pPr>
-            <a:r>
-              <a:rPr lang="en-US" dirty="0" err="1">
-                <a:latin typeface="Courier"/>
-                <a:cs typeface="Courier"/>
-              </a:rPr>
-              <a:t>pwd</a:t>
-            </a:r>
+              <a:t>A program to create a BWA database</a:t>
+            </a:r>
+          </a:p>
+          <a:p>
+            <a:pPr marL="0" indent="0">
+              <a:buNone/>
+            </a:pPr>
             <a:endParaRPr lang="en-US" dirty="0">
-              <a:latin typeface="Courier"/>
-              <a:cs typeface="Courier"/>
+              <a:latin typeface="Courier New"/>
+              <a:cs typeface="Courier New"/>
             </a:endParaRPr>
           </a:p>
           <a:p>
             <a:pPr marL="0" indent="0">
-              <a:lnSpc>
-                <a:spcPct val="120000"/>
-              </a:lnSpc>
-              <a:buNone/>
-            </a:pPr>
-            <a:r>
-              <a:rPr lang="en-US" dirty="0">
-                <a:latin typeface="Courier"/>
-                <a:cs typeface="Courier"/>
-              </a:rPr>
-              <a:t>cd ..</a:t>
-            </a:r>
-          </a:p>
-          <a:p>
-            <a:pPr marL="0" indent="0">
-              <a:lnSpc>
-                <a:spcPct val="120000"/>
-              </a:lnSpc>
-              <a:buNone/>
-            </a:pPr>
-            <a:r>
-              <a:rPr lang="en-US" dirty="0" err="1">
-                <a:latin typeface="Courier"/>
-                <a:cs typeface="Courier"/>
-              </a:rPr>
-              <a:t>mkdir</a:t>
-            </a:r>
-            <a:r>
-              <a:rPr lang="en-US" dirty="0">
-                <a:latin typeface="Courier"/>
-                <a:cs typeface="Courier"/>
-              </a:rPr>
-              <a:t> alignment</a:t>
-            </a:r>
-          </a:p>
-          <a:p>
-            <a:pPr marL="0" indent="0">
-              <a:lnSpc>
-                <a:spcPct val="120000"/>
-              </a:lnSpc>
-              <a:buNone/>
-            </a:pPr>
-            <a:r>
-              <a:rPr lang="en-US" dirty="0">
-                <a:latin typeface="Courier"/>
-                <a:cs typeface="Courier"/>
-              </a:rPr>
-              <a:t>cd alignment</a:t>
-            </a:r>
-          </a:p>
-          <a:p>
-            <a:pPr marL="0" indent="0">
-              <a:lnSpc>
-                <a:spcPct val="120000"/>
-              </a:lnSpc>
-              <a:buNone/>
-            </a:pPr>
-            <a:endParaRPr lang="en-US" dirty="0">
-              <a:latin typeface="Courier"/>
-              <a:cs typeface="Courier"/>
+              <a:buNone/>
+            </a:pPr>
+            <a:r>
+              <a:rPr lang="en-US" sz="2800" dirty="0">
+                <a:latin typeface="Courier New"/>
+                <a:cs typeface="Courier New"/>
+              </a:rPr>
+              <a:t># go to the </a:t>
+            </a:r>
+            <a:r>
+              <a:rPr lang="en-US" sz="2800" dirty="0" err="1">
+                <a:latin typeface="Courier New"/>
+                <a:cs typeface="Courier New"/>
+              </a:rPr>
+              <a:t>db</a:t>
+            </a:r>
+            <a:r>
+              <a:rPr lang="en-US" sz="2800" dirty="0">
+                <a:latin typeface="Courier New"/>
+                <a:cs typeface="Courier New"/>
+              </a:rPr>
+              <a:t> directory</a:t>
+            </a:r>
+          </a:p>
+          <a:p>
+            <a:pPr marL="0" indent="0">
+              <a:buNone/>
+            </a:pPr>
+            <a:r>
+              <a:rPr lang="en-US" sz="2800" dirty="0">
+                <a:latin typeface="Courier New"/>
+                <a:cs typeface="Courier New"/>
+              </a:rPr>
+              <a:t>cd </a:t>
+            </a:r>
+            <a:r>
+              <a:rPr lang="en-US" sz="2800" dirty="0" err="1">
+                <a:latin typeface="Courier New"/>
+                <a:cs typeface="Courier New"/>
+              </a:rPr>
+              <a:t>db</a:t>
+            </a:r>
+            <a:endParaRPr lang="en-US" sz="2800" dirty="0">
+              <a:latin typeface="Courier New"/>
+              <a:cs typeface="Courier New"/>
             </a:endParaRPr>
           </a:p>
           <a:p>
-            <a:pPr>
-              <a:lnSpc>
-                <a:spcPct val="120000"/>
-              </a:lnSpc>
-            </a:pPr>
-            <a:r>
-              <a:rPr lang="en-US" dirty="0"/>
-              <a:t>data location</a:t>
-            </a:r>
-            <a:endParaRPr lang="fr-FR" dirty="0"/>
-          </a:p>
-          <a:p>
-            <a:pPr marL="0" indent="0">
-              <a:lnSpc>
-                <a:spcPct val="120000"/>
-              </a:lnSpc>
-              <a:buNone/>
-            </a:pPr>
-            <a:r>
-              <a:rPr lang="en-US" sz="1800" dirty="0"/>
-              <a:t>/homes/liu3zhen/teaching/datasets/MG1655_illumina/</a:t>
-            </a:r>
-          </a:p>
-          <a:p>
-            <a:pPr>
-              <a:buFont typeface="+mj-lt"/>
-              <a:buAutoNum type="arabicPeriod"/>
-            </a:pPr>
-            <a:r>
-              <a:rPr lang="fr-FR" sz="1800" dirty="0"/>
-              <a:t>MG1655.pair1.fq</a:t>
-            </a:r>
-          </a:p>
-          <a:p>
-            <a:pPr>
-              <a:buFont typeface="+mj-lt"/>
-              <a:buAutoNum type="arabicPeriod"/>
-            </a:pPr>
-            <a:r>
-              <a:rPr lang="fr-FR" sz="1800" dirty="0"/>
-              <a:t>MG1655.pair2.fq</a:t>
+            <a:pPr marL="0" indent="0">
+              <a:buNone/>
+            </a:pPr>
+            <a:endParaRPr lang="en-US" sz="2800" dirty="0">
+              <a:latin typeface="Courier New"/>
+              <a:cs typeface="Courier New"/>
+            </a:endParaRPr>
+          </a:p>
+          <a:p>
+            <a:pPr marL="0" indent="0">
+              <a:buNone/>
+            </a:pPr>
+            <a:r>
+              <a:rPr lang="en-US" sz="2800" dirty="0" err="1">
+                <a:latin typeface="Courier New"/>
+                <a:cs typeface="Courier New"/>
+              </a:rPr>
+              <a:t>bwa</a:t>
+            </a:r>
+            <a:endParaRPr lang="en-US" sz="2800" dirty="0">
+              <a:latin typeface="Courier New"/>
+              <a:cs typeface="Courier New"/>
+            </a:endParaRPr>
+          </a:p>
+          <a:p>
+            <a:pPr marL="0" indent="0">
+              <a:buNone/>
+            </a:pPr>
+            <a:r>
+              <a:rPr lang="en-US" sz="2800" dirty="0" err="1">
+                <a:latin typeface="Courier New"/>
+                <a:cs typeface="Courier New"/>
+              </a:rPr>
+              <a:t>bwa</a:t>
+            </a:r>
+            <a:r>
+              <a:rPr lang="en-US" sz="2800" dirty="0">
+                <a:latin typeface="Courier New"/>
+                <a:cs typeface="Courier New"/>
+              </a:rPr>
+              <a:t> index</a:t>
+            </a:r>
+          </a:p>
+          <a:p>
+            <a:pPr marL="0" indent="0">
+              <a:buNone/>
+            </a:pPr>
+            <a:endParaRPr lang="en-US" sz="2800" dirty="0">
+              <a:latin typeface="Courier New"/>
+              <a:cs typeface="Courier New"/>
+            </a:endParaRPr>
+          </a:p>
+          <a:p>
+            <a:pPr marL="0" indent="0">
+              <a:buNone/>
+            </a:pPr>
+            <a:r>
+              <a:rPr lang="en-US" sz="2800" dirty="0">
+                <a:latin typeface="Courier New"/>
+                <a:cs typeface="Courier New"/>
+              </a:rPr>
+              <a:t>### index</a:t>
+            </a:r>
+          </a:p>
+          <a:p>
+            <a:pPr marL="0" indent="0">
+              <a:buNone/>
+            </a:pPr>
+            <a:r>
+              <a:rPr lang="en-US" sz="2800" dirty="0" err="1">
+                <a:latin typeface="Courier New"/>
+                <a:cs typeface="Courier New"/>
+              </a:rPr>
+              <a:t>bwa</a:t>
+            </a:r>
+            <a:r>
+              <a:rPr lang="en-US" sz="2800" dirty="0">
+                <a:latin typeface="Courier New"/>
+                <a:cs typeface="Courier New"/>
+              </a:rPr>
+              <a:t> index MG1655.fasta</a:t>
             </a:r>
           </a:p>
         </p:txBody>
@@ -9137,7 +9241,7 @@
     </p:spTree>
     <p:extLst>
       <p:ext uri="{BB962C8B-B14F-4D97-AF65-F5344CB8AC3E}">
-        <p14:creationId xmlns:p14="http://schemas.microsoft.com/office/powerpoint/2010/main" val="4231602658"/>
+        <p14:creationId xmlns:p14="http://schemas.microsoft.com/office/powerpoint/2010/main" val="2701650105"/>
       </p:ext>
     </p:extLst>
   </p:cSld>
@@ -9180,8 +9284,12 @@
           <a:lstStyle/>
           <a:p>
             <a:r>
+              <a:rPr lang="en-US" dirty="0" err="1"/>
+              <a:t>Illumina</a:t>
+            </a:r>
+            <a:r>
               <a:rPr lang="en-US" dirty="0"/>
-              <a:t>BWA alignment</a:t>
+              <a:t> data</a:t>
             </a:r>
           </a:p>
         </p:txBody>
@@ -9198,310 +9306,160 @@
         </p:nvSpPr>
         <p:spPr>
           <a:xfrm>
-            <a:off x="267077" y="1128573"/>
-            <a:ext cx="8686800" cy="5218939"/>
+            <a:off x="313662" y="1047625"/>
+            <a:ext cx="8621868" cy="4828202"/>
           </a:xfrm>
         </p:spPr>
         <p:txBody>
           <a:bodyPr>
-            <a:normAutofit/>
+            <a:normAutofit lnSpcReduction="10000"/>
           </a:bodyPr>
           <a:lstStyle/>
           <a:p>
-            <a:r>
-              <a:rPr lang="en-US" b="1" dirty="0" err="1">
-                <a:solidFill>
-                  <a:schemeClr val="tx2">
-                    <a:lumMod val="75000"/>
-                  </a:schemeClr>
-                </a:solidFill>
-              </a:rPr>
-              <a:t>bwa</a:t>
-            </a:r>
-            <a:r>
-              <a:rPr lang="en-US" b="1" dirty="0">
-                <a:solidFill>
-                  <a:schemeClr val="tx2">
-                    <a:lumMod val="75000"/>
-                  </a:schemeClr>
-                </a:solidFill>
-              </a:rPr>
-              <a:t> </a:t>
-            </a:r>
-            <a:r>
-              <a:rPr lang="en-US" b="1" dirty="0" err="1">
-                <a:solidFill>
-                  <a:schemeClr val="tx2">
-                    <a:lumMod val="75000"/>
-                  </a:schemeClr>
-                </a:solidFill>
-              </a:rPr>
-              <a:t>mem</a:t>
-            </a:r>
-            <a:endParaRPr lang="en-US" b="1" dirty="0">
-              <a:solidFill>
-                <a:schemeClr val="tx2">
-                  <a:lumMod val="75000"/>
-                </a:schemeClr>
-              </a:solidFill>
+            <a:pPr marL="0" indent="0">
+              <a:lnSpc>
+                <a:spcPct val="120000"/>
+              </a:lnSpc>
+              <a:buNone/>
+            </a:pPr>
+            <a:r>
+              <a:rPr lang="en-US" dirty="0"/>
+              <a:t># check the current directory</a:t>
+            </a:r>
+          </a:p>
+          <a:p>
+            <a:pPr marL="0" indent="0">
+              <a:lnSpc>
+                <a:spcPct val="120000"/>
+              </a:lnSpc>
+              <a:buNone/>
+            </a:pPr>
+            <a:r>
+              <a:rPr lang="en-US" sz="2800" dirty="0" err="1">
+                <a:latin typeface="Courier"/>
+                <a:cs typeface="Courier"/>
+              </a:rPr>
+              <a:t>pwd</a:t>
+            </a:r>
+            <a:endParaRPr lang="en-US" sz="2800" dirty="0">
+              <a:latin typeface="Courier"/>
+              <a:cs typeface="Courier"/>
             </a:endParaRPr>
           </a:p>
           <a:p>
             <a:pPr marL="0" indent="0">
-              <a:buNone/>
-            </a:pPr>
-            <a:endParaRPr lang="en-US" sz="1600" dirty="0">
-              <a:latin typeface="Courier New"/>
-              <a:cs typeface="Courier New"/>
+              <a:lnSpc>
+                <a:spcPct val="120000"/>
+              </a:lnSpc>
+              <a:buNone/>
+            </a:pPr>
+            <a:r>
+              <a:rPr lang="en-US" sz="2800" dirty="0">
+                <a:latin typeface="Courier"/>
+                <a:cs typeface="Courier"/>
+              </a:rPr>
+              <a:t>cd ..</a:t>
+            </a:r>
+          </a:p>
+          <a:p>
+            <a:pPr marL="0" indent="0">
+              <a:lnSpc>
+                <a:spcPct val="120000"/>
+              </a:lnSpc>
+              <a:buNone/>
+            </a:pPr>
+            <a:r>
+              <a:rPr lang="en-US" sz="2800" dirty="0" err="1">
+                <a:latin typeface="Courier"/>
+                <a:cs typeface="Courier"/>
+              </a:rPr>
+              <a:t>mkdir</a:t>
+            </a:r>
+            <a:r>
+              <a:rPr lang="en-US" sz="2800" dirty="0">
+                <a:latin typeface="Courier"/>
+                <a:cs typeface="Courier"/>
+              </a:rPr>
+              <a:t> alignment</a:t>
+            </a:r>
+          </a:p>
+          <a:p>
+            <a:pPr marL="0" indent="0">
+              <a:lnSpc>
+                <a:spcPct val="120000"/>
+              </a:lnSpc>
+              <a:buNone/>
+            </a:pPr>
+            <a:r>
+              <a:rPr lang="en-US" sz="2800" dirty="0">
+                <a:latin typeface="Courier"/>
+                <a:cs typeface="Courier"/>
+              </a:rPr>
+              <a:t>cd alignment</a:t>
+            </a:r>
+          </a:p>
+          <a:p>
+            <a:pPr marL="0" indent="0">
+              <a:lnSpc>
+                <a:spcPct val="120000"/>
+              </a:lnSpc>
+              <a:buNone/>
+            </a:pPr>
+            <a:endParaRPr lang="en-US" dirty="0">
+              <a:latin typeface="Courier"/>
+              <a:cs typeface="Courier"/>
             </a:endParaRPr>
           </a:p>
           <a:p>
-            <a:pPr marL="0" indent="0">
-              <a:buNone/>
-            </a:pPr>
-            <a:r>
-              <a:rPr lang="en-US" dirty="0" err="1">
-                <a:latin typeface="Courier New"/>
-                <a:cs typeface="Courier New"/>
-              </a:rPr>
-              <a:t>bwa</a:t>
-            </a:r>
-            <a:r>
-              <a:rPr lang="en-US" dirty="0">
-                <a:latin typeface="Courier New"/>
-                <a:cs typeface="Courier New"/>
-              </a:rPr>
-              <a:t> </a:t>
-            </a:r>
-            <a:r>
-              <a:rPr lang="en-US" dirty="0" err="1">
-                <a:latin typeface="Courier New"/>
-                <a:cs typeface="Courier New"/>
-              </a:rPr>
-              <a:t>mem</a:t>
-            </a:r>
-            <a:endParaRPr lang="en-US" dirty="0">
-              <a:latin typeface="Courier New"/>
-              <a:cs typeface="Courier New"/>
-            </a:endParaRPr>
-          </a:p>
-          <a:p>
-            <a:pPr marL="0" indent="0">
-              <a:buNone/>
-            </a:pPr>
-            <a:r>
-              <a:rPr lang="en-US" dirty="0">
-                <a:latin typeface="Courier New"/>
-                <a:cs typeface="Courier New"/>
-              </a:rPr>
-              <a:t>vi </a:t>
-            </a:r>
-            <a:r>
-              <a:rPr lang="en-US" dirty="0" err="1">
-                <a:latin typeface="Courier New"/>
-                <a:cs typeface="Courier New"/>
-              </a:rPr>
-              <a:t>align.sh</a:t>
-            </a:r>
-            <a:endParaRPr lang="en-US" dirty="0">
-              <a:latin typeface="Courier New"/>
-              <a:cs typeface="Courier New"/>
-            </a:endParaRPr>
-          </a:p>
-          <a:p>
-            <a:pPr marL="0" indent="0">
-              <a:buNone/>
-            </a:pPr>
-            <a:r>
-              <a:rPr lang="en-US" sz="1600" dirty="0">
-                <a:latin typeface="Courier New"/>
-                <a:cs typeface="Courier New"/>
-              </a:rPr>
-              <a:t>--------------------------------------------------- </a:t>
-            </a:r>
-          </a:p>
-          <a:p>
-            <a:pPr marL="0" indent="0">
-              <a:buNone/>
-            </a:pPr>
-            <a:r>
-              <a:rPr lang="en-US" sz="1800" dirty="0">
-                <a:latin typeface="Courier New"/>
-                <a:cs typeface="Courier New"/>
-              </a:rPr>
-              <a:t>### specify input files</a:t>
-            </a:r>
-          </a:p>
-          <a:p>
-            <a:pPr marL="0" indent="0">
-              <a:buNone/>
-            </a:pPr>
-            <a:r>
-              <a:rPr lang="en-US" sz="1800" dirty="0">
-                <a:latin typeface="Courier New"/>
-                <a:cs typeface="Courier New"/>
-              </a:rPr>
-              <a:t>ref=../</a:t>
-            </a:r>
-            <a:r>
-              <a:rPr lang="en-US" sz="1800" dirty="0" err="1">
-                <a:latin typeface="Courier New"/>
-                <a:cs typeface="Courier New"/>
-              </a:rPr>
-              <a:t>db</a:t>
-            </a:r>
-            <a:r>
-              <a:rPr lang="en-US" sz="1800" dirty="0">
-                <a:latin typeface="Courier New"/>
-                <a:cs typeface="Courier New"/>
-              </a:rPr>
-              <a:t>/MG1655.fasta</a:t>
-            </a:r>
-          </a:p>
-          <a:p>
-            <a:pPr marL="0" indent="0">
-              <a:buNone/>
-            </a:pPr>
-            <a:r>
-              <a:rPr lang="en-US" sz="1600" dirty="0">
-                <a:latin typeface="Courier New"/>
-                <a:cs typeface="Courier New"/>
-              </a:rPr>
-              <a:t>pe1=/homes/liu3zhen/teaching/datasets/MG1655_illumina/MG1655.pair1.fq</a:t>
-            </a:r>
-          </a:p>
-          <a:p>
-            <a:pPr marL="0" indent="0">
-              <a:buNone/>
-            </a:pPr>
-            <a:r>
-              <a:rPr lang="en-US" sz="1600" dirty="0">
-                <a:latin typeface="Courier New"/>
-                <a:cs typeface="Courier New"/>
-              </a:rPr>
-              <a:t>pe2=/homes/liu3zhen/teaching/datasets/MG1655_illumina/MG1655.pair2.fq</a:t>
-            </a:r>
-          </a:p>
-          <a:p>
-            <a:pPr marL="0" indent="0">
-              <a:buNone/>
-            </a:pPr>
-            <a:endParaRPr lang="en-US" sz="1800" dirty="0">
-              <a:latin typeface="Courier New"/>
-              <a:cs typeface="Courier New"/>
-            </a:endParaRPr>
-          </a:p>
-          <a:p>
-            <a:pPr marL="0" indent="0">
-              <a:buNone/>
-            </a:pPr>
-            <a:r>
-              <a:rPr lang="en-US" sz="1800" dirty="0">
-                <a:latin typeface="Courier New"/>
-                <a:cs typeface="Courier New"/>
-              </a:rPr>
-              <a:t>### alignment</a:t>
-            </a:r>
-          </a:p>
-          <a:p>
-            <a:pPr marL="0" indent="0">
-              <a:buNone/>
-            </a:pPr>
-            <a:r>
-              <a:rPr lang="en-US" sz="1800" dirty="0" err="1">
-                <a:latin typeface="Courier New"/>
-                <a:cs typeface="Courier New"/>
-              </a:rPr>
-              <a:t>bwa</a:t>
-            </a:r>
-            <a:r>
-              <a:rPr lang="en-US" sz="1800" dirty="0">
-                <a:latin typeface="Courier New"/>
-                <a:cs typeface="Courier New"/>
-              </a:rPr>
-              <a:t> </a:t>
-            </a:r>
-            <a:r>
-              <a:rPr lang="en-US" sz="1800" dirty="0" err="1">
-                <a:latin typeface="Courier New"/>
-                <a:cs typeface="Courier New"/>
-              </a:rPr>
-              <a:t>mem</a:t>
-            </a:r>
-            <a:r>
-              <a:rPr lang="en-US" sz="1800" dirty="0">
-                <a:latin typeface="Courier New"/>
-                <a:cs typeface="Courier New"/>
-              </a:rPr>
-              <a:t> –T 30 $ref $pe1 $pe2 1&gt;</a:t>
-            </a:r>
-            <a:r>
-              <a:rPr lang="en-US" sz="1800" dirty="0" err="1">
-                <a:latin typeface="Courier New"/>
-                <a:cs typeface="Courier New"/>
-              </a:rPr>
-              <a:t>aln.sam</a:t>
-            </a:r>
-            <a:r>
-              <a:rPr lang="en-US" sz="1800" dirty="0">
-                <a:latin typeface="Courier New"/>
-                <a:cs typeface="Courier New"/>
-              </a:rPr>
-              <a:t> 2&gt;</a:t>
-            </a:r>
-            <a:r>
-              <a:rPr lang="en-US" sz="1800" dirty="0" err="1">
-                <a:latin typeface="Courier New"/>
-                <a:cs typeface="Courier New"/>
-              </a:rPr>
-              <a:t>aln.log</a:t>
-            </a:r>
-            <a:endParaRPr lang="en-US" sz="1800" dirty="0">
-              <a:latin typeface="Courier New"/>
-              <a:cs typeface="Courier New"/>
-            </a:endParaRPr>
-          </a:p>
-          <a:p>
-            <a:pPr marL="0" indent="0">
-              <a:buNone/>
-            </a:pPr>
-            <a:r>
-              <a:rPr lang="en-US" sz="1800" dirty="0">
-                <a:latin typeface="Courier New"/>
-                <a:cs typeface="Courier New"/>
-              </a:rPr>
-              <a:t>--------------------------------------------------- </a:t>
-            </a:r>
-          </a:p>
-          <a:p>
-            <a:pPr marL="0" indent="0">
-              <a:buNone/>
-            </a:pPr>
-            <a:r>
-              <a:rPr lang="en-US" dirty="0">
-                <a:latin typeface="Courier New"/>
-                <a:cs typeface="Courier New"/>
-              </a:rPr>
-              <a:t>bash </a:t>
-            </a:r>
-            <a:r>
-              <a:rPr lang="en-US" dirty="0" err="1">
-                <a:latin typeface="Courier New"/>
-                <a:cs typeface="Courier New"/>
-              </a:rPr>
-              <a:t>align.sh</a:t>
-            </a:r>
-            <a:endParaRPr lang="en-US" dirty="0">
-              <a:latin typeface="Courier New"/>
-              <a:cs typeface="Courier New"/>
-            </a:endParaRPr>
+            <a:pPr>
+              <a:lnSpc>
+                <a:spcPct val="120000"/>
+              </a:lnSpc>
+            </a:pPr>
+            <a:r>
+              <a:rPr lang="en-US" dirty="0"/>
+              <a:t>data location</a:t>
+            </a:r>
+            <a:endParaRPr lang="fr-FR" dirty="0"/>
+          </a:p>
+          <a:p>
+            <a:pPr marL="0" indent="0">
+              <a:lnSpc>
+                <a:spcPct val="120000"/>
+              </a:lnSpc>
+              <a:buNone/>
+            </a:pPr>
+            <a:r>
+              <a:rPr lang="en-US" sz="1800" dirty="0"/>
+              <a:t>/homes/liu3zhen/teaching/datasets/MG1655_illumina/</a:t>
+            </a:r>
+          </a:p>
+          <a:p>
+            <a:pPr>
+              <a:buFont typeface="+mj-lt"/>
+              <a:buAutoNum type="arabicPeriod"/>
+            </a:pPr>
+            <a:r>
+              <a:rPr lang="fr-FR" sz="1800" dirty="0"/>
+              <a:t>MG1655.pair1.fq</a:t>
+            </a:r>
+          </a:p>
+          <a:p>
+            <a:pPr>
+              <a:buFont typeface="+mj-lt"/>
+              <a:buAutoNum type="arabicPeriod"/>
+            </a:pPr>
+            <a:r>
+              <a:rPr lang="fr-FR" sz="1800" dirty="0"/>
+              <a:t>MG1655.pair2.fq</a:t>
+            </a:r>
           </a:p>
         </p:txBody>
       </p:sp>
     </p:spTree>
     <p:extLst>
       <p:ext uri="{BB962C8B-B14F-4D97-AF65-F5344CB8AC3E}">
-        <p14:creationId xmlns:p14="http://schemas.microsoft.com/office/powerpoint/2010/main" val="3968087799"/>
+        <p14:creationId xmlns:p14="http://schemas.microsoft.com/office/powerpoint/2010/main" val="4231602658"/>
       </p:ext>
     </p:extLst>
   </p:cSld>
@@ -9545,7 +9503,7 @@
           <a:p>
             <a:r>
               <a:rPr lang="en-US" dirty="0"/>
-              <a:t>Examine alignments</a:t>
+              <a:t>BWA alignment</a:t>
             </a:r>
           </a:p>
         </p:txBody>
@@ -9562,199 +9520,302 @@
         </p:nvSpPr>
         <p:spPr>
           <a:xfrm>
-            <a:off x="143782" y="1488709"/>
-            <a:ext cx="8714656" cy="2297218"/>
+            <a:off x="267077" y="1128573"/>
+            <a:ext cx="8686800" cy="5454789"/>
           </a:xfrm>
         </p:spPr>
         <p:txBody>
           <a:bodyPr>
-            <a:normAutofit/>
+            <a:normAutofit fontScale="92500" lnSpcReduction="10000"/>
           </a:bodyPr>
           <a:lstStyle/>
           <a:p>
-            <a:pPr marL="111125" indent="-111125">
-              <a:buFont typeface="+mj-lt"/>
-              <a:buAutoNum type="arabicPeriod"/>
-            </a:pPr>
-            <a:r>
-              <a:rPr lang="en-US" sz="1000" dirty="0">
-                <a:latin typeface="Courier"/>
-                <a:cs typeface="Courier"/>
-              </a:rPr>
-              <a:t>@SQ	SN:gi|556503834|ref|NC_000913.3|	LN:4641652</a:t>
-            </a:r>
-          </a:p>
-          <a:p>
-            <a:pPr marL="111125" indent="-111125">
-              <a:buFont typeface="+mj-lt"/>
-              <a:buAutoNum type="arabicPeriod"/>
-            </a:pPr>
-            <a:r>
-              <a:rPr lang="en-US" sz="1000" dirty="0">
-                <a:latin typeface="Courier"/>
-                <a:cs typeface="Courier"/>
-              </a:rPr>
-              <a:t>@PG	</a:t>
-            </a:r>
-            <a:r>
-              <a:rPr lang="en-US" sz="1000" dirty="0" err="1">
-                <a:latin typeface="Courier"/>
-                <a:cs typeface="Courier"/>
-              </a:rPr>
-              <a:t>ID:bwa</a:t>
-            </a:r>
-            <a:r>
-              <a:rPr lang="en-US" sz="1000" dirty="0">
-                <a:latin typeface="Courier"/>
-                <a:cs typeface="Courier"/>
-              </a:rPr>
-              <a:t>	</a:t>
-            </a:r>
-            <a:r>
-              <a:rPr lang="en-US" sz="1000" dirty="0" err="1">
-                <a:latin typeface="Courier"/>
-                <a:cs typeface="Courier"/>
-              </a:rPr>
-              <a:t>PN:bwa</a:t>
-            </a:r>
-            <a:r>
-              <a:rPr lang="en-US" sz="1000" dirty="0">
-                <a:latin typeface="Courier"/>
-                <a:cs typeface="Courier"/>
-              </a:rPr>
-              <a:t>	VN:0.7.12-r1039	</a:t>
-            </a:r>
-            <a:r>
-              <a:rPr lang="en-US" sz="1000" dirty="0" err="1">
-                <a:latin typeface="Courier"/>
-                <a:cs typeface="Courier"/>
-              </a:rPr>
-              <a:t>CL:bwa</a:t>
-            </a:r>
-            <a:r>
-              <a:rPr lang="en-US" sz="1000" dirty="0">
-                <a:latin typeface="Courier"/>
-                <a:cs typeface="Courier"/>
+            <a:r>
+              <a:rPr lang="en-US" sz="2800" b="1" dirty="0" err="1">
+                <a:solidFill>
+                  <a:schemeClr val="tx2">
+                    <a:lumMod val="75000"/>
+                  </a:schemeClr>
+                </a:solidFill>
+              </a:rPr>
+              <a:t>bwa</a:t>
+            </a:r>
+            <a:r>
+              <a:rPr lang="en-US" sz="2800" b="1" dirty="0">
+                <a:solidFill>
+                  <a:schemeClr val="tx2">
+                    <a:lumMod val="75000"/>
+                  </a:schemeClr>
+                </a:solidFill>
               </a:rPr>
               <a:t> </a:t>
             </a:r>
             <a:r>
-              <a:rPr lang="en-US" sz="1000" dirty="0" err="1">
-                <a:latin typeface="Courier"/>
-                <a:cs typeface="Courier"/>
+              <a:rPr lang="en-US" sz="2800" b="1" dirty="0" err="1">
+                <a:solidFill>
+                  <a:schemeClr val="tx2">
+                    <a:lumMod val="75000"/>
+                  </a:schemeClr>
+                </a:solidFill>
               </a:rPr>
               <a:t>mem</a:t>
             </a:r>
-            <a:r>
-              <a:rPr lang="en-US" sz="1000" dirty="0">
-                <a:latin typeface="Courier"/>
-                <a:cs typeface="Courier"/>
-              </a:rPr>
-              <a:t> -T 40 ../</a:t>
-            </a:r>
-            <a:r>
-              <a:rPr lang="en-US" sz="1000" dirty="0" err="1">
-                <a:latin typeface="Courier"/>
-                <a:cs typeface="Courier"/>
+            <a:endParaRPr lang="en-US" sz="2800" b="1" dirty="0">
+              <a:solidFill>
+                <a:schemeClr val="tx2">
+                  <a:lumMod val="75000"/>
+                </a:schemeClr>
+              </a:solidFill>
+            </a:endParaRPr>
+          </a:p>
+          <a:p>
+            <a:pPr marL="0" indent="0">
+              <a:buNone/>
+            </a:pPr>
+            <a:endParaRPr lang="en-US" sz="2800" dirty="0">
+              <a:latin typeface="Courier New"/>
+              <a:cs typeface="Courier New"/>
+            </a:endParaRPr>
+          </a:p>
+          <a:p>
+            <a:pPr marL="0" indent="0">
+              <a:buNone/>
+            </a:pPr>
+            <a:r>
+              <a:rPr lang="en-US" sz="2800" dirty="0" err="1">
+                <a:latin typeface="Courier New"/>
+                <a:cs typeface="Courier New"/>
+              </a:rPr>
+              <a:t>bwa</a:t>
+            </a:r>
+            <a:r>
+              <a:rPr lang="en-US" sz="2800" dirty="0">
+                <a:latin typeface="Courier New"/>
+                <a:cs typeface="Courier New"/>
+              </a:rPr>
+              <a:t> </a:t>
+            </a:r>
+            <a:r>
+              <a:rPr lang="en-US" sz="2800" dirty="0" err="1">
+                <a:latin typeface="Courier New"/>
+                <a:cs typeface="Courier New"/>
+              </a:rPr>
+              <a:t>mem</a:t>
+            </a:r>
+            <a:endParaRPr lang="en-US" sz="2800" dirty="0">
+              <a:latin typeface="Courier New"/>
+              <a:cs typeface="Courier New"/>
+            </a:endParaRPr>
+          </a:p>
+          <a:p>
+            <a:pPr marL="0" indent="0">
+              <a:buNone/>
+            </a:pPr>
+            <a:r>
+              <a:rPr lang="en-US" sz="2800" dirty="0">
+                <a:latin typeface="Courier New"/>
+                <a:cs typeface="Courier New"/>
+              </a:rPr>
+              <a:t>vi </a:t>
+            </a:r>
+            <a:r>
+              <a:rPr lang="en-US" sz="2800" dirty="0" err="1">
+                <a:latin typeface="Courier New"/>
+                <a:cs typeface="Courier New"/>
+              </a:rPr>
+              <a:t>align.sh</a:t>
+            </a:r>
+            <a:endParaRPr lang="en-US" sz="2800" dirty="0">
+              <a:latin typeface="Courier New"/>
+              <a:cs typeface="Courier New"/>
+            </a:endParaRPr>
+          </a:p>
+          <a:p>
+            <a:pPr marL="0" indent="0">
+              <a:buNone/>
+            </a:pPr>
+            <a:r>
+              <a:rPr lang="en-US" sz="1600" dirty="0">
+                <a:latin typeface="Courier New"/>
+                <a:cs typeface="Courier New"/>
+              </a:rPr>
+              <a:t>--------------------------------------------------- </a:t>
+            </a:r>
+          </a:p>
+          <a:p>
+            <a:pPr marL="0" indent="0">
+              <a:buNone/>
+            </a:pPr>
+            <a:r>
+              <a:rPr lang="en-US" sz="1800" dirty="0">
+                <a:latin typeface="Courier New"/>
+                <a:cs typeface="Courier New"/>
+              </a:rPr>
+              <a:t>### specify input files</a:t>
+            </a:r>
+          </a:p>
+          <a:p>
+            <a:pPr marL="0" indent="0">
+              <a:buNone/>
+            </a:pPr>
+            <a:r>
+              <a:rPr lang="en-US" sz="1800" dirty="0">
+                <a:latin typeface="Courier New"/>
+                <a:cs typeface="Courier New"/>
+              </a:rPr>
+              <a:t>ref=../</a:t>
+            </a:r>
+            <a:r>
+              <a:rPr lang="en-US" sz="1800" dirty="0" err="1">
+                <a:latin typeface="Courier New"/>
+                <a:cs typeface="Courier New"/>
               </a:rPr>
               <a:t>db</a:t>
             </a:r>
             <a:r>
-              <a:rPr lang="en-US" sz="1000" dirty="0">
-                <a:latin typeface="Courier"/>
-                <a:cs typeface="Courier"/>
-              </a:rPr>
-              <a:t>/MG1655.fasta /homes/liu3zhen/teaching/PLPTH613/datasets/MG1655_illumina_data/MG1655.pair1.fq /homes/liu3zhen/teaching/PLPTH613/datasets/MG1655_illumina_data/MG1655.pair2.fq</a:t>
-            </a:r>
-          </a:p>
-          <a:p>
-            <a:pPr marL="111125" indent="-111125">
-              <a:buFont typeface="+mj-lt"/>
-              <a:buAutoNum type="arabicPeriod"/>
-            </a:pPr>
-            <a:r>
-              <a:rPr lang="en-US" sz="1000" dirty="0">
-                <a:latin typeface="Courier"/>
-                <a:cs typeface="Courier"/>
-              </a:rPr>
-              <a:t>EAS600_70:5:1:3215:930	99	gi|556503834|ref|NC_000913.3|	2767401	60	100M	=	2767797	498NTGATATTAACTTGTCCAATATGATCAAATAGCATTAACCCCCCCTCACAACGTCCTGCATAGGGAACACGTTTTCCCCTGTGCACCCACGACTAAATTT	!++*+87777@@@@@@@@@@@@@@@@@@@@&lt;::&lt;&lt;99989::32222298&amp;)--28888589179@@@@@##############################		NM:i:1	MD:Z:0A99	AS:i:99	XS:i:0</a:t>
-            </a:r>
-          </a:p>
-          <a:p>
-            <a:pPr marL="111125" indent="-111125">
-              <a:buFont typeface="+mj-lt"/>
-              <a:buAutoNum type="arabicPeriod"/>
-            </a:pPr>
-            <a:r>
-              <a:rPr lang="en-US" sz="1000" dirty="0">
-                <a:latin typeface="Courier"/>
-                <a:cs typeface="Courier"/>
-              </a:rPr>
-              <a:t>EAS600_70:5:1:3215:930	147	gi|556503834|ref|NC_000913.3|	2767797	60	102M	=	2767401	-498	AATCAGTTAACCCACTACGAGCCAGTGATCGGCATCATGGGTAAAACTGGGGCGGGAAAGAGTAGCCTTTGCAATGCCCTGTTTGCCGGTGAAGTATCGCCG	EB&lt;EEEBBEBEA@8@8&gt;EEBEEB&gt;EED3BE@IIIHHFFIIHFIIIIIHIIIGIIIIHIIHEIIIIHIIIIIIGIGIIGIIIIIIIIIIIIIIIIIIIIGII#	NM:i:0	MD:Z:102	AS:i:102	XS:i:0</a:t>
-            </a:r>
-          </a:p>
-        </p:txBody>
-      </p:sp>
-      <p:sp>
-        <p:nvSpPr>
-          <p:cNvPr id="4" name="TextBox 3"/>
-          <p:cNvSpPr txBox="1"/>
-          <p:nvPr/>
-        </p:nvSpPr>
-        <p:spPr>
-          <a:xfrm>
-            <a:off x="1126275" y="4281133"/>
-            <a:ext cx="4032499" cy="400110"/>
-          </a:xfrm>
-          <a:prstGeom prst="rect">
-            <a:avLst/>
-          </a:prstGeom>
-          <a:noFill/>
-        </p:spPr>
-        <p:txBody>
-          <a:bodyPr wrap="none" rtlCol="0">
-            <a:spAutoFit/>
-          </a:bodyPr>
-          <a:lstStyle/>
-          <a:p>
-            <a:r>
-              <a:rPr lang="en-US" sz="2000" dirty="0" err="1">
-                <a:latin typeface="Courier"/>
-                <a:cs typeface="Courier"/>
-              </a:rPr>
-              <a:t>samtools</a:t>
-            </a:r>
-            <a:r>
-              <a:rPr lang="en-US" sz="2000" dirty="0">
-                <a:latin typeface="Courier"/>
-                <a:cs typeface="Courier"/>
+              <a:rPr lang="en-US" sz="1800" dirty="0">
+                <a:latin typeface="Courier New"/>
+                <a:cs typeface="Courier New"/>
+              </a:rPr>
+              <a:t>/MG1655.fasta</a:t>
+            </a:r>
+          </a:p>
+          <a:p>
+            <a:pPr marL="0" indent="0">
+              <a:buNone/>
+            </a:pPr>
+            <a:r>
+              <a:rPr lang="en-US" sz="1600" dirty="0">
+                <a:latin typeface="Courier New"/>
+                <a:cs typeface="Courier New"/>
+              </a:rPr>
+              <a:t>pe1=/homes/liu3zhen/teaching/datasets/MG1655_illumina/MG1655.pair1.fq</a:t>
+            </a:r>
+          </a:p>
+          <a:p>
+            <a:pPr marL="0" indent="0">
+              <a:buNone/>
+            </a:pPr>
+            <a:r>
+              <a:rPr lang="en-US" sz="1600" dirty="0">
+                <a:latin typeface="Courier New"/>
+                <a:cs typeface="Courier New"/>
+              </a:rPr>
+              <a:t>pe2=/homes/liu3zhen/teaching/datasets/MG1655_illumina/MG1655.pair2.fq</a:t>
+            </a:r>
+          </a:p>
+          <a:p>
+            <a:pPr marL="0" indent="0">
+              <a:buNone/>
+            </a:pPr>
+            <a:endParaRPr lang="en-US" sz="1800" dirty="0">
+              <a:latin typeface="Courier New"/>
+              <a:cs typeface="Courier New"/>
+            </a:endParaRPr>
+          </a:p>
+          <a:p>
+            <a:pPr marL="0" indent="0">
+              <a:buNone/>
+            </a:pPr>
+            <a:r>
+              <a:rPr lang="en-US" sz="2800" dirty="0">
+                <a:latin typeface="Courier New"/>
+                <a:cs typeface="Courier New"/>
+              </a:rPr>
+              <a:t>### alignment</a:t>
+            </a:r>
+          </a:p>
+          <a:p>
+            <a:pPr marL="0" indent="0">
+              <a:buNone/>
+            </a:pPr>
+            <a:r>
+              <a:rPr lang="en-US" sz="2200" dirty="0" err="1">
+                <a:latin typeface="Courier New"/>
+                <a:cs typeface="Courier New"/>
+              </a:rPr>
+              <a:t>bwa</a:t>
+            </a:r>
+            <a:r>
+              <a:rPr lang="en-US" sz="2200" dirty="0">
+                <a:latin typeface="Courier New"/>
+                <a:cs typeface="Courier New"/>
               </a:rPr>
               <a:t> </a:t>
             </a:r>
             <a:r>
-              <a:rPr lang="en-US" sz="2000" dirty="0" err="1">
-                <a:latin typeface="Courier"/>
-                <a:cs typeface="Courier"/>
-              </a:rPr>
-              <a:t>flagstat</a:t>
-            </a:r>
-            <a:r>
-              <a:rPr lang="en-US" sz="2000" dirty="0">
-                <a:latin typeface="Courier"/>
-                <a:cs typeface="Courier"/>
-              </a:rPr>
-              <a:t> </a:t>
-            </a:r>
-            <a:r>
-              <a:rPr lang="en-US" sz="2000" dirty="0" err="1">
-                <a:latin typeface="Courier"/>
-                <a:cs typeface="Courier"/>
+              <a:rPr lang="en-US" sz="2200" dirty="0" err="1">
+                <a:latin typeface="Courier New"/>
+                <a:cs typeface="Courier New"/>
+              </a:rPr>
+              <a:t>mem</a:t>
+            </a:r>
+            <a:r>
+              <a:rPr lang="en-US" sz="2200" dirty="0">
+                <a:latin typeface="Courier New"/>
+                <a:cs typeface="Courier New"/>
+              </a:rPr>
+              <a:t> –T 30 $ref $pe1 $pe2 1&gt;</a:t>
+            </a:r>
+            <a:r>
+              <a:rPr lang="en-US" sz="2200" dirty="0" err="1">
+                <a:latin typeface="Courier New"/>
+                <a:cs typeface="Courier New"/>
               </a:rPr>
               <a:t>aln.sam</a:t>
             </a:r>
-            <a:endParaRPr lang="en-US" sz="2000" dirty="0">
-              <a:latin typeface="Courier"/>
-              <a:cs typeface="Courier"/>
+            <a:r>
+              <a:rPr lang="en-US" sz="2200" dirty="0">
+                <a:latin typeface="Courier New"/>
+                <a:cs typeface="Courier New"/>
+              </a:rPr>
+              <a:t> 2&gt;</a:t>
+            </a:r>
+            <a:r>
+              <a:rPr lang="en-US" sz="2200" dirty="0" err="1">
+                <a:latin typeface="Courier New"/>
+                <a:cs typeface="Courier New"/>
+              </a:rPr>
+              <a:t>aln.log</a:t>
+            </a:r>
+            <a:endParaRPr lang="en-US" sz="2200" dirty="0">
+              <a:latin typeface="Courier New"/>
+              <a:cs typeface="Courier New"/>
+            </a:endParaRPr>
+          </a:p>
+          <a:p>
+            <a:pPr marL="0" indent="0">
+              <a:buNone/>
+            </a:pPr>
+            <a:r>
+              <a:rPr lang="en-US" sz="2800" dirty="0">
+                <a:latin typeface="Courier New"/>
+                <a:cs typeface="Courier New"/>
+              </a:rPr>
+              <a:t>--------------------------------------------------- </a:t>
+            </a:r>
+          </a:p>
+          <a:p>
+            <a:pPr marL="0" indent="0">
+              <a:buNone/>
+            </a:pPr>
+            <a:r>
+              <a:rPr lang="en-US" sz="2800" dirty="0">
+                <a:latin typeface="Courier New"/>
+                <a:cs typeface="Courier New"/>
+              </a:rPr>
+              <a:t>bash </a:t>
+            </a:r>
+            <a:r>
+              <a:rPr lang="en-US" sz="2800" dirty="0" err="1">
+                <a:latin typeface="Courier New"/>
+                <a:cs typeface="Courier New"/>
+              </a:rPr>
+              <a:t>align.sh</a:t>
+            </a:r>
+            <a:endParaRPr lang="en-US" sz="2800" dirty="0">
+              <a:latin typeface="Courier New"/>
+              <a:cs typeface="Courier New"/>
             </a:endParaRPr>
           </a:p>
         </p:txBody>
@@ -9762,7 +9823,7 @@
     </p:spTree>
     <p:extLst>
       <p:ext uri="{BB962C8B-B14F-4D97-AF65-F5344CB8AC3E}">
-        <p14:creationId xmlns:p14="http://schemas.microsoft.com/office/powerpoint/2010/main" val="3940135843"/>
+        <p14:creationId xmlns:p14="http://schemas.microsoft.com/office/powerpoint/2010/main" val="3968087799"/>
       </p:ext>
     </p:extLst>
   </p:cSld>
@@ -9806,7 +9867,7 @@
           <a:p>
             <a:r>
               <a:rPr lang="en-US" dirty="0"/>
-              <a:t>Conversion between SAM and BAM</a:t>
+              <a:t>Examine alignments</a:t>
             </a:r>
           </a:p>
         </p:txBody>
@@ -9823,211 +9884,207 @@
         </p:nvSpPr>
         <p:spPr>
           <a:xfrm>
-            <a:off x="457200" y="1474602"/>
-            <a:ext cx="8229600" cy="3908958"/>
+            <a:off x="143782" y="1488709"/>
+            <a:ext cx="8714656" cy="2297218"/>
           </a:xfrm>
         </p:spPr>
         <p:txBody>
           <a:bodyPr>
-            <a:normAutofit lnSpcReduction="10000"/>
+            <a:normAutofit/>
           </a:bodyPr>
           <a:lstStyle/>
           <a:p>
-            <a:pPr marL="0" indent="0">
-              <a:buNone/>
-            </a:pPr>
-            <a:r>
-              <a:rPr lang="en-US" dirty="0" err="1">
+            <a:pPr marL="111125" indent="-111125">
+              <a:buFont typeface="+mj-lt"/>
+              <a:buAutoNum type="arabicPeriod"/>
+            </a:pPr>
+            <a:r>
+              <a:rPr lang="en-US" sz="1000" dirty="0">
+                <a:latin typeface="Courier"/>
+                <a:cs typeface="Courier"/>
+              </a:rPr>
+              <a:t>@SQ	SN:gi|556503834|ref|NC_000913.3|	LN:4641652</a:t>
+            </a:r>
+          </a:p>
+          <a:p>
+            <a:pPr marL="111125" indent="-111125">
+              <a:buFont typeface="+mj-lt"/>
+              <a:buAutoNum type="arabicPeriod"/>
+            </a:pPr>
+            <a:r>
+              <a:rPr lang="en-US" sz="1000" dirty="0">
+                <a:latin typeface="Courier"/>
+                <a:cs typeface="Courier"/>
+              </a:rPr>
+              <a:t>@PG	</a:t>
+            </a:r>
+            <a:r>
+              <a:rPr lang="en-US" sz="1000" dirty="0" err="1">
+                <a:latin typeface="Courier"/>
+                <a:cs typeface="Courier"/>
+              </a:rPr>
+              <a:t>ID:bwa</a:t>
+            </a:r>
+            <a:r>
+              <a:rPr lang="en-US" sz="1000" dirty="0">
+                <a:latin typeface="Courier"/>
+                <a:cs typeface="Courier"/>
+              </a:rPr>
+              <a:t>	</a:t>
+            </a:r>
+            <a:r>
+              <a:rPr lang="en-US" sz="1000" dirty="0" err="1">
+                <a:latin typeface="Courier"/>
+                <a:cs typeface="Courier"/>
+              </a:rPr>
+              <a:t>PN:bwa</a:t>
+            </a:r>
+            <a:r>
+              <a:rPr lang="en-US" sz="1000" dirty="0">
+                <a:latin typeface="Courier"/>
+                <a:cs typeface="Courier"/>
+              </a:rPr>
+              <a:t>	VN:0.7.12-r1039	</a:t>
+            </a:r>
+            <a:r>
+              <a:rPr lang="en-US" sz="1000" dirty="0" err="1">
+                <a:latin typeface="Courier"/>
+                <a:cs typeface="Courier"/>
+              </a:rPr>
+              <a:t>CL:bwa</a:t>
+            </a:r>
+            <a:r>
+              <a:rPr lang="en-US" sz="1000" dirty="0">
+                <a:latin typeface="Courier"/>
+                <a:cs typeface="Courier"/>
+              </a:rPr>
+              <a:t> </a:t>
+            </a:r>
+            <a:r>
+              <a:rPr lang="en-US" sz="1000" dirty="0" err="1">
+                <a:latin typeface="Courier"/>
+                <a:cs typeface="Courier"/>
+              </a:rPr>
+              <a:t>mem</a:t>
+            </a:r>
+            <a:r>
+              <a:rPr lang="en-US" sz="1000" dirty="0">
+                <a:latin typeface="Courier"/>
+                <a:cs typeface="Courier"/>
+              </a:rPr>
+              <a:t> -T 40 ../</a:t>
+            </a:r>
+            <a:r>
+              <a:rPr lang="en-US" sz="1000" dirty="0" err="1">
+                <a:latin typeface="Courier"/>
+                <a:cs typeface="Courier"/>
+              </a:rPr>
+              <a:t>db</a:t>
+            </a:r>
+            <a:r>
+              <a:rPr lang="en-US" sz="1000" dirty="0">
+                <a:latin typeface="Courier"/>
+                <a:cs typeface="Courier"/>
+              </a:rPr>
+              <a:t>/MG1655.fasta /homes/liu3zhen/teaching/PLPTH613/datasets/MG1655_illumina_data/MG1655.pair1.fq /homes/liu3zhen/teaching/PLPTH613/datasets/MG1655_illumina_data/MG1655.pair2.fq</a:t>
+            </a:r>
+          </a:p>
+          <a:p>
+            <a:pPr marL="111125" indent="-111125">
+              <a:buFont typeface="+mj-lt"/>
+              <a:buAutoNum type="arabicPeriod"/>
+            </a:pPr>
+            <a:r>
+              <a:rPr lang="en-US" sz="1000" dirty="0">
+                <a:latin typeface="Courier"/>
+                <a:cs typeface="Courier"/>
+              </a:rPr>
+              <a:t>EAS600_70:5:1:3215:930	99	gi|556503834|ref|NC_000913.3|	2767401	60	100M	=	2767797	498NTGATATTAACTTGTCCAATATGATCAAATAGCATTAACCCCCCCTCACAACGTCCTGCATAGGGAACACGTTTTCCCCTGTGCACCCACGACTAAATTT	!++*+87777@@@@@@@@@@@@@@@@@@@@&lt;::&lt;&lt;99989::32222298&amp;)--28888589179@@@@@##############################		NM:i:1	MD:Z:0A99	AS:i:99	XS:i:0</a:t>
+            </a:r>
+          </a:p>
+          <a:p>
+            <a:pPr marL="111125" indent="-111125">
+              <a:buFont typeface="+mj-lt"/>
+              <a:buAutoNum type="arabicPeriod"/>
+            </a:pPr>
+            <a:r>
+              <a:rPr lang="en-US" sz="1000" dirty="0">
+                <a:latin typeface="Courier"/>
+                <a:cs typeface="Courier"/>
+              </a:rPr>
+              <a:t>EAS600_70:5:1:3215:930	147	gi|556503834|ref|NC_000913.3|	2767797	60	102M	=	2767401	-498	AATCAGTTAACCCACTACGAGCCAGTGATCGGCATCATGGGTAAAACTGGGGCGGGAAAGAGTAGCCTTTGCAATGCCCTGTTTGCCGGTGAAGTATCGCCG	EB&lt;EEEBBEBEA@8@8&gt;EEBEEB&gt;EED3BE@IIIHHFFIIHFIIIIIHIIIGIIIIHIIHEIIIIHIIIIIIGIGIIGIIIIIIIIIIIIIIIIIIIIGII#	NM:i:0	MD:Z:102	AS:i:102	XS:i:0</a:t>
+            </a:r>
+          </a:p>
+        </p:txBody>
+      </p:sp>
+      <p:sp>
+        <p:nvSpPr>
+          <p:cNvPr id="4" name="TextBox 3"/>
+          <p:cNvSpPr txBox="1"/>
+          <p:nvPr/>
+        </p:nvSpPr>
+        <p:spPr>
+          <a:xfrm>
+            <a:off x="1582986" y="4398008"/>
+            <a:ext cx="6356227" cy="584775"/>
+          </a:xfrm>
+          <a:prstGeom prst="rect">
+            <a:avLst/>
+          </a:prstGeom>
+          <a:noFill/>
+        </p:spPr>
+        <p:txBody>
+          <a:bodyPr wrap="none" rtlCol="0">
+            <a:spAutoFit/>
+          </a:bodyPr>
+          <a:lstStyle/>
+          <a:p>
+            <a:r>
+              <a:rPr lang="en-US" sz="3200" dirty="0" err="1">
                 <a:latin typeface="Courier"/>
                 <a:cs typeface="Courier"/>
               </a:rPr>
               <a:t>samtools</a:t>
             </a:r>
             <a:r>
-              <a:rPr lang="en-US" dirty="0">
-                <a:latin typeface="Courier"/>
-                <a:cs typeface="Courier"/>
-              </a:rPr>
-              <a:t> view</a:t>
-            </a:r>
-          </a:p>
-          <a:p>
-            <a:pPr marL="0" indent="0">
-              <a:buNone/>
-            </a:pPr>
-            <a:endParaRPr lang="en-US" dirty="0">
+              <a:rPr lang="en-US" sz="3200" dirty="0">
+                <a:latin typeface="Courier"/>
+                <a:cs typeface="Courier"/>
+              </a:rPr>
+              <a:t> </a:t>
+            </a:r>
+            <a:r>
+              <a:rPr lang="en-US" sz="3200" dirty="0" err="1">
+                <a:latin typeface="Courier"/>
+                <a:cs typeface="Courier"/>
+              </a:rPr>
+              <a:t>flagstat</a:t>
+            </a:r>
+            <a:r>
+              <a:rPr lang="en-US" sz="3200" dirty="0">
+                <a:latin typeface="Courier"/>
+                <a:cs typeface="Courier"/>
+              </a:rPr>
+              <a:t> </a:t>
+            </a:r>
+            <a:r>
+              <a:rPr lang="en-US" sz="3200" dirty="0" err="1">
+                <a:latin typeface="Courier"/>
+                <a:cs typeface="Courier"/>
+              </a:rPr>
+              <a:t>aln.sam</a:t>
+            </a:r>
+            <a:endParaRPr lang="en-US" sz="3200" dirty="0">
               <a:latin typeface="Courier"/>
               <a:cs typeface="Courier"/>
             </a:endParaRPr>
           </a:p>
-          <a:p>
-            <a:pPr marL="0" indent="0">
-              <a:buNone/>
-            </a:pPr>
-            <a:r>
-              <a:rPr lang="en-US" dirty="0">
-                <a:latin typeface="Courier"/>
-                <a:cs typeface="Courier"/>
-              </a:rPr>
-              <a:t>### show header</a:t>
-            </a:r>
-          </a:p>
-          <a:p>
-            <a:pPr marL="0" indent="0">
-              <a:buNone/>
-            </a:pPr>
-            <a:r>
-              <a:rPr lang="en-US" dirty="0" err="1">
-                <a:latin typeface="Courier"/>
-                <a:cs typeface="Courier"/>
-              </a:rPr>
-              <a:t>samtools</a:t>
-            </a:r>
-            <a:r>
-              <a:rPr lang="en-US" dirty="0">
-                <a:latin typeface="Courier"/>
-                <a:cs typeface="Courier"/>
-              </a:rPr>
-              <a:t> view -H </a:t>
-            </a:r>
-            <a:r>
-              <a:rPr lang="en-US" dirty="0" err="1">
-                <a:latin typeface="Courier"/>
-                <a:cs typeface="Courier"/>
-              </a:rPr>
-              <a:t>aln.sam</a:t>
-            </a:r>
-            <a:endParaRPr lang="en-US" dirty="0">
-              <a:latin typeface="Courier"/>
-              <a:cs typeface="Courier"/>
-            </a:endParaRPr>
-          </a:p>
-          <a:p>
-            <a:pPr marL="0" indent="0">
-              <a:buNone/>
-            </a:pPr>
-            <a:endParaRPr lang="en-US" dirty="0">
-              <a:latin typeface="Courier"/>
-              <a:cs typeface="Courier"/>
-            </a:endParaRPr>
-          </a:p>
-          <a:p>
-            <a:pPr marL="0" indent="0">
-              <a:buNone/>
-            </a:pPr>
-            <a:r>
-              <a:rPr lang="en-US" dirty="0">
-                <a:latin typeface="Courier"/>
-                <a:cs typeface="Courier"/>
-              </a:rPr>
-              <a:t>### convert </a:t>
-            </a:r>
-            <a:r>
-              <a:rPr lang="en-US" dirty="0" err="1">
-                <a:latin typeface="Courier"/>
-                <a:cs typeface="Courier"/>
-              </a:rPr>
-              <a:t>sam</a:t>
-            </a:r>
-            <a:r>
-              <a:rPr lang="en-US" dirty="0">
-                <a:latin typeface="Courier"/>
-                <a:cs typeface="Courier"/>
-              </a:rPr>
-              <a:t> to bam</a:t>
-            </a:r>
-          </a:p>
-          <a:p>
-            <a:pPr marL="0" indent="0">
-              <a:buNone/>
-            </a:pPr>
-            <a:r>
-              <a:rPr lang="en-US" dirty="0" err="1">
-                <a:latin typeface="Courier"/>
-                <a:cs typeface="Courier"/>
-              </a:rPr>
-              <a:t>samtools</a:t>
-            </a:r>
-            <a:r>
-              <a:rPr lang="en-US" dirty="0">
-                <a:latin typeface="Courier"/>
-                <a:cs typeface="Courier"/>
-              </a:rPr>
-              <a:t> view -b </a:t>
-            </a:r>
-            <a:r>
-              <a:rPr lang="en-US" dirty="0" err="1">
-                <a:latin typeface="Courier"/>
-                <a:cs typeface="Courier"/>
-              </a:rPr>
-              <a:t>aln.sam</a:t>
-            </a:r>
-            <a:r>
-              <a:rPr lang="en-US" dirty="0">
-                <a:latin typeface="Courier"/>
-                <a:cs typeface="Courier"/>
-              </a:rPr>
-              <a:t> -o </a:t>
-            </a:r>
-            <a:r>
-              <a:rPr lang="en-US" dirty="0" err="1">
-                <a:latin typeface="Courier"/>
-                <a:cs typeface="Courier"/>
-              </a:rPr>
-              <a:t>aln.bam</a:t>
-            </a:r>
-            <a:endParaRPr lang="en-US" dirty="0">
-              <a:latin typeface="Courier"/>
-              <a:cs typeface="Courier"/>
-            </a:endParaRPr>
-          </a:p>
-          <a:p>
-            <a:pPr marL="0" indent="0">
-              <a:buNone/>
-            </a:pPr>
-            <a:endParaRPr lang="en-US" dirty="0">
-              <a:latin typeface="Courier"/>
-              <a:cs typeface="Courier"/>
-            </a:endParaRPr>
-          </a:p>
-          <a:p>
-            <a:pPr marL="0" indent="0">
-              <a:buNone/>
-            </a:pPr>
-            <a:r>
-              <a:rPr lang="en-US" dirty="0">
-                <a:latin typeface="Courier"/>
-                <a:cs typeface="Courier"/>
-              </a:rPr>
-              <a:t>head </a:t>
-            </a:r>
-            <a:r>
-              <a:rPr lang="en-US" dirty="0" err="1">
-                <a:latin typeface="Courier"/>
-                <a:cs typeface="Courier"/>
-              </a:rPr>
-              <a:t>aln.bam</a:t>
-            </a:r>
-            <a:endParaRPr lang="en-US" dirty="0">
-              <a:latin typeface="Courier"/>
-              <a:cs typeface="Courier"/>
-            </a:endParaRPr>
-          </a:p>
-          <a:p>
-            <a:pPr marL="0" indent="0">
-              <a:buNone/>
-            </a:pPr>
-            <a:endParaRPr lang="en-US" dirty="0">
-              <a:latin typeface="Courier"/>
-              <a:cs typeface="Courier"/>
-            </a:endParaRPr>
-          </a:p>
         </p:txBody>
       </p:sp>
     </p:spTree>
     <p:extLst>
       <p:ext uri="{BB962C8B-B14F-4D97-AF65-F5344CB8AC3E}">
-        <p14:creationId xmlns:p14="http://schemas.microsoft.com/office/powerpoint/2010/main" val="4057304795"/>
+        <p14:creationId xmlns:p14="http://schemas.microsoft.com/office/powerpoint/2010/main" val="3940135843"/>
       </p:ext>
     </p:extLst>
   </p:cSld>
@@ -10071,14 +10128,14 @@
           <a:p>
             <a:r>
               <a:rPr lang="en-US" dirty="0"/>
-              <a:t>Alignment sorting</a:t>
-            </a:r>
-          </a:p>
-        </p:txBody>
-      </p:sp>
-      <p:sp>
-        <p:nvSpPr>
-          <p:cNvPr id="4" name="Content Placeholder 2"/>
+              <a:t>Conversion between SAM and BAM</a:t>
+            </a:r>
+          </a:p>
+        </p:txBody>
+      </p:sp>
+      <p:sp>
+        <p:nvSpPr>
+          <p:cNvPr id="3" name="Content Placeholder 2"/>
           <p:cNvSpPr>
             <a:spLocks noGrp="1"/>
           </p:cNvSpPr>
@@ -10088,65 +10145,39 @@
         </p:nvSpPr>
         <p:spPr>
           <a:xfrm>
-            <a:off x="457200" y="1537932"/>
-            <a:ext cx="7894746" cy="2375501"/>
+            <a:off x="457200" y="1474602"/>
+            <a:ext cx="8229600" cy="4713256"/>
           </a:xfrm>
         </p:spPr>
         <p:txBody>
-          <a:bodyPr/>
+          <a:bodyPr>
+            <a:noAutofit/>
+          </a:bodyPr>
           <a:lstStyle/>
           <a:p>
             <a:pPr marL="0" indent="0">
               <a:buNone/>
             </a:pPr>
             <a:r>
-              <a:rPr lang="en-US" dirty="0">
-                <a:latin typeface="Courier"/>
-                <a:cs typeface="Courier"/>
-              </a:rPr>
-              <a:t>### Sort BAM:</a:t>
-            </a:r>
-          </a:p>
-          <a:p>
-            <a:pPr marL="0" indent="0">
-              <a:buNone/>
-            </a:pPr>
-            <a:r>
-              <a:rPr lang="en-US" dirty="0" err="1">
+              <a:rPr lang="en-US" sz="2800" dirty="0" err="1">
                 <a:latin typeface="Courier"/>
                 <a:cs typeface="Courier"/>
               </a:rPr>
               <a:t>samtools</a:t>
             </a:r>
             <a:r>
-              <a:rPr lang="en-US" dirty="0">
-                <a:latin typeface="Courier"/>
-                <a:cs typeface="Courier"/>
-              </a:rPr>
-              <a:t> sort </a:t>
-            </a:r>
-            <a:r>
-              <a:rPr lang="en-US" dirty="0" err="1">
-                <a:latin typeface="Courier"/>
-                <a:cs typeface="Courier"/>
-              </a:rPr>
-              <a:t>aln.bam</a:t>
-            </a:r>
-            <a:r>
-              <a:rPr lang="en-US" dirty="0">
-                <a:latin typeface="Courier"/>
-                <a:cs typeface="Courier"/>
-              </a:rPr>
-              <a:t> &gt; </a:t>
-            </a:r>
-            <a:r>
-              <a:rPr lang="en-US" dirty="0" err="1">
-                <a:latin typeface="Courier"/>
-                <a:cs typeface="Courier"/>
-              </a:rPr>
-              <a:t>alnsort.bam</a:t>
-            </a:r>
-            <a:endParaRPr lang="en-US" dirty="0">
+              <a:rPr lang="en-US" sz="2800" dirty="0">
+                <a:latin typeface="Courier"/>
+                <a:cs typeface="Courier"/>
+              </a:rPr>
+              <a:t> view</a:t>
+            </a:r>
+          </a:p>
+          <a:p>
+            <a:pPr marL="0" indent="0">
+              <a:buNone/>
+            </a:pPr>
+            <a:endParaRPr lang="en-US" sz="2800" dirty="0">
               <a:latin typeface="Courier"/>
               <a:cs typeface="Courier"/>
             </a:endParaRPr>
@@ -10155,7 +10186,40 @@
             <a:pPr marL="0" indent="0">
               <a:buNone/>
             </a:pPr>
-            <a:endParaRPr lang="en-US" dirty="0">
+            <a:r>
+              <a:rPr lang="en-US" sz="2800" dirty="0">
+                <a:latin typeface="Courier"/>
+                <a:cs typeface="Courier"/>
+              </a:rPr>
+              <a:t>### show header</a:t>
+            </a:r>
+          </a:p>
+          <a:p>
+            <a:pPr marL="0" indent="0">
+              <a:buNone/>
+            </a:pPr>
+            <a:r>
+              <a:rPr lang="en-US" sz="2800" dirty="0" err="1">
+                <a:latin typeface="Courier"/>
+                <a:cs typeface="Courier"/>
+              </a:rPr>
+              <a:t>samtools</a:t>
+            </a:r>
+            <a:r>
+              <a:rPr lang="en-US" sz="2800" dirty="0">
+                <a:latin typeface="Courier"/>
+                <a:cs typeface="Courier"/>
+              </a:rPr>
+              <a:t> view -H </a:t>
+            </a:r>
+            <a:r>
+              <a:rPr lang="en-US" sz="2800" dirty="0" err="1">
+                <a:latin typeface="Courier"/>
+                <a:cs typeface="Courier"/>
+              </a:rPr>
+              <a:t>aln.sam</a:t>
+            </a:r>
+            <a:endParaRPr lang="en-US" sz="2800" dirty="0">
               <a:latin typeface="Courier"/>
               <a:cs typeface="Courier"/>
             </a:endParaRPr>
@@ -10164,54 +10228,7 @@
             <a:pPr marL="0" indent="0">
               <a:buNone/>
             </a:pPr>
-            <a:r>
-              <a:rPr lang="en-US" dirty="0">
-                <a:latin typeface="Courier"/>
-                <a:cs typeface="Courier"/>
-              </a:rPr>
-              <a:t>### convert to SAM</a:t>
-            </a:r>
-          </a:p>
-          <a:p>
-            <a:pPr marL="0" indent="0">
-              <a:buNone/>
-            </a:pPr>
-            <a:r>
-              <a:rPr lang="en-US" dirty="0" err="1">
-                <a:latin typeface="Courier"/>
-                <a:cs typeface="Courier"/>
-              </a:rPr>
-              <a:t>samtools</a:t>
-            </a:r>
-            <a:r>
-              <a:rPr lang="en-US" dirty="0">
-                <a:latin typeface="Courier"/>
-                <a:cs typeface="Courier"/>
-              </a:rPr>
-              <a:t> view </a:t>
-            </a:r>
-            <a:r>
-              <a:rPr lang="en-US" dirty="0" err="1">
-                <a:latin typeface="Courier"/>
-                <a:cs typeface="Courier"/>
-              </a:rPr>
-              <a:t>alnsort.bam</a:t>
-            </a:r>
-            <a:r>
-              <a:rPr lang="en-US" dirty="0">
-                <a:latin typeface="Courier"/>
-                <a:cs typeface="Courier"/>
-              </a:rPr>
-              <a:t> &gt; </a:t>
-            </a:r>
-            <a:r>
-              <a:rPr lang="en-US" dirty="0" err="1">
-                <a:latin typeface="Courier"/>
-                <a:cs typeface="Courier"/>
-              </a:rPr>
-              <a:t>alnsort.sam</a:t>
-            </a:r>
-            <a:endParaRPr lang="en-US" dirty="0">
+            <a:endParaRPr lang="en-US" sz="2800" dirty="0">
               <a:latin typeface="Courier"/>
               <a:cs typeface="Courier"/>
             </a:endParaRPr>
@@ -10220,67 +10237,119 @@
             <a:pPr marL="0" indent="0">
               <a:buNone/>
             </a:pPr>
-            <a:endParaRPr lang="en-US" dirty="0">
+            <a:r>
+              <a:rPr lang="en-US" sz="2800" dirty="0">
+                <a:latin typeface="Courier"/>
+                <a:cs typeface="Courier"/>
+              </a:rPr>
+              <a:t>### convert </a:t>
+            </a:r>
+            <a:r>
+              <a:rPr lang="en-US" sz="2800" dirty="0" err="1">
+                <a:latin typeface="Courier"/>
+                <a:cs typeface="Courier"/>
+              </a:rPr>
+              <a:t>sam</a:t>
+            </a:r>
+            <a:r>
+              <a:rPr lang="en-US" sz="2800" dirty="0">
+                <a:latin typeface="Courier"/>
+                <a:cs typeface="Courier"/>
+              </a:rPr>
+              <a:t> to bam</a:t>
+            </a:r>
+          </a:p>
+          <a:p>
+            <a:pPr marL="0" indent="0">
+              <a:buNone/>
+            </a:pPr>
+            <a:r>
+              <a:rPr lang="en-US" sz="2800" dirty="0" err="1">
+                <a:latin typeface="Courier"/>
+                <a:cs typeface="Courier"/>
+              </a:rPr>
+              <a:t>samtools</a:t>
+            </a:r>
+            <a:r>
+              <a:rPr lang="en-US" sz="2800" dirty="0">
+                <a:latin typeface="Courier"/>
+                <a:cs typeface="Courier"/>
+              </a:rPr>
+              <a:t> view -b </a:t>
+            </a:r>
+            <a:r>
+              <a:rPr lang="en-US" sz="2800" dirty="0" err="1">
+                <a:latin typeface="Courier"/>
+                <a:cs typeface="Courier"/>
+              </a:rPr>
+              <a:t>aln.sam</a:t>
+            </a:r>
+            <a:r>
+              <a:rPr lang="en-US" sz="2800" dirty="0">
+                <a:latin typeface="Courier"/>
+                <a:cs typeface="Courier"/>
+              </a:rPr>
+              <a:t> -o </a:t>
+            </a:r>
+            <a:r>
+              <a:rPr lang="en-US" sz="2800" dirty="0" err="1">
+                <a:latin typeface="Courier"/>
+                <a:cs typeface="Courier"/>
+              </a:rPr>
+              <a:t>aln.bam</a:t>
+            </a:r>
+            <a:endParaRPr lang="en-US" sz="2800" dirty="0">
               <a:latin typeface="Courier"/>
               <a:cs typeface="Courier"/>
             </a:endParaRPr>
           </a:p>
-        </p:txBody>
-      </p:sp>
-      <p:sp>
-        <p:nvSpPr>
-          <p:cNvPr id="5" name="TextBox 4"/>
-          <p:cNvSpPr txBox="1"/>
-          <p:nvPr/>
-        </p:nvSpPr>
-        <p:spPr>
-          <a:xfrm>
-            <a:off x="973244" y="4217122"/>
-            <a:ext cx="6536605" cy="1569660"/>
-          </a:xfrm>
-          <a:prstGeom prst="rect">
-            <a:avLst/>
-          </a:prstGeom>
-          <a:noFill/>
-        </p:spPr>
-        <p:txBody>
-          <a:bodyPr wrap="square" rtlCol="0">
-            <a:spAutoFit/>
-          </a:bodyPr>
-          <a:lstStyle/>
-          <a:p>
-            <a:r>
-              <a:rPr lang="en-US" sz="3200" dirty="0">
-                <a:solidFill>
-                  <a:srgbClr val="FF0000"/>
-                </a:solidFill>
-              </a:rPr>
-              <a:t>Question:</a:t>
-            </a:r>
-          </a:p>
-          <a:p>
-            <a:endParaRPr lang="en-US" sz="3200" dirty="0">
-              <a:solidFill>
-                <a:srgbClr val="FF0000"/>
-              </a:solidFill>
+          <a:p>
+            <a:pPr marL="0" indent="0">
+              <a:buNone/>
+            </a:pPr>
+            <a:endParaRPr lang="en-US" sz="2800" dirty="0">
+              <a:latin typeface="Courier"/>
+              <a:cs typeface="Courier"/>
             </a:endParaRPr>
           </a:p>
           <a:p>
-            <a:r>
-              <a:rPr lang="en-US" sz="3200" dirty="0">
-                <a:solidFill>
-                  <a:srgbClr val="FF0000"/>
-                </a:solidFill>
-              </a:rPr>
-              <a:t>What was the basis for the sorting?</a:t>
-            </a:r>
+            <a:pPr marL="0" indent="0">
+              <a:buNone/>
+            </a:pPr>
+            <a:r>
+              <a:rPr lang="en-US" sz="2800" dirty="0">
+                <a:latin typeface="Courier"/>
+                <a:cs typeface="Courier"/>
+              </a:rPr>
+              <a:t>head </a:t>
+            </a:r>
+            <a:r>
+              <a:rPr lang="en-US" sz="2800" dirty="0" err="1">
+                <a:latin typeface="Courier"/>
+                <a:cs typeface="Courier"/>
+              </a:rPr>
+              <a:t>aln.bam</a:t>
+            </a:r>
+            <a:endParaRPr lang="en-US" sz="2800" dirty="0">
+              <a:latin typeface="Courier"/>
+              <a:cs typeface="Courier"/>
+            </a:endParaRPr>
+          </a:p>
+          <a:p>
+            <a:pPr marL="0" indent="0">
+              <a:buNone/>
+            </a:pPr>
+            <a:endParaRPr lang="en-US" sz="2800" dirty="0">
+              <a:latin typeface="Courier"/>
+              <a:cs typeface="Courier"/>
+            </a:endParaRPr>
           </a:p>
         </p:txBody>
       </p:sp>
     </p:spTree>
     <p:extLst>
       <p:ext uri="{BB962C8B-B14F-4D97-AF65-F5344CB8AC3E}">
-        <p14:creationId xmlns:p14="http://schemas.microsoft.com/office/powerpoint/2010/main" val="3420371533"/>
+        <p14:creationId xmlns:p14="http://schemas.microsoft.com/office/powerpoint/2010/main" val="4057304795"/>
       </p:ext>
     </p:extLst>
   </p:cSld>
@@ -10324,14 +10393,14 @@
           <a:p>
             <a:r>
               <a:rPr lang="en-US" dirty="0"/>
-              <a:t>Problem</a:t>
-            </a:r>
-          </a:p>
-        </p:txBody>
-      </p:sp>
-      <p:sp>
-        <p:nvSpPr>
-          <p:cNvPr id="3" name="Content Placeholder 2"/>
+              <a:t>Alignment sorting</a:t>
+            </a:r>
+          </a:p>
+        </p:txBody>
+      </p:sp>
+      <p:sp>
+        <p:nvSpPr>
+          <p:cNvPr id="4" name="Content Placeholder 2"/>
           <p:cNvSpPr>
             <a:spLocks noGrp="1"/>
           </p:cNvSpPr>
@@ -10341,8 +10410,8 @@
         </p:nvSpPr>
         <p:spPr>
           <a:xfrm>
-            <a:off x="1662158" y="2535511"/>
-            <a:ext cx="6257492" cy="1018673"/>
+            <a:off x="457200" y="1537932"/>
+            <a:ext cx="7894746" cy="2375501"/>
           </a:xfrm>
         </p:spPr>
         <p:txBody>
@@ -10353,8 +10422,179 @@
               <a:buNone/>
             </a:pPr>
             <a:r>
-              <a:rPr lang="en-US" dirty="0"/>
-              <a:t>Could you use the help document to figure out how to sort bam by read names?</a:t>
+              <a:rPr lang="en-US" dirty="0">
+                <a:latin typeface="Courier"/>
+                <a:cs typeface="Courier"/>
+              </a:rPr>
+              <a:t>### Sort BAM:</a:t>
+            </a:r>
+          </a:p>
+          <a:p>
+            <a:pPr marL="0" indent="0">
+              <a:buNone/>
+            </a:pPr>
+            <a:r>
+              <a:rPr lang="en-US" dirty="0" err="1">
+                <a:latin typeface="Courier"/>
+                <a:cs typeface="Courier"/>
+              </a:rPr>
+              <a:t>samtools</a:t>
+            </a:r>
+            <a:r>
+              <a:rPr lang="en-US" dirty="0">
+                <a:latin typeface="Courier"/>
+                <a:cs typeface="Courier"/>
+              </a:rPr>
+              <a:t> sort </a:t>
+            </a:r>
+            <a:r>
+              <a:rPr lang="en-US" dirty="0" err="1">
+                <a:latin typeface="Courier"/>
+                <a:cs typeface="Courier"/>
+              </a:rPr>
+              <a:t>aln.bam</a:t>
+            </a:r>
+            <a:r>
+              <a:rPr lang="en-US" dirty="0">
+                <a:latin typeface="Courier"/>
+                <a:cs typeface="Courier"/>
+              </a:rPr>
+              <a:t> &gt; </a:t>
+            </a:r>
+            <a:r>
+              <a:rPr lang="en-US" dirty="0" err="1">
+                <a:latin typeface="Courier"/>
+                <a:cs typeface="Courier"/>
+              </a:rPr>
+              <a:t>alnsort.bam</a:t>
+            </a:r>
+            <a:endParaRPr lang="en-US" dirty="0">
+              <a:latin typeface="Courier"/>
+              <a:cs typeface="Courier"/>
+            </a:endParaRPr>
+          </a:p>
+          <a:p>
+            <a:pPr marL="0" indent="0">
+              <a:buNone/>
+            </a:pPr>
+            <a:endParaRPr lang="en-US" dirty="0">
+              <a:latin typeface="Courier"/>
+              <a:cs typeface="Courier"/>
+            </a:endParaRPr>
+          </a:p>
+          <a:p>
+            <a:pPr marL="0" indent="0">
+              <a:buNone/>
+            </a:pPr>
+            <a:r>
+              <a:rPr lang="en-US" dirty="0">
+                <a:latin typeface="Courier"/>
+                <a:cs typeface="Courier"/>
+              </a:rPr>
+              <a:t>### convert to SAM</a:t>
+            </a:r>
+          </a:p>
+          <a:p>
+            <a:pPr marL="0" indent="0">
+              <a:buNone/>
+            </a:pPr>
+            <a:r>
+              <a:rPr lang="en-US" dirty="0" err="1">
+                <a:latin typeface="Courier"/>
+                <a:cs typeface="Courier"/>
+              </a:rPr>
+              <a:t>samtools</a:t>
+            </a:r>
+            <a:r>
+              <a:rPr lang="en-US" dirty="0">
+                <a:latin typeface="Courier"/>
+                <a:cs typeface="Courier"/>
+              </a:rPr>
+              <a:t> view </a:t>
+            </a:r>
+            <a:r>
+              <a:rPr lang="en-US" dirty="0" err="1">
+                <a:latin typeface="Courier"/>
+                <a:cs typeface="Courier"/>
+              </a:rPr>
+              <a:t>alnsort.bam</a:t>
+            </a:r>
+            <a:r>
+              <a:rPr lang="en-US" dirty="0">
+                <a:latin typeface="Courier"/>
+                <a:cs typeface="Courier"/>
+              </a:rPr>
+              <a:t> &gt; </a:t>
+            </a:r>
+            <a:r>
+              <a:rPr lang="en-US" dirty="0" err="1">
+                <a:latin typeface="Courier"/>
+                <a:cs typeface="Courier"/>
+              </a:rPr>
+              <a:t>alnsort.sam</a:t>
+            </a:r>
+            <a:endParaRPr lang="en-US" dirty="0">
+              <a:latin typeface="Courier"/>
+              <a:cs typeface="Courier"/>
+            </a:endParaRPr>
+          </a:p>
+          <a:p>
+            <a:pPr marL="0" indent="0">
+              <a:buNone/>
+            </a:pPr>
+            <a:endParaRPr lang="en-US" dirty="0">
+              <a:latin typeface="Courier"/>
+              <a:cs typeface="Courier"/>
+            </a:endParaRPr>
+          </a:p>
+        </p:txBody>
+      </p:sp>
+      <p:sp>
+        <p:nvSpPr>
+          <p:cNvPr id="5" name="TextBox 4"/>
+          <p:cNvSpPr txBox="1"/>
+          <p:nvPr/>
+        </p:nvSpPr>
+        <p:spPr>
+          <a:xfrm>
+            <a:off x="973244" y="4217122"/>
+            <a:ext cx="6536605" cy="1569660"/>
+          </a:xfrm>
+          <a:prstGeom prst="rect">
+            <a:avLst/>
+          </a:prstGeom>
+          <a:noFill/>
+        </p:spPr>
+        <p:txBody>
+          <a:bodyPr wrap="square" rtlCol="0">
+            <a:spAutoFit/>
+          </a:bodyPr>
+          <a:lstStyle/>
+          <a:p>
+            <a:r>
+              <a:rPr lang="en-US" sz="3200" dirty="0">
+                <a:solidFill>
+                  <a:srgbClr val="FF0000"/>
+                </a:solidFill>
+              </a:rPr>
+              <a:t>Question:</a:t>
+            </a:r>
+          </a:p>
+          <a:p>
+            <a:endParaRPr lang="en-US" sz="3200" dirty="0">
+              <a:solidFill>
+                <a:srgbClr val="FF0000"/>
+              </a:solidFill>
+            </a:endParaRPr>
+          </a:p>
+          <a:p>
+            <a:r>
+              <a:rPr lang="en-US" sz="3200" dirty="0">
+                <a:solidFill>
+                  <a:srgbClr val="FF0000"/>
+                </a:solidFill>
+              </a:rPr>
+              <a:t>What was the basis for the sorting?</a:t>
             </a:r>
           </a:p>
         </p:txBody>
@@ -10362,7 +10602,7 @@
     </p:spTree>
     <p:extLst>
       <p:ext uri="{BB962C8B-B14F-4D97-AF65-F5344CB8AC3E}">
-        <p14:creationId xmlns:p14="http://schemas.microsoft.com/office/powerpoint/2010/main" val="2099163679"/>
+        <p14:creationId xmlns:p14="http://schemas.microsoft.com/office/powerpoint/2010/main" val="3420371533"/>
       </p:ext>
     </p:extLst>
   </p:cSld>
@@ -10406,6 +10646,90 @@
           <a:p>
             <a:r>
               <a:rPr lang="en-US" dirty="0"/>
+              <a:t>Problem</a:t>
+            </a:r>
+          </a:p>
+        </p:txBody>
+      </p:sp>
+      <p:sp>
+        <p:nvSpPr>
+          <p:cNvPr id="3" name="Content Placeholder 2"/>
+          <p:cNvSpPr>
+            <a:spLocks noGrp="1"/>
+          </p:cNvSpPr>
+          <p:nvPr>
+            <p:ph idx="1"/>
+          </p:nvPr>
+        </p:nvSpPr>
+        <p:spPr>
+          <a:xfrm>
+            <a:off x="710179" y="2122152"/>
+            <a:ext cx="7757415" cy="1535448"/>
+          </a:xfrm>
+        </p:spPr>
+        <p:txBody>
+          <a:bodyPr>
+            <a:noAutofit/>
+          </a:bodyPr>
+          <a:lstStyle/>
+          <a:p>
+            <a:pPr marL="0" indent="0">
+              <a:buNone/>
+            </a:pPr>
+            <a:r>
+              <a:rPr lang="en-US" sz="2800" dirty="0"/>
+              <a:t>Could you use the help document to figure out how to sort bam by read names?</a:t>
+            </a:r>
+          </a:p>
+        </p:txBody>
+      </p:sp>
+    </p:spTree>
+    <p:extLst>
+      <p:ext uri="{BB962C8B-B14F-4D97-AF65-F5344CB8AC3E}">
+        <p14:creationId xmlns:p14="http://schemas.microsoft.com/office/powerpoint/2010/main" val="2099163679"/>
+      </p:ext>
+    </p:extLst>
+  </p:cSld>
+  <p:clrMapOvr>
+    <a:masterClrMapping/>
+  </p:clrMapOvr>
+</p:sld>
+</file>
+
+<file path=ppt/slides/slide28.xml><?xml version="1.0" encoding="utf-8"?>
+<p:sld xmlns:a="http://schemas.openxmlformats.org/drawingml/2006/main" xmlns:r="http://schemas.openxmlformats.org/officeDocument/2006/relationships" xmlns:p="http://schemas.openxmlformats.org/presentationml/2006/main">
+  <p:cSld>
+    <p:spTree>
+      <p:nvGrpSpPr>
+        <p:cNvPr id="1" name=""/>
+        <p:cNvGrpSpPr/>
+        <p:nvPr/>
+      </p:nvGrpSpPr>
+      <p:grpSpPr>
+        <a:xfrm>
+          <a:off x="0" y="0"/>
+          <a:ext cx="0" cy="0"/>
+          <a:chOff x="0" y="0"/>
+          <a:chExt cx="0" cy="0"/>
+        </a:xfrm>
+      </p:grpSpPr>
+      <p:sp>
+        <p:nvSpPr>
+          <p:cNvPr id="2" name="Title 1"/>
+          <p:cNvSpPr>
+            <a:spLocks noGrp="1"/>
+          </p:cNvSpPr>
+          <p:nvPr>
+            <p:ph type="title"/>
+          </p:nvPr>
+        </p:nvSpPr>
+        <p:spPr/>
+        <p:txBody>
+          <a:bodyPr/>
+          <a:lstStyle/>
+          <a:p>
+            <a:r>
+              <a:rPr lang="en-US" dirty="0"/>
               <a:t>Alignment Index</a:t>
             </a:r>
           </a:p>
@@ -10423,19 +10747,21 @@
         </p:nvSpPr>
         <p:spPr>
           <a:xfrm>
-            <a:off x="1237176" y="1750682"/>
-            <a:ext cx="6376210" cy="1196472"/>
+            <a:off x="457200" y="1625422"/>
+            <a:ext cx="7997868" cy="1196472"/>
           </a:xfrm>
         </p:spPr>
         <p:txBody>
-          <a:bodyPr/>
+          <a:bodyPr>
+            <a:normAutofit/>
+          </a:bodyPr>
           <a:lstStyle/>
           <a:p>
             <a:pPr marL="0" indent="0">
               <a:buNone/>
             </a:pPr>
             <a:r>
-              <a:rPr lang="en-US" dirty="0">
+              <a:rPr lang="en-US" sz="2800" dirty="0">
                 <a:latin typeface="Courier"/>
                 <a:cs typeface="Courier"/>
               </a:rPr>
@@ -10447,27 +10773,27 @@
               <a:buNone/>
             </a:pPr>
             <a:r>
-              <a:rPr lang="en-US" dirty="0" err="1">
+              <a:rPr lang="en-US" sz="2800" dirty="0" err="1">
                 <a:latin typeface="Courier"/>
                 <a:cs typeface="Courier"/>
               </a:rPr>
               <a:t>samtools</a:t>
             </a:r>
             <a:r>
-              <a:rPr lang="en-US" dirty="0">
+              <a:rPr lang="en-US" sz="2800" dirty="0">
                 <a:latin typeface="Courier"/>
                 <a:cs typeface="Courier"/>
               </a:rPr>
               <a:t> index </a:t>
             </a:r>
             <a:r>
-              <a:rPr lang="en-US" dirty="0" err="1">
+              <a:rPr lang="en-US" sz="2800" dirty="0" err="1">
                 <a:latin typeface="Courier"/>
                 <a:cs typeface="Courier"/>
               </a:rPr>
               <a:t>alnsort.bam</a:t>
             </a:r>
-            <a:endParaRPr lang="en-US" dirty="0">
+            <a:endParaRPr lang="en-US" sz="2800" dirty="0">
               <a:latin typeface="Courier"/>
               <a:cs typeface="Courier"/>
             </a:endParaRPr>
@@ -12102,7 +12428,13 @@
       </p:grpSpPr>
       <p:sp>
         <p:nvSpPr>
-          <p:cNvPr id="2" name="Title 1"/>
+          <p:cNvPr id="2" name="Title 1">
+            <a:extLst>
+              <a:ext uri="{FF2B5EF4-FFF2-40B4-BE49-F238E27FC236}">
+                <a16:creationId xmlns:a16="http://schemas.microsoft.com/office/drawing/2014/main" id="{9F0415AB-9825-F74F-8B4C-69A2FFDAFBE6}"/>
+              </a:ext>
+            </a:extLst>
+          </p:cNvPr>
           <p:cNvSpPr>
             <a:spLocks noGrp="1"/>
           </p:cNvSpPr>
@@ -12112,19 +12444,27 @@
         </p:nvSpPr>
         <p:spPr/>
         <p:txBody>
-          <a:bodyPr/>
+          <a:bodyPr>
+            <a:normAutofit/>
+          </a:bodyPr>
           <a:lstStyle/>
           <a:p>
             <a:r>
-              <a:rPr lang="en-US" dirty="0"/>
-              <a:t>Genome sequence data</a:t>
-            </a:r>
-          </a:p>
-        </p:txBody>
-      </p:sp>
-      <p:sp>
-        <p:nvSpPr>
-          <p:cNvPr id="3" name="Content Placeholder 2"/>
+              <a:rPr lang="en-US" sz="3200" dirty="0"/>
+              <a:t>Load modules</a:t>
+            </a:r>
+          </a:p>
+        </p:txBody>
+      </p:sp>
+      <p:sp>
+        <p:nvSpPr>
+          <p:cNvPr id="3" name="Content Placeholder 2">
+            <a:extLst>
+              <a:ext uri="{FF2B5EF4-FFF2-40B4-BE49-F238E27FC236}">
+                <a16:creationId xmlns:a16="http://schemas.microsoft.com/office/drawing/2014/main" id="{7C3BAB38-69F4-8C47-951F-CCBEC8CE792C}"/>
+              </a:ext>
+            </a:extLst>
+          </p:cNvPr>
           <p:cNvSpPr>
             <a:spLocks noGrp="1"/>
           </p:cNvSpPr>
@@ -12134,207 +12474,88 @@
         </p:nvSpPr>
         <p:spPr>
           <a:xfrm>
-            <a:off x="313661" y="1256991"/>
-            <a:ext cx="8728527" cy="4618086"/>
+            <a:off x="1655001" y="1322246"/>
+            <a:ext cx="5833998" cy="4741288"/>
           </a:xfrm>
         </p:spPr>
         <p:txBody>
-          <a:bodyPr>
-            <a:normAutofit/>
-          </a:bodyPr>
+          <a:bodyPr/>
           <a:lstStyle/>
           <a:p>
-            <a:pPr>
-              <a:lnSpc>
-                <a:spcPct val="150000"/>
-              </a:lnSpc>
-            </a:pPr>
-            <a:r>
-              <a:rPr lang="en-US" dirty="0" err="1"/>
-              <a:t>E.coli</a:t>
-            </a:r>
-            <a:r>
-              <a:rPr lang="en-US" dirty="0"/>
-              <a:t> K-12 </a:t>
-            </a:r>
-            <a:r>
-              <a:rPr lang="fr-FR" dirty="0"/>
-              <a:t>MG1655 </a:t>
-            </a:r>
-            <a:r>
-              <a:rPr lang="fr-FR" dirty="0" err="1"/>
-              <a:t>reference</a:t>
-            </a:r>
-            <a:r>
-              <a:rPr lang="fr-FR" dirty="0"/>
-              <a:t> </a:t>
-            </a:r>
-            <a:r>
-              <a:rPr lang="fr-FR" dirty="0" err="1"/>
-              <a:t>genome</a:t>
-            </a:r>
-            <a:r>
-              <a:rPr lang="fr-FR" dirty="0"/>
-              <a:t> </a:t>
-            </a:r>
-            <a:r>
-              <a:rPr lang="fr-FR" dirty="0" err="1"/>
-              <a:t>sequence</a:t>
-            </a:r>
-            <a:endParaRPr lang="fr-FR" dirty="0"/>
-          </a:p>
-          <a:p>
-            <a:pPr marL="0" indent="0">
-              <a:lnSpc>
-                <a:spcPct val="150000"/>
-              </a:lnSpc>
-              <a:buNone/>
-            </a:pPr>
-            <a:r>
-              <a:rPr lang="fr-FR" dirty="0"/>
-              <a:t># </a:t>
-            </a:r>
-            <a:r>
-              <a:rPr lang="fr-FR" dirty="0" err="1"/>
-              <a:t>create</a:t>
-            </a:r>
-            <a:r>
-              <a:rPr lang="fr-FR" dirty="0"/>
-              <a:t> a new directory for </a:t>
-            </a:r>
-            <a:r>
-              <a:rPr lang="fr-FR" dirty="0" err="1"/>
-              <a:t>today's</a:t>
-            </a:r>
-            <a:r>
-              <a:rPr lang="fr-FR" dirty="0"/>
-              <a:t> practice</a:t>
-            </a:r>
-          </a:p>
-          <a:p>
-            <a:pPr marL="0" indent="0">
-              <a:lnSpc>
-                <a:spcPct val="150000"/>
-              </a:lnSpc>
-              <a:buNone/>
-            </a:pPr>
-            <a:r>
-              <a:rPr lang="fr-FR" sz="2000" dirty="0" err="1">
-                <a:latin typeface="Courier"/>
-                <a:cs typeface="Courier"/>
-              </a:rPr>
-              <a:t>mkdir</a:t>
-            </a:r>
-            <a:r>
-              <a:rPr lang="fr-FR" sz="2000" dirty="0">
-                <a:latin typeface="Courier"/>
-                <a:cs typeface="Courier"/>
-              </a:rPr>
-              <a:t> blast</a:t>
-            </a:r>
-          </a:p>
-          <a:p>
-            <a:pPr marL="0" indent="0">
-              <a:lnSpc>
-                <a:spcPct val="150000"/>
-              </a:lnSpc>
-              <a:buNone/>
-            </a:pPr>
-            <a:r>
-              <a:rPr lang="fr-FR" sz="2000" dirty="0">
-                <a:latin typeface="Courier"/>
-                <a:cs typeface="Courier"/>
-              </a:rPr>
-              <a:t>cd blast</a:t>
-            </a:r>
-          </a:p>
-          <a:p>
-            <a:pPr marL="0" indent="0">
-              <a:lnSpc>
-                <a:spcPct val="150000"/>
-              </a:lnSpc>
-              <a:buNone/>
-            </a:pPr>
-            <a:r>
-              <a:rPr lang="fr-FR" sz="2000" dirty="0" err="1">
-                <a:latin typeface="Courier"/>
-                <a:cs typeface="Courier"/>
-              </a:rPr>
-              <a:t>mkdir</a:t>
-            </a:r>
-            <a:r>
-              <a:rPr lang="fr-FR" sz="2000" dirty="0">
-                <a:latin typeface="Courier"/>
-                <a:cs typeface="Courier"/>
-              </a:rPr>
-              <a:t> </a:t>
-            </a:r>
-            <a:r>
-              <a:rPr lang="fr-FR" sz="2000" dirty="0" err="1">
-                <a:latin typeface="Courier"/>
-                <a:cs typeface="Courier"/>
-              </a:rPr>
-              <a:t>db</a:t>
-            </a:r>
-            <a:endParaRPr lang="fr-FR" sz="2000" dirty="0">
-              <a:latin typeface="Courier"/>
-              <a:cs typeface="Courier"/>
-            </a:endParaRPr>
-          </a:p>
-          <a:p>
-            <a:pPr marL="0" indent="0">
-              <a:lnSpc>
-                <a:spcPct val="150000"/>
-              </a:lnSpc>
-              <a:buNone/>
-            </a:pPr>
-            <a:r>
-              <a:rPr lang="fr-FR" sz="2000" dirty="0">
-                <a:latin typeface="Courier"/>
-                <a:cs typeface="Courier"/>
-              </a:rPr>
-              <a:t>cd </a:t>
-            </a:r>
-            <a:r>
-              <a:rPr lang="fr-FR" sz="2000" dirty="0" err="1">
-                <a:latin typeface="Courier"/>
-                <a:cs typeface="Courier"/>
-              </a:rPr>
-              <a:t>db</a:t>
-            </a:r>
-            <a:endParaRPr lang="fr-FR" sz="2000" dirty="0">
-              <a:latin typeface="Courier"/>
-              <a:cs typeface="Courier"/>
-            </a:endParaRPr>
-          </a:p>
-          <a:p>
-            <a:pPr marL="0" indent="0">
-              <a:lnSpc>
-                <a:spcPct val="150000"/>
-              </a:lnSpc>
-              <a:buNone/>
-            </a:pPr>
-            <a:r>
-              <a:rPr lang="en-US" sz="1600" dirty="0" err="1">
-                <a:latin typeface="Courier"/>
-                <a:cs typeface="Courier"/>
-              </a:rPr>
-              <a:t>cp</a:t>
-            </a:r>
-            <a:r>
-              <a:rPr lang="en-US" sz="1600" dirty="0">
-                <a:latin typeface="Courier"/>
-                <a:cs typeface="Courier"/>
-              </a:rPr>
-              <a:t> /homes/liu3zhen/teaching/datasets/references .</a:t>
-            </a:r>
+            <a:r>
+              <a:rPr lang="en-US" sz="3200" dirty="0"/>
+              <a:t>Blast+</a:t>
+            </a:r>
+          </a:p>
+          <a:p>
+            <a:pPr marL="0" indent="0">
+              <a:buNone/>
+            </a:pPr>
+            <a:r>
+              <a:rPr lang="en-US" sz="3200" dirty="0"/>
+              <a:t>module load BLAST+</a:t>
+            </a:r>
+          </a:p>
+          <a:p>
+            <a:pPr marL="0" indent="0">
+              <a:buNone/>
+            </a:pPr>
+            <a:endParaRPr lang="en-US" sz="3200" dirty="0"/>
+          </a:p>
+          <a:p>
+            <a:r>
+              <a:rPr lang="en-US" sz="3200" dirty="0"/>
+              <a:t>bwa</a:t>
+            </a:r>
+          </a:p>
+          <a:p>
+            <a:pPr marL="0" indent="0">
+              <a:buNone/>
+            </a:pPr>
+            <a:r>
+              <a:rPr lang="en-US" sz="3200" dirty="0"/>
+              <a:t>module load BWA</a:t>
+            </a:r>
+          </a:p>
+          <a:p>
+            <a:pPr marL="0" indent="0">
+              <a:buNone/>
+            </a:pPr>
+            <a:endParaRPr lang="en-US" sz="3200" dirty="0"/>
+          </a:p>
+          <a:p>
+            <a:r>
+              <a:rPr lang="en-US" sz="3200" dirty="0" err="1"/>
+              <a:t>SAMtools</a:t>
+            </a:r>
+            <a:endParaRPr lang="en-US" sz="3200" dirty="0"/>
+          </a:p>
+          <a:p>
+            <a:pPr marL="0" indent="0">
+              <a:buNone/>
+            </a:pPr>
+            <a:r>
+              <a:rPr lang="en-US" sz="3200" dirty="0"/>
+              <a:t>module load </a:t>
+            </a:r>
+            <a:r>
+              <a:rPr lang="en-US" sz="3200" dirty="0" err="1"/>
+              <a:t>SAMtools</a:t>
+            </a:r>
+            <a:endParaRPr lang="en-US" sz="3200" dirty="0"/>
+          </a:p>
+          <a:p>
+            <a:pPr marL="0" indent="0">
+              <a:buNone/>
+            </a:pPr>
+            <a:endParaRPr lang="en-US" dirty="0"/>
           </a:p>
         </p:txBody>
       </p:sp>
     </p:spTree>
     <p:extLst>
       <p:ext uri="{BB962C8B-B14F-4D97-AF65-F5344CB8AC3E}">
-        <p14:creationId xmlns:p14="http://schemas.microsoft.com/office/powerpoint/2010/main" val="2000764796"/>
+        <p14:creationId xmlns:p14="http://schemas.microsoft.com/office/powerpoint/2010/main" val="1961660135"/>
       </p:ext>
     </p:extLst>
   </p:cSld>
@@ -12378,7 +12599,7 @@
           <a:p>
             <a:r>
               <a:rPr lang="en-US" dirty="0"/>
-              <a:t>Step 1: Create a database</a:t>
+              <a:t>Genome sequence data</a:t>
             </a:r>
           </a:p>
         </p:txBody>
@@ -12395,8 +12616,8 @@
         </p:nvSpPr>
         <p:spPr>
           <a:xfrm>
-            <a:off x="288894" y="1530327"/>
-            <a:ext cx="8686800" cy="4522118"/>
+            <a:off x="313661" y="1256990"/>
+            <a:ext cx="8728527" cy="4930867"/>
           </a:xfrm>
         </p:spPr>
         <p:txBody>
@@ -12405,130 +12626,197 @@
           </a:bodyPr>
           <a:lstStyle/>
           <a:p>
-            <a:r>
-              <a:rPr lang="en-US" b="1" dirty="0" err="1">
-                <a:solidFill>
-                  <a:srgbClr val="17375E"/>
-                </a:solidFill>
-              </a:rPr>
-              <a:t>makeblastdb</a:t>
-            </a:r>
-            <a:endParaRPr lang="en-US" b="1" dirty="0">
-              <a:solidFill>
-                <a:srgbClr val="17375E"/>
-              </a:solidFill>
+            <a:pPr>
+              <a:lnSpc>
+                <a:spcPct val="150000"/>
+              </a:lnSpc>
+            </a:pPr>
+            <a:r>
+              <a:rPr lang="en-US" dirty="0" err="1"/>
+              <a:t>E.coli</a:t>
+            </a:r>
+            <a:r>
+              <a:rPr lang="en-US" dirty="0"/>
+              <a:t> K-12 </a:t>
+            </a:r>
+            <a:r>
+              <a:rPr lang="fr-FR" dirty="0"/>
+              <a:t>MG1655 </a:t>
+            </a:r>
+            <a:r>
+              <a:rPr lang="fr-FR" dirty="0" err="1"/>
+              <a:t>reference</a:t>
+            </a:r>
+            <a:r>
+              <a:rPr lang="fr-FR" dirty="0"/>
+              <a:t> </a:t>
+            </a:r>
+            <a:r>
+              <a:rPr lang="fr-FR" dirty="0" err="1"/>
+              <a:t>genome</a:t>
+            </a:r>
+            <a:r>
+              <a:rPr lang="fr-FR" dirty="0"/>
+              <a:t> </a:t>
+            </a:r>
+            <a:r>
+              <a:rPr lang="fr-FR" dirty="0" err="1"/>
+              <a:t>sequence</a:t>
+            </a:r>
+            <a:endParaRPr lang="fr-FR" dirty="0"/>
+          </a:p>
+          <a:p>
+            <a:pPr marL="0" indent="0">
+              <a:lnSpc>
+                <a:spcPct val="150000"/>
+              </a:lnSpc>
+              <a:buNone/>
+            </a:pPr>
+            <a:r>
+              <a:rPr lang="fr-FR" dirty="0"/>
+              <a:t># </a:t>
+            </a:r>
+            <a:r>
+              <a:rPr lang="fr-FR" dirty="0" err="1"/>
+              <a:t>create</a:t>
+            </a:r>
+            <a:r>
+              <a:rPr lang="fr-FR" dirty="0"/>
+              <a:t> a new directory for </a:t>
+            </a:r>
+            <a:r>
+              <a:rPr lang="fr-FR" dirty="0" err="1"/>
+              <a:t>today's</a:t>
+            </a:r>
+            <a:r>
+              <a:rPr lang="fr-FR" dirty="0"/>
+              <a:t> practice</a:t>
+            </a:r>
+          </a:p>
+          <a:p>
+            <a:pPr marL="0" indent="0">
+              <a:lnSpc>
+                <a:spcPct val="150000"/>
+              </a:lnSpc>
+              <a:buNone/>
+            </a:pPr>
+            <a:r>
+              <a:rPr lang="fr-FR" sz="2800" dirty="0" err="1">
+                <a:latin typeface="Courier"/>
+                <a:cs typeface="Courier"/>
+              </a:rPr>
+              <a:t>mkdir</a:t>
+            </a:r>
+            <a:r>
+              <a:rPr lang="fr-FR" sz="2800" dirty="0">
+                <a:latin typeface="Courier"/>
+                <a:cs typeface="Courier"/>
+              </a:rPr>
+              <a:t> blast</a:t>
+            </a:r>
+          </a:p>
+          <a:p>
+            <a:pPr marL="0" indent="0">
+              <a:lnSpc>
+                <a:spcPct val="150000"/>
+              </a:lnSpc>
+              <a:buNone/>
+            </a:pPr>
+            <a:r>
+              <a:rPr lang="fr-FR" sz="2800" dirty="0">
+                <a:latin typeface="Courier"/>
+                <a:cs typeface="Courier"/>
+              </a:rPr>
+              <a:t>cd blast</a:t>
+            </a:r>
+          </a:p>
+          <a:p>
+            <a:pPr marL="0" indent="0">
+              <a:lnSpc>
+                <a:spcPct val="150000"/>
+              </a:lnSpc>
+              <a:buNone/>
+            </a:pPr>
+            <a:r>
+              <a:rPr lang="fr-FR" sz="2800" dirty="0" err="1">
+                <a:latin typeface="Courier"/>
+                <a:cs typeface="Courier"/>
+              </a:rPr>
+              <a:t>mkdir</a:t>
+            </a:r>
+            <a:r>
+              <a:rPr lang="fr-FR" sz="2800" dirty="0">
+                <a:latin typeface="Courier"/>
+                <a:cs typeface="Courier"/>
+              </a:rPr>
+              <a:t> </a:t>
+            </a:r>
+            <a:r>
+              <a:rPr lang="fr-FR" sz="2800" dirty="0" err="1">
+                <a:latin typeface="Courier"/>
+                <a:cs typeface="Courier"/>
+              </a:rPr>
+              <a:t>db</a:t>
+            </a:r>
+            <a:endParaRPr lang="fr-FR" sz="2800" dirty="0">
+              <a:latin typeface="Courier"/>
+              <a:cs typeface="Courier"/>
             </a:endParaRPr>
           </a:p>
           <a:p>
             <a:pPr marL="0" indent="0">
-              <a:buNone/>
-            </a:pPr>
-            <a:r>
-              <a:rPr lang="en-US" dirty="0"/>
-              <a:t>A program to create a BLAST database</a:t>
-            </a:r>
-          </a:p>
-          <a:p>
-            <a:pPr marL="0" indent="0">
-              <a:buNone/>
-            </a:pPr>
-            <a:endParaRPr lang="en-US" dirty="0">
-              <a:latin typeface="Courier New"/>
-              <a:cs typeface="Courier New"/>
+              <a:lnSpc>
+                <a:spcPct val="150000"/>
+              </a:lnSpc>
+              <a:buNone/>
+            </a:pPr>
+            <a:r>
+              <a:rPr lang="fr-FR" sz="2800" dirty="0">
+                <a:latin typeface="Courier"/>
+                <a:cs typeface="Courier"/>
+              </a:rPr>
+              <a:t>cd </a:t>
+            </a:r>
+            <a:r>
+              <a:rPr lang="fr-FR" sz="2800" dirty="0" err="1">
+                <a:latin typeface="Courier"/>
+                <a:cs typeface="Courier"/>
+              </a:rPr>
+              <a:t>db</a:t>
+            </a:r>
+            <a:endParaRPr lang="fr-FR" sz="2800" dirty="0">
+              <a:latin typeface="Courier"/>
+              <a:cs typeface="Courier"/>
             </a:endParaRPr>
           </a:p>
           <a:p>
             <a:pPr marL="0" indent="0">
-              <a:buNone/>
-            </a:pPr>
-            <a:r>
-              <a:rPr lang="en-US" dirty="0" err="1">
-                <a:latin typeface="Courier New"/>
-                <a:cs typeface="Courier New"/>
-              </a:rPr>
-              <a:t>makeblastdb</a:t>
-            </a:r>
-            <a:r>
-              <a:rPr lang="en-US" dirty="0">
-                <a:latin typeface="Courier New"/>
-                <a:cs typeface="Courier New"/>
-              </a:rPr>
-              <a:t> –h</a:t>
-            </a:r>
-          </a:p>
-          <a:p>
-            <a:pPr marL="0" indent="0">
-              <a:buNone/>
-            </a:pPr>
-            <a:endParaRPr lang="en-US" dirty="0">
-              <a:latin typeface="Courier New"/>
-              <a:cs typeface="Courier New"/>
-            </a:endParaRPr>
-          </a:p>
-          <a:p>
-            <a:pPr marL="0" indent="0">
-              <a:buNone/>
-            </a:pPr>
-            <a:r>
-              <a:rPr lang="en-US" sz="1600" dirty="0" err="1">
-                <a:latin typeface="Courier New"/>
-                <a:cs typeface="Courier New"/>
-              </a:rPr>
-              <a:t>makeblastdb</a:t>
-            </a:r>
-            <a:r>
-              <a:rPr lang="en-US" sz="1600" dirty="0">
-                <a:latin typeface="Courier New"/>
-                <a:cs typeface="Courier New"/>
-              </a:rPr>
-              <a:t> -in MG1655.fasta -out MG1655 -</a:t>
-            </a:r>
-            <a:r>
-              <a:rPr lang="en-US" sz="1600" dirty="0" err="1">
-                <a:latin typeface="Courier New"/>
-                <a:cs typeface="Courier New"/>
-              </a:rPr>
-              <a:t>dbtype</a:t>
-            </a:r>
-            <a:r>
-              <a:rPr lang="en-US" sz="1600" dirty="0">
-                <a:latin typeface="Courier New"/>
-                <a:cs typeface="Courier New"/>
-              </a:rPr>
-              <a:t> </a:t>
-            </a:r>
-            <a:r>
-              <a:rPr lang="en-US" sz="1600" dirty="0" err="1">
-                <a:latin typeface="Courier New"/>
-                <a:cs typeface="Courier New"/>
-              </a:rPr>
-              <a:t>nucl</a:t>
-            </a:r>
-            <a:r>
-              <a:rPr lang="en-US" sz="1600" dirty="0">
-                <a:latin typeface="Courier New"/>
-                <a:cs typeface="Courier New"/>
-              </a:rPr>
-              <a:t> -</a:t>
-            </a:r>
-            <a:r>
-              <a:rPr lang="en-US" sz="1600" dirty="0" err="1">
-                <a:latin typeface="Courier New"/>
-                <a:cs typeface="Courier New"/>
-              </a:rPr>
-              <a:t>parse_seqids</a:t>
-            </a:r>
-            <a:endParaRPr lang="en-US" sz="1600" dirty="0">
-              <a:latin typeface="Courier New"/>
-              <a:cs typeface="Courier New"/>
-            </a:endParaRPr>
+              <a:lnSpc>
+                <a:spcPct val="150000"/>
+              </a:lnSpc>
+              <a:buNone/>
+            </a:pPr>
+            <a:r>
+              <a:rPr lang="en-US" sz="2000" dirty="0" err="1">
+                <a:latin typeface="Courier"/>
+                <a:cs typeface="Courier"/>
+              </a:rPr>
+              <a:t>cp</a:t>
+            </a:r>
+            <a:r>
+              <a:rPr lang="en-US" sz="2000" dirty="0">
+                <a:latin typeface="Courier"/>
+                <a:cs typeface="Courier"/>
+              </a:rPr>
+              <a:t> /homes/liu3zhen/teaching/datasets/references .</a:t>
+            </a:r>
           </a:p>
         </p:txBody>
       </p:sp>
     </p:spTree>
     <p:extLst>
       <p:ext uri="{BB962C8B-B14F-4D97-AF65-F5344CB8AC3E}">
-        <p14:creationId xmlns:p14="http://schemas.microsoft.com/office/powerpoint/2010/main" val="1487461360"/>
+        <p14:creationId xmlns:p14="http://schemas.microsoft.com/office/powerpoint/2010/main" val="2000764796"/>
       </p:ext>
     </p:extLst>
   </p:cSld>

--- a/PLPTH813Bioinformatis/2021/labs/lab05_alignment.pptx
+++ b/PLPTH813Bioinformatis/2021/labs/lab05_alignment.pptx
@@ -235,7 +235,7 @@
           <a:p>
             <a:fld id="{08E6E0A8-E17C-C949-B17E-7A1A6494483A}" type="datetimeFigureOut">
               <a:rPr lang="en-US" smtClean="0"/>
-              <a:t>3/17/21</a:t>
+              <a:t>3/18/21</a:t>
             </a:fld>
             <a:endParaRPr lang="en-US"/>
           </a:p>
@@ -681,7 +681,7 @@
           <a:p>
             <a:fld id="{42B8B0BE-C8D7-EB48-AD68-71DB5002F24B}" type="datetimeFigureOut">
               <a:rPr lang="en-US" smtClean="0"/>
-              <a:t>3/17/21</a:t>
+              <a:t>3/18/21</a:t>
             </a:fld>
             <a:endParaRPr lang="en-US"/>
           </a:p>
@@ -849,7 +849,7 @@
           <a:p>
             <a:fld id="{42B8B0BE-C8D7-EB48-AD68-71DB5002F24B}" type="datetimeFigureOut">
               <a:rPr lang="en-US" smtClean="0"/>
-              <a:t>3/17/21</a:t>
+              <a:t>3/18/21</a:t>
             </a:fld>
             <a:endParaRPr lang="en-US"/>
           </a:p>
@@ -1027,7 +1027,7 @@
           <a:p>
             <a:fld id="{42B8B0BE-C8D7-EB48-AD68-71DB5002F24B}" type="datetimeFigureOut">
               <a:rPr lang="en-US" smtClean="0"/>
-              <a:t>3/17/21</a:t>
+              <a:t>3/18/21</a:t>
             </a:fld>
             <a:endParaRPr lang="en-US"/>
           </a:p>
@@ -1195,7 +1195,7 @@
           <a:p>
             <a:fld id="{42B8B0BE-C8D7-EB48-AD68-71DB5002F24B}" type="datetimeFigureOut">
               <a:rPr lang="en-US" smtClean="0"/>
-              <a:t>3/17/21</a:t>
+              <a:t>3/18/21</a:t>
             </a:fld>
             <a:endParaRPr lang="en-US"/>
           </a:p>
@@ -1440,7 +1440,7 @@
           <a:p>
             <a:fld id="{42B8B0BE-C8D7-EB48-AD68-71DB5002F24B}" type="datetimeFigureOut">
               <a:rPr lang="en-US" smtClean="0"/>
-              <a:t>3/17/21</a:t>
+              <a:t>3/18/21</a:t>
             </a:fld>
             <a:endParaRPr lang="en-US"/>
           </a:p>
@@ -1725,7 +1725,7 @@
           <a:p>
             <a:fld id="{42B8B0BE-C8D7-EB48-AD68-71DB5002F24B}" type="datetimeFigureOut">
               <a:rPr lang="en-US" smtClean="0"/>
-              <a:t>3/17/21</a:t>
+              <a:t>3/18/21</a:t>
             </a:fld>
             <a:endParaRPr lang="en-US"/>
           </a:p>
@@ -2144,7 +2144,7 @@
           <a:p>
             <a:fld id="{42B8B0BE-C8D7-EB48-AD68-71DB5002F24B}" type="datetimeFigureOut">
               <a:rPr lang="en-US" smtClean="0"/>
-              <a:t>3/17/21</a:t>
+              <a:t>3/18/21</a:t>
             </a:fld>
             <a:endParaRPr lang="en-US"/>
           </a:p>
@@ -2261,7 +2261,7 @@
           <a:p>
             <a:fld id="{42B8B0BE-C8D7-EB48-AD68-71DB5002F24B}" type="datetimeFigureOut">
               <a:rPr lang="en-US" smtClean="0"/>
-              <a:t>3/17/21</a:t>
+              <a:t>3/18/21</a:t>
             </a:fld>
             <a:endParaRPr lang="en-US"/>
           </a:p>
@@ -2356,7 +2356,7 @@
           <a:p>
             <a:fld id="{42B8B0BE-C8D7-EB48-AD68-71DB5002F24B}" type="datetimeFigureOut">
               <a:rPr lang="en-US" smtClean="0"/>
-              <a:t>3/17/21</a:t>
+              <a:t>3/18/21</a:t>
             </a:fld>
             <a:endParaRPr lang="en-US"/>
           </a:p>
@@ -2631,7 +2631,7 @@
           <a:p>
             <a:fld id="{42B8B0BE-C8D7-EB48-AD68-71DB5002F24B}" type="datetimeFigureOut">
               <a:rPr lang="en-US" smtClean="0"/>
-              <a:t>3/17/21</a:t>
+              <a:t>3/18/21</a:t>
             </a:fld>
             <a:endParaRPr lang="en-US"/>
           </a:p>
@@ -2883,7 +2883,7 @@
           <a:p>
             <a:fld id="{42B8B0BE-C8D7-EB48-AD68-71DB5002F24B}" type="datetimeFigureOut">
               <a:rPr lang="en-US" smtClean="0"/>
-              <a:t>3/17/21</a:t>
+              <a:t>3/18/21</a:t>
             </a:fld>
             <a:endParaRPr lang="en-US"/>
           </a:p>
@@ -3094,7 +3094,7 @@
           <a:p>
             <a:fld id="{42B8B0BE-C8D7-EB48-AD68-71DB5002F24B}" type="datetimeFigureOut">
               <a:rPr lang="en-US" smtClean="0"/>
-              <a:t>3/17/21</a:t>
+              <a:t>3/18/21</a:t>
             </a:fld>
             <a:endParaRPr lang="en-US"/>
           </a:p>
@@ -12797,18 +12797,11 @@
               <a:buNone/>
             </a:pPr>
             <a:r>
-              <a:rPr lang="en-US" sz="2000" dirty="0" err="1">
-                <a:latin typeface="Courier"/>
-                <a:cs typeface="Courier"/>
-              </a:rPr>
-              <a:t>cp</a:t>
-            </a:r>
-            <a:r>
               <a:rPr lang="en-US" sz="2000" dirty="0">
                 <a:latin typeface="Courier"/>
                 <a:cs typeface="Courier"/>
               </a:rPr>
-              <a:t> /homes/liu3zhen/teaching/datasets/references .</a:t>
+              <a:t>cp –r /homes/liu3zhen/teaching/datasets/references .</a:t>
             </a:r>
           </a:p>
         </p:txBody>

--- a/PLPTH813Bioinformatis/2021/labs/lab05_alignment.pptx
+++ b/PLPTH813Bioinformatis/2021/labs/lab05_alignment.pptx
@@ -7965,7 +7965,7 @@
                 <a:latin typeface="Courier New"/>
                 <a:cs typeface="Courier New"/>
               </a:rPr>
-              <a:t> 6 –remote \</a:t>
+              <a:t> 6 -remote \</a:t>
             </a:r>
           </a:p>
           <a:p>
@@ -9058,7 +9058,7 @@
         </p:nvSpPr>
         <p:spPr>
           <a:xfrm>
-            <a:off x="1343278" y="1233584"/>
+            <a:off x="1103787" y="1221058"/>
             <a:ext cx="6936425" cy="5147212"/>
           </a:xfrm>
         </p:spPr>
@@ -9166,34 +9166,23 @@
               <a:buNone/>
             </a:pPr>
             <a:r>
-              <a:rPr lang="en-US" sz="2800" dirty="0" err="1">
-                <a:latin typeface="Courier New"/>
-                <a:cs typeface="Courier New"/>
-              </a:rPr>
-              <a:t>bwa</a:t>
-            </a:r>
-            <a:endParaRPr lang="en-US" sz="2800" dirty="0">
-              <a:latin typeface="Courier New"/>
-              <a:cs typeface="Courier New"/>
-            </a:endParaRPr>
-          </a:p>
-          <a:p>
-            <a:pPr marL="0" indent="0">
-              <a:buNone/>
-            </a:pPr>
-            <a:r>
-              <a:rPr lang="en-US" sz="2800" dirty="0" err="1">
-                <a:latin typeface="Courier New"/>
-                <a:cs typeface="Courier New"/>
-              </a:rPr>
-              <a:t>bwa</a:t>
-            </a:r>
-            <a:r>
               <a:rPr lang="en-US" sz="2800" dirty="0">
                 <a:latin typeface="Courier New"/>
                 <a:cs typeface="Courier New"/>
               </a:rPr>
-              <a:t> index</a:t>
+              <a:t>bwa</a:t>
+            </a:r>
+          </a:p>
+          <a:p>
+            <a:pPr marL="0" indent="0">
+              <a:buNone/>
+            </a:pPr>
+            <a:r>
+              <a:rPr lang="en-US" sz="2800" dirty="0">
+                <a:latin typeface="Courier New"/>
+                <a:cs typeface="Courier New"/>
+              </a:rPr>
+              <a:t>bwa index</a:t>
             </a:r>
           </a:p>
           <a:p>
@@ -9336,12 +9325,22 @@
             </a:pPr>
             <a:r>
               <a:rPr lang="en-US" sz="2800" dirty="0" err="1">
+                <a:solidFill>
+                  <a:schemeClr val="bg1">
+                    <a:lumMod val="65000"/>
+                  </a:schemeClr>
+                </a:solidFill>
                 <a:latin typeface="Courier"/>
                 <a:cs typeface="Courier"/>
               </a:rPr>
               <a:t>pwd</a:t>
             </a:r>
             <a:endParaRPr lang="en-US" sz="2800" dirty="0">
+              <a:solidFill>
+                <a:schemeClr val="bg1">
+                  <a:lumMod val="65000"/>
+                </a:schemeClr>
+              </a:solidFill>
               <a:latin typeface="Courier"/>
               <a:cs typeface="Courier"/>
             </a:endParaRPr>
@@ -9355,6 +9354,11 @@
             </a:pPr>
             <a:r>
               <a:rPr lang="en-US" sz="2800" dirty="0">
+                <a:solidFill>
+                  <a:schemeClr val="bg1">
+                    <a:lumMod val="65000"/>
+                  </a:schemeClr>
+                </a:solidFill>
                 <a:latin typeface="Courier"/>
                 <a:cs typeface="Courier"/>
               </a:rPr>
@@ -9370,6 +9374,11 @@
             </a:pPr>
             <a:r>
               <a:rPr lang="en-US" sz="2800" dirty="0" err="1">
+                <a:solidFill>
+                  <a:schemeClr val="bg1">
+                    <a:lumMod val="65000"/>
+                  </a:schemeClr>
+                </a:solidFill>
                 <a:latin typeface="Courier"/>
                 <a:cs typeface="Courier"/>
               </a:rPr>
@@ -9377,6 +9386,11 @@
             </a:r>
             <a:r>
               <a:rPr lang="en-US" sz="2800" dirty="0">
+                <a:solidFill>
+                  <a:schemeClr val="bg1">
+                    <a:lumMod val="65000"/>
+                  </a:schemeClr>
+                </a:solidFill>
                 <a:latin typeface="Courier"/>
                 <a:cs typeface="Courier"/>
               </a:rPr>
@@ -9392,6 +9406,11 @@
             </a:pPr>
             <a:r>
               <a:rPr lang="en-US" sz="2800" dirty="0">
+                <a:solidFill>
+                  <a:schemeClr val="bg1">
+                    <a:lumMod val="65000"/>
+                  </a:schemeClr>
+                </a:solidFill>
                 <a:latin typeface="Courier"/>
                 <a:cs typeface="Courier"/>
               </a:rPr>
@@ -9452,6 +9471,67 @@
             <a:r>
               <a:rPr lang="fr-FR" sz="1800" dirty="0"/>
               <a:t>MG1655.pair2.fq</a:t>
+            </a:r>
+          </a:p>
+        </p:txBody>
+      </p:sp>
+      <p:sp>
+        <p:nvSpPr>
+          <p:cNvPr id="4" name="TextBox 3">
+            <a:extLst>
+              <a:ext uri="{FF2B5EF4-FFF2-40B4-BE49-F238E27FC236}">
+                <a16:creationId xmlns:a16="http://schemas.microsoft.com/office/drawing/2014/main" id="{749C0462-B6B6-8B4F-ABCB-F5DD14588990}"/>
+              </a:ext>
+            </a:extLst>
+          </p:cNvPr>
+          <p:cNvSpPr txBox="1"/>
+          <p:nvPr/>
+        </p:nvSpPr>
+        <p:spPr>
+          <a:xfrm>
+            <a:off x="457200" y="6008963"/>
+            <a:ext cx="8219879" cy="461665"/>
+          </a:xfrm>
+          <a:prstGeom prst="rect">
+            <a:avLst/>
+          </a:prstGeom>
+          <a:noFill/>
+        </p:spPr>
+        <p:txBody>
+          <a:bodyPr wrap="none" rtlCol="0">
+            <a:spAutoFit/>
+          </a:bodyPr>
+          <a:lstStyle/>
+          <a:p>
+            <a:r>
+              <a:rPr lang="en-US" sz="2400" dirty="0">
+                <a:solidFill>
+                  <a:schemeClr val="bg1">
+                    <a:lumMod val="65000"/>
+                  </a:schemeClr>
+                </a:solidFill>
+              </a:rPr>
+              <a:t>cp /homes/liu3zhen/teaching/datasets/MG1655_illumina/*</a:t>
+            </a:r>
+            <a:r>
+              <a:rPr lang="en-US" sz="2400" dirty="0" err="1">
+                <a:solidFill>
+                  <a:schemeClr val="bg1">
+                    <a:lumMod val="65000"/>
+                  </a:schemeClr>
+                </a:solidFill>
+              </a:rPr>
+              <a:t>fq</a:t>
+            </a:r>
+            <a:r>
+              <a:rPr lang="en-US" sz="2400" dirty="0">
+                <a:solidFill>
+                  <a:schemeClr val="bg1">
+                    <a:lumMod val="65000"/>
+                  </a:schemeClr>
+                </a:solidFill>
+              </a:rPr>
+              <a:t> .</a:t>
             </a:r>
           </a:p>
         </p:txBody>
@@ -9526,7 +9606,7 @@
         </p:spPr>
         <p:txBody>
           <a:bodyPr>
-            <a:normAutofit fontScale="92500" lnSpcReduction="10000"/>
+            <a:normAutofit lnSpcReduction="10000"/>
           </a:bodyPr>
           <a:lstStyle/>
           <a:p>
@@ -9730,32 +9810,11 @@
               <a:buNone/>
             </a:pPr>
             <a:r>
-              <a:rPr lang="en-US" sz="2200" dirty="0" err="1">
-                <a:latin typeface="Courier New"/>
-                <a:cs typeface="Courier New"/>
-              </a:rPr>
-              <a:t>bwa</a:t>
-            </a:r>
-            <a:r>
               <a:rPr lang="en-US" sz="2200" dirty="0">
                 <a:latin typeface="Courier New"/>
                 <a:cs typeface="Courier New"/>
               </a:rPr>
-              <a:t> </a:t>
-            </a:r>
-            <a:r>
-              <a:rPr lang="en-US" sz="2200" dirty="0" err="1">
-                <a:latin typeface="Courier New"/>
-                <a:cs typeface="Courier New"/>
-              </a:rPr>
-              <a:t>mem</a:t>
-            </a:r>
-            <a:r>
-              <a:rPr lang="en-US" sz="2200" dirty="0">
-                <a:latin typeface="Courier New"/>
-                <a:cs typeface="Courier New"/>
-              </a:rPr>
-              <a:t> –T 30 $ref $pe1 $pe2 1&gt;</a:t>
+              <a:t>bwa mem -T 30 $ref $pe1 $pe2 1&gt;</a:t>
             </a:r>
             <a:r>
               <a:rPr lang="en-US" sz="2200" dirty="0" err="1">
@@ -9792,19 +9851,7 @@
                 <a:latin typeface="Courier New"/>
                 <a:cs typeface="Courier New"/>
               </a:rPr>
-              <a:t>--------------------------------------------------- </a:t>
-            </a:r>
-          </a:p>
-          <a:p>
-            <a:pPr marL="0" indent="0">
-              <a:buNone/>
-            </a:pPr>
-            <a:r>
-              <a:rPr lang="en-US" sz="2800" dirty="0">
-                <a:latin typeface="Courier New"/>
-                <a:cs typeface="Courier New"/>
-              </a:rPr>
-              <a:t>bash </a:t>
+              <a:t>---------------------------------------bash </a:t>
             </a:r>
             <a:r>
               <a:rPr lang="en-US" sz="2800" dirty="0" err="1">
@@ -10025,7 +10072,7 @@
         </p:nvSpPr>
         <p:spPr>
           <a:xfrm>
-            <a:off x="1582986" y="4398008"/>
+            <a:off x="1169627" y="4372955"/>
             <a:ext cx="6356227" cy="584775"/>
           </a:xfrm>
           <a:prstGeom prst="rect">
@@ -12797,11 +12844,25 @@
               <a:buNone/>
             </a:pPr>
             <a:r>
-              <a:rPr lang="en-US" sz="2000" dirty="0">
-                <a:latin typeface="Courier"/>
-                <a:cs typeface="Courier"/>
-              </a:rPr>
-              <a:t>cp –r /homes/liu3zhen/teaching/datasets/references .</a:t>
+              <a:rPr lang="en-US" sz="1800" dirty="0">
+                <a:latin typeface="Courier"/>
+                <a:cs typeface="Courier"/>
+              </a:rPr>
+              <a:t>cp -r /homes/liu3zhen/teaching/datasets/references/*</a:t>
+            </a:r>
+            <a:r>
+              <a:rPr lang="en-US" sz="1800" dirty="0" err="1">
+                <a:latin typeface="Courier"/>
+                <a:cs typeface="Courier"/>
+              </a:rPr>
+              <a:t>fasta</a:t>
+            </a:r>
+            <a:r>
+              <a:rPr lang="en-US" sz="1800" dirty="0">
+                <a:latin typeface="Courier"/>
+                <a:cs typeface="Courier"/>
+              </a:rPr>
+              <a:t> .</a:t>
             </a:r>
           </a:p>
         </p:txBody>
